--- a/Рефераты/Введение в професию/Наработки/Презентация.pptx
+++ b/Рефераты/Введение в професию/Наработки/Презентация.pptx
@@ -9,19 +9,17 @@
     <p:sldId id="257" r:id="rId3"/>
     <p:sldId id="259" r:id="rId4"/>
     <p:sldId id="260" r:id="rId5"/>
-    <p:sldId id="261" r:id="rId6"/>
-    <p:sldId id="262" r:id="rId7"/>
-    <p:sldId id="263" r:id="rId8"/>
-    <p:sldId id="264" r:id="rId9"/>
-    <p:sldId id="265" r:id="rId10"/>
-    <p:sldId id="266" r:id="rId11"/>
-    <p:sldId id="267" r:id="rId12"/>
-    <p:sldId id="268" r:id="rId13"/>
-    <p:sldId id="269" r:id="rId14"/>
-    <p:sldId id="270" r:id="rId15"/>
-    <p:sldId id="271" r:id="rId16"/>
-    <p:sldId id="272" r:id="rId17"/>
-    <p:sldId id="258" r:id="rId18"/>
+    <p:sldId id="262" r:id="rId6"/>
+    <p:sldId id="263" r:id="rId7"/>
+    <p:sldId id="264" r:id="rId8"/>
+    <p:sldId id="265" r:id="rId9"/>
+    <p:sldId id="266" r:id="rId10"/>
+    <p:sldId id="268" r:id="rId11"/>
+    <p:sldId id="273" r:id="rId12"/>
+    <p:sldId id="269" r:id="rId13"/>
+    <p:sldId id="270" r:id="rId14"/>
+    <p:sldId id="271" r:id="rId15"/>
+    <p:sldId id="272" r:id="rId16"/>
   </p:sldIdLst>
   <p:sldSz cx="12192000" cy="6858000"/>
   <p:notesSz cx="6858000" cy="9144000"/>
@@ -8595,7 +8593,7 @@
           <p:cNvPr id="2" name="Заголовок 1">
             <a:extLst>
               <a:ext uri="{FF2B5EF4-FFF2-40B4-BE49-F238E27FC236}">
-                <a16:creationId xmlns:a16="http://schemas.microsoft.com/office/drawing/2014/main" id="{BDDB3196-A8F6-462B-A8F0-88340C1C77BB}"/>
+                <a16:creationId xmlns:a16="http://schemas.microsoft.com/office/drawing/2014/main" id="{13D6BE18-D9F0-4011-BF46-50628759CEFD}"/>
               </a:ext>
             </a:extLst>
           </p:cNvPr>
@@ -8612,8 +8610,10 @@
           <a:lstStyle/>
           <a:p>
             <a:r>
-              <a:rPr lang="ru-RU" dirty="0"/>
-              <a:t>ИСТОРИЯ ВОЗНИКНОВЕНИЯ унифицированного процесса разработки</a:t>
+              <a:rPr lang="ru-RU" dirty="0">
+                <a:latin typeface="Exo 2 Medium" panose="00000600000000000000" pitchFamily="2" charset="-52"/>
+              </a:rPr>
+              <a:t>Фазы разработки при унифицированном процессе</a:t>
             </a:r>
           </a:p>
         </p:txBody>
@@ -8623,7 +8623,7 @@
           <p:cNvPr id="3" name="Текст 2">
             <a:extLst>
               <a:ext uri="{FF2B5EF4-FFF2-40B4-BE49-F238E27FC236}">
-                <a16:creationId xmlns:a16="http://schemas.microsoft.com/office/drawing/2014/main" id="{64C27DBB-FD0F-411A-AD05-AF1FED75838A}"/>
+                <a16:creationId xmlns:a16="http://schemas.microsoft.com/office/drawing/2014/main" id="{EDC90EC7-2AEB-4E70-902C-A08A678B9F49}"/>
               </a:ext>
             </a:extLst>
           </p:cNvPr>
@@ -8648,10 +8648,10 @@
       </p:sp>
       <p:sp>
         <p:nvSpPr>
-          <p:cNvPr id="4" name="Текст 3">
+          <p:cNvPr id="5" name="Объект 4">
             <a:extLst>
               <a:ext uri="{FF2B5EF4-FFF2-40B4-BE49-F238E27FC236}">
-                <a16:creationId xmlns:a16="http://schemas.microsoft.com/office/drawing/2014/main" id="{46D0C001-C201-45DE-8FB6-9D622700E691}"/>
+                <a16:creationId xmlns:a16="http://schemas.microsoft.com/office/drawing/2014/main" id="{D9CA7F49-5140-45E5-BF70-7F06955A55A4}"/>
               </a:ext>
             </a:extLst>
           </p:cNvPr>
@@ -8659,93 +8659,255 @@
             <a:spLocks noGrp="1"/>
           </p:cNvSpPr>
           <p:nvPr>
-            <p:ph type="body" sz="half" idx="12"/>
+            <p:ph sz="quarter" idx="13"/>
           </p:nvPr>
         </p:nvSpPr>
         <p:spPr/>
         <p:txBody>
-          <a:bodyPr/>
+          <a:bodyPr>
+            <a:noAutofit/>
+          </a:bodyPr>
           <a:lstStyle/>
           <a:p>
-            <a:endParaRPr lang="ru-RU"/>
-          </a:p>
-        </p:txBody>
-      </p:sp>
-      <p:sp>
-        <p:nvSpPr>
-          <p:cNvPr id="5" name="Объект 4">
+            <a:r>
+              <a:rPr lang="ru-RU" sz="2400" dirty="0">
+                <a:latin typeface="Exo 2 Medium" panose="00000600000000000000" pitchFamily="2" charset="-52"/>
+              </a:rPr>
+              <a:t>3.	Строительная фаза: включает в себя фактическую реализация и тестирование системы, разработка пошаговых инкрементов возможностей системы. </a:t>
+            </a:r>
+          </a:p>
+          <a:p>
+            <a:r>
+              <a:rPr lang="ru-RU" sz="2400" dirty="0">
+                <a:latin typeface="Exo 2 Medium" panose="00000600000000000000" pitchFamily="2" charset="-52"/>
+              </a:rPr>
+              <a:t>4.	Переходная фаза: необходима для развертывания системы, обучение пользователей, подготовка документации, поддержка и обслуживания. </a:t>
+            </a:r>
+            <a:endParaRPr lang="ru-RU" sz="2400" dirty="0"/>
+          </a:p>
+        </p:txBody>
+      </p:sp>
+      <p:sp>
+        <p:nvSpPr>
+          <p:cNvPr id="6" name="Текст 3">
             <a:extLst>
               <a:ext uri="{FF2B5EF4-FFF2-40B4-BE49-F238E27FC236}">
-                <a16:creationId xmlns:a16="http://schemas.microsoft.com/office/drawing/2014/main" id="{57785FD0-E235-471E-8122-328564608717}"/>
+                <a16:creationId xmlns:a16="http://schemas.microsoft.com/office/drawing/2014/main" id="{010A3CC5-0A15-4BCB-A7AA-F10E3359C6AF}"/>
               </a:ext>
             </a:extLst>
           </p:cNvPr>
-          <p:cNvSpPr>
-            <a:spLocks noGrp="1"/>
-          </p:cNvSpPr>
-          <p:nvPr>
-            <p:ph sz="quarter" idx="13"/>
-          </p:nvPr>
-        </p:nvSpPr>
-        <p:spPr/>
-        <p:txBody>
-          <a:bodyPr>
-            <a:normAutofit fontScale="70000" lnSpcReduction="20000"/>
+          <p:cNvSpPr txBox="1">
+            <a:spLocks/>
+          </p:cNvSpPr>
+          <p:nvPr/>
+        </p:nvSpPr>
+        <p:spPr>
+          <a:xfrm>
+            <a:off x="405245" y="6461374"/>
+            <a:ext cx="2112235" cy="243976"/>
+          </a:xfrm>
+          <a:prstGeom prst="rect">
+            <a:avLst/>
+          </a:prstGeom>
+          <a:solidFill>
+            <a:schemeClr val="bg1"/>
+          </a:solidFill>
+        </p:spPr>
+        <p:txBody>
+          <a:bodyPr vert="horz" lIns="91440" tIns="45720" rIns="91440" bIns="45720" rtlCol="0">
+            <a:normAutofit/>
           </a:bodyPr>
-          <a:lstStyle/>
+          <a:lstStyle>
+            <a:lvl1pPr marL="0" indent="0" algn="ctr" defTabSz="914400" rtl="0" eaLnBrk="1" latinLnBrk="0" hangingPunct="1">
+              <a:spcBef>
+                <a:spcPct val="20000"/>
+              </a:spcBef>
+              <a:buClr>
+                <a:srgbClr val="002A4F"/>
+              </a:buClr>
+              <a:buFont typeface="Wingdings" panose="05000000000000000000" pitchFamily="2" charset="2"/>
+              <a:buNone/>
+              <a:defRPr sz="1000" b="0" kern="1200">
+                <a:solidFill>
+                  <a:schemeClr val="tx1">
+                    <a:lumMod val="50000"/>
+                    <a:lumOff val="50000"/>
+                  </a:schemeClr>
+                </a:solidFill>
+                <a:latin typeface="TT Norms Regular" pitchFamily="50" charset="-52"/>
+                <a:ea typeface="+mn-ea"/>
+                <a:cs typeface="+mn-cs"/>
+              </a:defRPr>
+            </a:lvl1pPr>
+            <a:lvl2pPr marL="457200" indent="0" algn="l" defTabSz="914400" rtl="0" eaLnBrk="1" latinLnBrk="0" hangingPunct="1">
+              <a:spcBef>
+                <a:spcPct val="20000"/>
+              </a:spcBef>
+              <a:buClr>
+                <a:srgbClr val="C00000"/>
+              </a:buClr>
+              <a:buFont typeface="Arial" panose="020B0604020202020204" pitchFamily="34" charset="0"/>
+              <a:buNone/>
+              <a:defRPr sz="1200" kern="1200">
+                <a:solidFill>
+                  <a:schemeClr val="tx1">
+                    <a:lumMod val="75000"/>
+                    <a:lumOff val="25000"/>
+                  </a:schemeClr>
+                </a:solidFill>
+                <a:latin typeface="TT Norms Regular" pitchFamily="50" charset="-52"/>
+                <a:ea typeface="+mn-ea"/>
+                <a:cs typeface="+mn-cs"/>
+              </a:defRPr>
+            </a:lvl2pPr>
+            <a:lvl3pPr marL="914400" indent="0" algn="l" defTabSz="914400" rtl="0" eaLnBrk="1" latinLnBrk="0" hangingPunct="1">
+              <a:spcBef>
+                <a:spcPct val="20000"/>
+              </a:spcBef>
+              <a:buClr>
+                <a:srgbClr val="C00000"/>
+              </a:buClr>
+              <a:buFont typeface="Arial" panose="020B0604020202020204" pitchFamily="34" charset="0"/>
+              <a:buNone/>
+              <a:defRPr sz="1000" kern="1200">
+                <a:solidFill>
+                  <a:schemeClr val="tx1">
+                    <a:lumMod val="75000"/>
+                    <a:lumOff val="25000"/>
+                  </a:schemeClr>
+                </a:solidFill>
+                <a:latin typeface="TT Norms Regular" pitchFamily="50" charset="-52"/>
+                <a:ea typeface="+mn-ea"/>
+                <a:cs typeface="+mn-cs"/>
+              </a:defRPr>
+            </a:lvl3pPr>
+            <a:lvl4pPr marL="1371600" indent="0" algn="l" defTabSz="914400" rtl="0" eaLnBrk="1" latinLnBrk="0" hangingPunct="1">
+              <a:spcBef>
+                <a:spcPct val="20000"/>
+              </a:spcBef>
+              <a:buClr>
+                <a:srgbClr val="C00000"/>
+              </a:buClr>
+              <a:buFont typeface="Arial" panose="020B0604020202020204" pitchFamily="34" charset="0"/>
+              <a:buNone/>
+              <a:defRPr sz="900" kern="1200">
+                <a:solidFill>
+                  <a:schemeClr val="tx1">
+                    <a:lumMod val="75000"/>
+                    <a:lumOff val="25000"/>
+                  </a:schemeClr>
+                </a:solidFill>
+                <a:latin typeface="TT Norms Regular" pitchFamily="50" charset="-52"/>
+                <a:ea typeface="+mn-ea"/>
+                <a:cs typeface="+mn-cs"/>
+              </a:defRPr>
+            </a:lvl4pPr>
+            <a:lvl5pPr marL="1828800" indent="0" algn="l" defTabSz="914400" rtl="0" eaLnBrk="1" latinLnBrk="0" hangingPunct="1">
+              <a:spcBef>
+                <a:spcPct val="20000"/>
+              </a:spcBef>
+              <a:buClr>
+                <a:srgbClr val="C00000"/>
+              </a:buClr>
+              <a:buFont typeface="Arial" panose="020B0604020202020204" pitchFamily="34" charset="0"/>
+              <a:buNone/>
+              <a:defRPr sz="900" kern="1200">
+                <a:solidFill>
+                  <a:schemeClr val="tx1">
+                    <a:lumMod val="75000"/>
+                    <a:lumOff val="25000"/>
+                  </a:schemeClr>
+                </a:solidFill>
+                <a:latin typeface="TT Norms Regular" pitchFamily="50" charset="-52"/>
+                <a:ea typeface="+mn-ea"/>
+                <a:cs typeface="+mn-cs"/>
+              </a:defRPr>
+            </a:lvl5pPr>
+            <a:lvl6pPr marL="2286000" indent="0" algn="l" defTabSz="914400" rtl="0" eaLnBrk="1" latinLnBrk="0" hangingPunct="1">
+              <a:spcBef>
+                <a:spcPct val="20000"/>
+              </a:spcBef>
+              <a:buFont typeface="Arial" panose="020B0604020202020204" pitchFamily="34" charset="0"/>
+              <a:buNone/>
+              <a:defRPr sz="900" kern="1200">
+                <a:solidFill>
+                  <a:schemeClr val="tx1"/>
+                </a:solidFill>
+                <a:latin typeface="+mn-lt"/>
+                <a:ea typeface="+mn-ea"/>
+                <a:cs typeface="+mn-cs"/>
+              </a:defRPr>
+            </a:lvl6pPr>
+            <a:lvl7pPr marL="2743200" indent="0" algn="l" defTabSz="914400" rtl="0" eaLnBrk="1" latinLnBrk="0" hangingPunct="1">
+              <a:spcBef>
+                <a:spcPct val="20000"/>
+              </a:spcBef>
+              <a:buFont typeface="Arial" panose="020B0604020202020204" pitchFamily="34" charset="0"/>
+              <a:buNone/>
+              <a:defRPr sz="900" kern="1200">
+                <a:solidFill>
+                  <a:schemeClr val="tx1"/>
+                </a:solidFill>
+                <a:latin typeface="+mn-lt"/>
+                <a:ea typeface="+mn-ea"/>
+                <a:cs typeface="+mn-cs"/>
+              </a:defRPr>
+            </a:lvl7pPr>
+            <a:lvl8pPr marL="3200400" indent="0" algn="l" defTabSz="914400" rtl="0" eaLnBrk="1" latinLnBrk="0" hangingPunct="1">
+              <a:spcBef>
+                <a:spcPct val="20000"/>
+              </a:spcBef>
+              <a:buFont typeface="Arial" panose="020B0604020202020204" pitchFamily="34" charset="0"/>
+              <a:buNone/>
+              <a:defRPr sz="900" kern="1200">
+                <a:solidFill>
+                  <a:schemeClr val="tx1"/>
+                </a:solidFill>
+                <a:latin typeface="+mn-lt"/>
+                <a:ea typeface="+mn-ea"/>
+                <a:cs typeface="+mn-cs"/>
+              </a:defRPr>
+            </a:lvl8pPr>
+            <a:lvl9pPr marL="3657600" indent="0" algn="l" defTabSz="914400" rtl="0" eaLnBrk="1" latinLnBrk="0" hangingPunct="1">
+              <a:spcBef>
+                <a:spcPct val="20000"/>
+              </a:spcBef>
+              <a:buFont typeface="Arial" panose="020B0604020202020204" pitchFamily="34" charset="0"/>
+              <a:buNone/>
+              <a:defRPr sz="900" kern="1200">
+                <a:solidFill>
+                  <a:schemeClr val="tx1"/>
+                </a:solidFill>
+                <a:latin typeface="+mn-lt"/>
+                <a:ea typeface="+mn-ea"/>
+                <a:cs typeface="+mn-cs"/>
+              </a:defRPr>
+            </a:lvl9pPr>
+          </a:lstStyle>
           <a:p>
             <a:r>
               <a:rPr lang="ru-RU" dirty="0"/>
-              <a:t>Унифицированный процесс разработки (УП) был создан как результат совместной работы нескольких крупных компаний в области разработки программного обеспечения.</a:t>
-            </a:r>
-          </a:p>
-          <a:p>
+              <a:t>5 декабря </a:t>
+            </a:r>
+            <a:r>
+              <a:rPr lang="en-US" dirty="0"/>
+              <a:t>2023 </a:t>
+            </a:r>
             <a:r>
               <a:rPr lang="ru-RU" dirty="0"/>
-              <a:t>История унифицированного процесса началась в конце 1980-х годов, когда разрабатывалась методика для управления разработкой программного обеспечения. </a:t>
-            </a:r>
-          </a:p>
-          <a:p>
-            <a:r>
-              <a:rPr lang="ru-RU" dirty="0"/>
-              <a:t>В 1994 году </a:t>
-            </a:r>
-            <a:r>
-              <a:rPr lang="ru-RU" dirty="0" err="1"/>
-              <a:t>Гради</a:t>
-            </a:r>
-            <a:r>
-              <a:rPr lang="ru-RU" dirty="0"/>
-              <a:t> Буч впервые опубликовал работу, которая стала основой для УП.</a:t>
-            </a:r>
-          </a:p>
-          <a:p>
-            <a:r>
-              <a:rPr lang="ru-RU" dirty="0"/>
-              <a:t>В 1997 году была выпущена книга "The Unified Software Development Process", где впервые формализовали концепцию унифицированного процесса.</a:t>
-            </a:r>
-          </a:p>
-          <a:p>
-            <a:r>
-              <a:rPr lang="ru-RU" dirty="0"/>
-              <a:t>Затем в 1999 году унифицированный процесс интегрировали в стандарты по разработке программного обеспечения.</a:t>
-            </a:r>
-          </a:p>
-          <a:p>
-            <a:r>
-              <a:rPr lang="ru-RU" dirty="0"/>
-              <a:t>С тех пор унифицированный процесс стал широко используемой и изучаемой методологией разработки программного обеспечения, которая продолжает развиваться и приспосабливаться к изменяющимся требованиям индустрии.</a:t>
-            </a:r>
-          </a:p>
-          <a:p>
-            <a:endParaRPr lang="ru-RU" dirty="0"/>
+              <a:t>г</a:t>
+            </a:r>
+            <a:r>
+              <a:rPr lang="en-US" dirty="0"/>
+              <a:t>.</a:t>
+            </a:r>
           </a:p>
         </p:txBody>
       </p:sp>
     </p:spTree>
     <p:extLst>
       <p:ext uri="{BB962C8B-B14F-4D97-AF65-F5344CB8AC3E}">
-        <p14:creationId xmlns:p14="http://schemas.microsoft.com/office/powerpoint/2010/main" val="1065536870"/>
+        <p14:creationId xmlns:p14="http://schemas.microsoft.com/office/powerpoint/2010/main" val="132236195"/>
       </p:ext>
     </p:extLst>
   </p:cSld>
@@ -8777,7 +8939,7 @@
           <p:cNvPr id="2" name="Заголовок 1">
             <a:extLst>
               <a:ext uri="{FF2B5EF4-FFF2-40B4-BE49-F238E27FC236}">
-                <a16:creationId xmlns:a16="http://schemas.microsoft.com/office/drawing/2014/main" id="{13D6BE18-D9F0-4011-BF46-50628759CEFD}"/>
+                <a16:creationId xmlns:a16="http://schemas.microsoft.com/office/drawing/2014/main" id="{3E87CECB-8AEA-480A-BD3D-C1C577EED409}"/>
               </a:ext>
             </a:extLst>
           </p:cNvPr>
@@ -8794,8 +8956,10 @@
           <a:lstStyle/>
           <a:p>
             <a:r>
-              <a:rPr lang="ru-RU" dirty="0"/>
-              <a:t>ФАЗЫ РАЗРАБОТКИ ПРИ УНИФИЦИРОВАННОМ ПРОЦЕССЕ РАЗРАБОТКИ</a:t>
+              <a:rPr lang="ru-RU" dirty="0">
+                <a:latin typeface="Exo 2 Medium" panose="00000600000000000000" pitchFamily="2" charset="-52"/>
+              </a:rPr>
+              <a:t>Достоинства унифицированного процесса разработки</a:t>
             </a:r>
           </a:p>
         </p:txBody>
@@ -8805,7 +8969,7 @@
           <p:cNvPr id="3" name="Текст 2">
             <a:extLst>
               <a:ext uri="{FF2B5EF4-FFF2-40B4-BE49-F238E27FC236}">
-                <a16:creationId xmlns:a16="http://schemas.microsoft.com/office/drawing/2014/main" id="{EDC90EC7-2AEB-4E70-902C-A08A678B9F49}"/>
+                <a16:creationId xmlns:a16="http://schemas.microsoft.com/office/drawing/2014/main" id="{E0F19AE0-9F05-413F-A354-67CBB872AFE2}"/>
               </a:ext>
             </a:extLst>
           </p:cNvPr>
@@ -8821,16 +8985,19 @@
           <a:bodyPr/>
           <a:lstStyle/>
           <a:p>
-            <a:endParaRPr lang="ru-RU"/>
-          </a:p>
-        </p:txBody>
-      </p:sp>
-      <p:sp>
-        <p:nvSpPr>
-          <p:cNvPr id="4" name="Текст 3">
+            <a:r>
+              <a:rPr lang="ru-RU" dirty="0"/>
+              <a:t>10</a:t>
+            </a:r>
+          </a:p>
+        </p:txBody>
+      </p:sp>
+      <p:sp>
+        <p:nvSpPr>
+          <p:cNvPr id="5" name="Объект 4">
             <a:extLst>
               <a:ext uri="{FF2B5EF4-FFF2-40B4-BE49-F238E27FC236}">
-                <a16:creationId xmlns:a16="http://schemas.microsoft.com/office/drawing/2014/main" id="{D86B092D-C5F9-4258-A325-C92DDB25A9BA}"/>
+                <a16:creationId xmlns:a16="http://schemas.microsoft.com/office/drawing/2014/main" id="{99C39020-092E-42F1-8222-7B72495EF214}"/>
               </a:ext>
             </a:extLst>
           </p:cNvPr>
@@ -8838,133 +9005,294 @@
             <a:spLocks noGrp="1"/>
           </p:cNvSpPr>
           <p:nvPr>
-            <p:ph type="body" sz="half" idx="12"/>
+            <p:ph sz="quarter" idx="13"/>
           </p:nvPr>
         </p:nvSpPr>
         <p:spPr/>
         <p:txBody>
-          <a:bodyPr/>
+          <a:bodyPr>
+            <a:normAutofit/>
+          </a:bodyPr>
           <a:lstStyle/>
           <a:p>
-            <a:endParaRPr lang="ru-RU"/>
-          </a:p>
-        </p:txBody>
-      </p:sp>
-      <p:sp>
-        <p:nvSpPr>
-          <p:cNvPr id="5" name="Объект 4">
+            <a:r>
+              <a:rPr lang="ru-RU" sz="2400" dirty="0">
+                <a:latin typeface="Exo 2 Medium" panose="00000600000000000000" pitchFamily="2" charset="-52"/>
+              </a:rPr>
+              <a:t>Унифицированный процесс, также как и другие методики программирования, имеет свои достоинства и недостатки. Можно выделить следующие достоинства унифицированного процесса разработки:</a:t>
+            </a:r>
+          </a:p>
+          <a:p>
+            <a:r>
+              <a:rPr lang="ru-RU" sz="2400" dirty="0">
+                <a:latin typeface="Exo 2 Medium" panose="00000600000000000000" pitchFamily="2" charset="-52"/>
+              </a:rPr>
+              <a:t>1.	Итеративность и </a:t>
+            </a:r>
+            <a:r>
+              <a:rPr lang="ru-RU" sz="2400" dirty="0" err="1">
+                <a:latin typeface="Exo 2 Medium" panose="00000600000000000000" pitchFamily="2" charset="-52"/>
+              </a:rPr>
+              <a:t>инкрементальность</a:t>
+            </a:r>
+            <a:r>
+              <a:rPr lang="ru-RU" sz="2400" dirty="0">
+                <a:latin typeface="Exo 2 Medium" panose="00000600000000000000" pitchFamily="2" charset="-52"/>
+              </a:rPr>
+              <a:t>.</a:t>
+            </a:r>
+          </a:p>
+          <a:p>
+            <a:r>
+              <a:rPr lang="ru-RU" sz="2400" dirty="0">
+                <a:latin typeface="Exo 2 Medium" panose="00000600000000000000" pitchFamily="2" charset="-52"/>
+              </a:rPr>
+              <a:t>2.	Гибкость и адаптивность.</a:t>
+            </a:r>
+          </a:p>
+          <a:p>
+            <a:r>
+              <a:rPr lang="ru-RU" sz="2400" dirty="0">
+                <a:latin typeface="Exo 2 Medium" panose="00000600000000000000" pitchFamily="2" charset="-52"/>
+              </a:rPr>
+              <a:t>3.	Ориентация на архитектуру.</a:t>
+            </a:r>
+          </a:p>
+          <a:p>
+            <a:r>
+              <a:rPr lang="ru-RU" sz="2400" dirty="0">
+                <a:latin typeface="Exo 2 Medium" panose="00000600000000000000" pitchFamily="2" charset="-52"/>
+              </a:rPr>
+              <a:t>4.	Управление рисками.</a:t>
+            </a:r>
+          </a:p>
+          <a:p>
+            <a:endParaRPr lang="ru-RU" dirty="0"/>
+          </a:p>
+        </p:txBody>
+      </p:sp>
+      <p:sp>
+        <p:nvSpPr>
+          <p:cNvPr id="6" name="Текст 3">
             <a:extLst>
               <a:ext uri="{FF2B5EF4-FFF2-40B4-BE49-F238E27FC236}">
-                <a16:creationId xmlns:a16="http://schemas.microsoft.com/office/drawing/2014/main" id="{D9CA7F49-5140-45E5-BF70-7F06955A55A4}"/>
+                <a16:creationId xmlns:a16="http://schemas.microsoft.com/office/drawing/2014/main" id="{2C03E8E2-03E7-4FC3-9107-530B1AD2CC1E}"/>
               </a:ext>
             </a:extLst>
           </p:cNvPr>
-          <p:cNvSpPr>
-            <a:spLocks noGrp="1"/>
-          </p:cNvSpPr>
-          <p:nvPr>
-            <p:ph sz="quarter" idx="13"/>
-          </p:nvPr>
-        </p:nvSpPr>
-        <p:spPr/>
-        <p:txBody>
-          <a:bodyPr>
-            <a:normAutofit fontScale="25000" lnSpcReduction="20000"/>
+          <p:cNvSpPr txBox="1">
+            <a:spLocks/>
+          </p:cNvSpPr>
+          <p:nvPr/>
+        </p:nvSpPr>
+        <p:spPr>
+          <a:xfrm>
+            <a:off x="405245" y="6461374"/>
+            <a:ext cx="2112235" cy="243976"/>
+          </a:xfrm>
+          <a:prstGeom prst="rect">
+            <a:avLst/>
+          </a:prstGeom>
+          <a:solidFill>
+            <a:schemeClr val="bg1"/>
+          </a:solidFill>
+        </p:spPr>
+        <p:txBody>
+          <a:bodyPr vert="horz" lIns="91440" tIns="45720" rIns="91440" bIns="45720" rtlCol="0">
+            <a:normAutofit/>
           </a:bodyPr>
-          <a:lstStyle/>
-          <a:p>
-            <a:r>
-              <a:rPr lang="ru-RU" sz="6000" dirty="0"/>
-              <a:t>Каждый цикл разработки, при унифицированной разработки, состоит из четырёх фаз, представляющих собой промежуток времени между важными этапами проекта, позволяющими руководителям принять важные решения относительно продолжения процесса разработки, объёма работ, бюджета и расписания. Эти фазы включают:</a:t>
-            </a:r>
-          </a:p>
-          <a:p>
-            <a:r>
-              <a:rPr lang="ru-RU" sz="6000" dirty="0"/>
-              <a:t>Начальная фаза: </a:t>
-            </a:r>
-          </a:p>
-          <a:p>
-            <a:r>
-              <a:rPr lang="ru-RU" sz="6000" dirty="0"/>
-              <a:t>Задачи: определение общей цели проекта, оценка его технической и экономической осуществимости, выявление основных рисков.</a:t>
-            </a:r>
-          </a:p>
-          <a:p>
-            <a:r>
-              <a:rPr lang="ru-RU" sz="6000" dirty="0"/>
-              <a:t>Результат: создание начального бизнес-плана и определение основной архитектуры системы.</a:t>
-            </a:r>
-          </a:p>
-          <a:p>
-            <a:r>
-              <a:rPr lang="ru-RU" sz="6000" dirty="0"/>
-              <a:t>Разрабатывающая фаза: </a:t>
-            </a:r>
-          </a:p>
-          <a:p>
-            <a:r>
-              <a:rPr lang="ru-RU" sz="6000" dirty="0"/>
-              <a:t>Задачи: детальное проектирование архитектуры, уточнение требований, определение основных компонентов системы.</a:t>
-            </a:r>
-          </a:p>
-          <a:p>
-            <a:r>
-              <a:rPr lang="ru-RU" sz="6000" dirty="0"/>
-              <a:t>Результат: уточненная архитектура, план разработки, определенные риски и способы их управления.</a:t>
-            </a:r>
-          </a:p>
-          <a:p>
-            <a:r>
-              <a:rPr lang="ru-RU" sz="6000" dirty="0"/>
-              <a:t>Строительная фаза:</a:t>
-            </a:r>
-          </a:p>
-          <a:p>
-            <a:r>
-              <a:rPr lang="ru-RU" sz="6000" dirty="0"/>
-              <a:t>Задачи: фактическая реализация и тестирование системы, разработка пошаговых инкрементов возможностей системы.</a:t>
-            </a:r>
-          </a:p>
-          <a:p>
-            <a:r>
-              <a:rPr lang="ru-RU" sz="6000" dirty="0"/>
-              <a:t>Результат: рабочая версия системы, продолжение доработки и тестирования.</a:t>
-            </a:r>
-          </a:p>
-          <a:p>
-            <a:r>
-              <a:rPr lang="ru-RU" sz="6000" dirty="0"/>
-              <a:t>Переходная фаза:</a:t>
-            </a:r>
-          </a:p>
-          <a:p>
-            <a:r>
-              <a:rPr lang="ru-RU" sz="6000" dirty="0"/>
-              <a:t>Задачи: предварительное развертывание системы, обучение пользователей, подготовка документации, поддержка и обслуживание.</a:t>
-            </a:r>
-          </a:p>
-          <a:p>
-            <a:r>
-              <a:rPr lang="ru-RU" sz="6000" dirty="0"/>
-              <a:t>Результат: успешное развертывание системы, обеспечение поддержки и обновлений.</a:t>
-            </a:r>
-          </a:p>
-          <a:p>
-            <a:r>
-              <a:rPr lang="ru-RU" sz="6000" dirty="0"/>
-              <a:t>Каждая из этих фаз имеет свои цели, активности и результаты, и представляет собой важный этап в цикле разработки программного обеспечения с использованием унифицированного процесса.</a:t>
-            </a:r>
-          </a:p>
-          <a:p>
-            <a:endParaRPr lang="ru-RU" dirty="0"/>
+          <a:lstStyle>
+            <a:lvl1pPr marL="0" indent="0" algn="ctr" defTabSz="914400" rtl="0" eaLnBrk="1" latinLnBrk="0" hangingPunct="1">
+              <a:spcBef>
+                <a:spcPct val="20000"/>
+              </a:spcBef>
+              <a:buClr>
+                <a:srgbClr val="002A4F"/>
+              </a:buClr>
+              <a:buFont typeface="Wingdings" panose="05000000000000000000" pitchFamily="2" charset="2"/>
+              <a:buNone/>
+              <a:defRPr sz="1000" b="0" kern="1200">
+                <a:solidFill>
+                  <a:schemeClr val="tx1">
+                    <a:lumMod val="50000"/>
+                    <a:lumOff val="50000"/>
+                  </a:schemeClr>
+                </a:solidFill>
+                <a:latin typeface="TT Norms Regular" pitchFamily="50" charset="-52"/>
+                <a:ea typeface="+mn-ea"/>
+                <a:cs typeface="+mn-cs"/>
+              </a:defRPr>
+            </a:lvl1pPr>
+            <a:lvl2pPr marL="457200" indent="0" algn="l" defTabSz="914400" rtl="0" eaLnBrk="1" latinLnBrk="0" hangingPunct="1">
+              <a:spcBef>
+                <a:spcPct val="20000"/>
+              </a:spcBef>
+              <a:buClr>
+                <a:srgbClr val="C00000"/>
+              </a:buClr>
+              <a:buFont typeface="Arial" panose="020B0604020202020204" pitchFamily="34" charset="0"/>
+              <a:buNone/>
+              <a:defRPr sz="1200" kern="1200">
+                <a:solidFill>
+                  <a:schemeClr val="tx1">
+                    <a:lumMod val="75000"/>
+                    <a:lumOff val="25000"/>
+                  </a:schemeClr>
+                </a:solidFill>
+                <a:latin typeface="TT Norms Regular" pitchFamily="50" charset="-52"/>
+                <a:ea typeface="+mn-ea"/>
+                <a:cs typeface="+mn-cs"/>
+              </a:defRPr>
+            </a:lvl2pPr>
+            <a:lvl3pPr marL="914400" indent="0" algn="l" defTabSz="914400" rtl="0" eaLnBrk="1" latinLnBrk="0" hangingPunct="1">
+              <a:spcBef>
+                <a:spcPct val="20000"/>
+              </a:spcBef>
+              <a:buClr>
+                <a:srgbClr val="C00000"/>
+              </a:buClr>
+              <a:buFont typeface="Arial" panose="020B0604020202020204" pitchFamily="34" charset="0"/>
+              <a:buNone/>
+              <a:defRPr sz="1000" kern="1200">
+                <a:solidFill>
+                  <a:schemeClr val="tx1">
+                    <a:lumMod val="75000"/>
+                    <a:lumOff val="25000"/>
+                  </a:schemeClr>
+                </a:solidFill>
+                <a:latin typeface="TT Norms Regular" pitchFamily="50" charset="-52"/>
+                <a:ea typeface="+mn-ea"/>
+                <a:cs typeface="+mn-cs"/>
+              </a:defRPr>
+            </a:lvl3pPr>
+            <a:lvl4pPr marL="1371600" indent="0" algn="l" defTabSz="914400" rtl="0" eaLnBrk="1" latinLnBrk="0" hangingPunct="1">
+              <a:spcBef>
+                <a:spcPct val="20000"/>
+              </a:spcBef>
+              <a:buClr>
+                <a:srgbClr val="C00000"/>
+              </a:buClr>
+              <a:buFont typeface="Arial" panose="020B0604020202020204" pitchFamily="34" charset="0"/>
+              <a:buNone/>
+              <a:defRPr sz="900" kern="1200">
+                <a:solidFill>
+                  <a:schemeClr val="tx1">
+                    <a:lumMod val="75000"/>
+                    <a:lumOff val="25000"/>
+                  </a:schemeClr>
+                </a:solidFill>
+                <a:latin typeface="TT Norms Regular" pitchFamily="50" charset="-52"/>
+                <a:ea typeface="+mn-ea"/>
+                <a:cs typeface="+mn-cs"/>
+              </a:defRPr>
+            </a:lvl4pPr>
+            <a:lvl5pPr marL="1828800" indent="0" algn="l" defTabSz="914400" rtl="0" eaLnBrk="1" latinLnBrk="0" hangingPunct="1">
+              <a:spcBef>
+                <a:spcPct val="20000"/>
+              </a:spcBef>
+              <a:buClr>
+                <a:srgbClr val="C00000"/>
+              </a:buClr>
+              <a:buFont typeface="Arial" panose="020B0604020202020204" pitchFamily="34" charset="0"/>
+              <a:buNone/>
+              <a:defRPr sz="900" kern="1200">
+                <a:solidFill>
+                  <a:schemeClr val="tx1">
+                    <a:lumMod val="75000"/>
+                    <a:lumOff val="25000"/>
+                  </a:schemeClr>
+                </a:solidFill>
+                <a:latin typeface="TT Norms Regular" pitchFamily="50" charset="-52"/>
+                <a:ea typeface="+mn-ea"/>
+                <a:cs typeface="+mn-cs"/>
+              </a:defRPr>
+            </a:lvl5pPr>
+            <a:lvl6pPr marL="2286000" indent="0" algn="l" defTabSz="914400" rtl="0" eaLnBrk="1" latinLnBrk="0" hangingPunct="1">
+              <a:spcBef>
+                <a:spcPct val="20000"/>
+              </a:spcBef>
+              <a:buFont typeface="Arial" panose="020B0604020202020204" pitchFamily="34" charset="0"/>
+              <a:buNone/>
+              <a:defRPr sz="900" kern="1200">
+                <a:solidFill>
+                  <a:schemeClr val="tx1"/>
+                </a:solidFill>
+                <a:latin typeface="+mn-lt"/>
+                <a:ea typeface="+mn-ea"/>
+                <a:cs typeface="+mn-cs"/>
+              </a:defRPr>
+            </a:lvl6pPr>
+            <a:lvl7pPr marL="2743200" indent="0" algn="l" defTabSz="914400" rtl="0" eaLnBrk="1" latinLnBrk="0" hangingPunct="1">
+              <a:spcBef>
+                <a:spcPct val="20000"/>
+              </a:spcBef>
+              <a:buFont typeface="Arial" panose="020B0604020202020204" pitchFamily="34" charset="0"/>
+              <a:buNone/>
+              <a:defRPr sz="900" kern="1200">
+                <a:solidFill>
+                  <a:schemeClr val="tx1"/>
+                </a:solidFill>
+                <a:latin typeface="+mn-lt"/>
+                <a:ea typeface="+mn-ea"/>
+                <a:cs typeface="+mn-cs"/>
+              </a:defRPr>
+            </a:lvl7pPr>
+            <a:lvl8pPr marL="3200400" indent="0" algn="l" defTabSz="914400" rtl="0" eaLnBrk="1" latinLnBrk="0" hangingPunct="1">
+              <a:spcBef>
+                <a:spcPct val="20000"/>
+              </a:spcBef>
+              <a:buFont typeface="Arial" panose="020B0604020202020204" pitchFamily="34" charset="0"/>
+              <a:buNone/>
+              <a:defRPr sz="900" kern="1200">
+                <a:solidFill>
+                  <a:schemeClr val="tx1"/>
+                </a:solidFill>
+                <a:latin typeface="+mn-lt"/>
+                <a:ea typeface="+mn-ea"/>
+                <a:cs typeface="+mn-cs"/>
+              </a:defRPr>
+            </a:lvl8pPr>
+            <a:lvl9pPr marL="3657600" indent="0" algn="l" defTabSz="914400" rtl="0" eaLnBrk="1" latinLnBrk="0" hangingPunct="1">
+              <a:spcBef>
+                <a:spcPct val="20000"/>
+              </a:spcBef>
+              <a:buFont typeface="Arial" panose="020B0604020202020204" pitchFamily="34" charset="0"/>
+              <a:buNone/>
+              <a:defRPr sz="900" kern="1200">
+                <a:solidFill>
+                  <a:schemeClr val="tx1"/>
+                </a:solidFill>
+                <a:latin typeface="+mn-lt"/>
+                <a:ea typeface="+mn-ea"/>
+                <a:cs typeface="+mn-cs"/>
+              </a:defRPr>
+            </a:lvl9pPr>
+          </a:lstStyle>
+          <a:p>
+            <a:r>
+              <a:rPr lang="ru-RU"/>
+              <a:t>5 декабря </a:t>
+            </a:r>
+            <a:r>
+              <a:rPr lang="en-US"/>
+              <a:t>2023 </a:t>
+            </a:r>
+            <a:r>
+              <a:rPr lang="ru-RU"/>
+              <a:t>г</a:t>
+            </a:r>
+            <a:r>
+              <a:rPr lang="en-US"/>
+              <a:t>.</a:t>
+            </a:r>
+            <a:endParaRPr lang="en-US" dirty="0"/>
           </a:p>
         </p:txBody>
       </p:sp>
     </p:spTree>
     <p:extLst>
       <p:ext uri="{BB962C8B-B14F-4D97-AF65-F5344CB8AC3E}">
-        <p14:creationId xmlns:p14="http://schemas.microsoft.com/office/powerpoint/2010/main" val="2918258730"/>
+        <p14:creationId xmlns:p14="http://schemas.microsoft.com/office/powerpoint/2010/main" val="356205817"/>
       </p:ext>
     </p:extLst>
   </p:cSld>
@@ -8996,7 +9324,7 @@
           <p:cNvPr id="2" name="Заголовок 1">
             <a:extLst>
               <a:ext uri="{FF2B5EF4-FFF2-40B4-BE49-F238E27FC236}">
-                <a16:creationId xmlns:a16="http://schemas.microsoft.com/office/drawing/2014/main" id="{3E87CECB-8AEA-480A-BD3D-C1C577EED409}"/>
+                <a16:creationId xmlns:a16="http://schemas.microsoft.com/office/drawing/2014/main" id="{34A2E207-258B-4FD1-BA82-7BA62E4B87B1}"/>
               </a:ext>
             </a:extLst>
           </p:cNvPr>
@@ -9013,8 +9341,10 @@
           <a:lstStyle/>
           <a:p>
             <a:r>
-              <a:rPr lang="ru-RU" dirty="0"/>
-              <a:t>ДОСТОИНСТВА УНИФИЦИРОВАННОГО ПРОЦЕССА РАЗРАБОТКИ</a:t>
+              <a:rPr lang="ru-RU" dirty="0">
+                <a:latin typeface="Exo 2 Medium" panose="00000600000000000000" pitchFamily="2" charset="-52"/>
+              </a:rPr>
+              <a:t>Недостатки унифицированного процесса разработки</a:t>
             </a:r>
           </a:p>
         </p:txBody>
@@ -9024,7 +9354,7 @@
           <p:cNvPr id="3" name="Текст 2">
             <a:extLst>
               <a:ext uri="{FF2B5EF4-FFF2-40B4-BE49-F238E27FC236}">
-                <a16:creationId xmlns:a16="http://schemas.microsoft.com/office/drawing/2014/main" id="{E0F19AE0-9F05-413F-A354-67CBB872AFE2}"/>
+                <a16:creationId xmlns:a16="http://schemas.microsoft.com/office/drawing/2014/main" id="{CFF30717-44E6-465C-A72F-E802D4E491A0}"/>
               </a:ext>
             </a:extLst>
           </p:cNvPr>
@@ -9040,16 +9370,19 @@
           <a:bodyPr/>
           <a:lstStyle/>
           <a:p>
-            <a:endParaRPr lang="ru-RU"/>
-          </a:p>
-        </p:txBody>
-      </p:sp>
-      <p:sp>
-        <p:nvSpPr>
-          <p:cNvPr id="4" name="Текст 3">
+            <a:r>
+              <a:rPr lang="ru-RU" dirty="0"/>
+              <a:t>11</a:t>
+            </a:r>
+          </a:p>
+        </p:txBody>
+      </p:sp>
+      <p:sp>
+        <p:nvSpPr>
+          <p:cNvPr id="5" name="Объект 4">
             <a:extLst>
               <a:ext uri="{FF2B5EF4-FFF2-40B4-BE49-F238E27FC236}">
-                <a16:creationId xmlns:a16="http://schemas.microsoft.com/office/drawing/2014/main" id="{769342B7-051E-4D28-80B2-EDB9D64E2B8E}"/>
+                <a16:creationId xmlns:a16="http://schemas.microsoft.com/office/drawing/2014/main" id="{F4A6C006-FD13-4A93-B36B-D00664464B6A}"/>
               </a:ext>
             </a:extLst>
           </p:cNvPr>
@@ -9057,93 +9390,282 @@
             <a:spLocks noGrp="1"/>
           </p:cNvSpPr>
           <p:nvPr>
-            <p:ph type="body" sz="half" idx="12"/>
+            <p:ph sz="quarter" idx="13"/>
           </p:nvPr>
         </p:nvSpPr>
         <p:spPr/>
         <p:txBody>
-          <a:bodyPr/>
+          <a:bodyPr>
+            <a:normAutofit/>
+          </a:bodyPr>
           <a:lstStyle/>
           <a:p>
-            <a:endParaRPr lang="ru-RU"/>
-          </a:p>
-        </p:txBody>
-      </p:sp>
-      <p:sp>
-        <p:nvSpPr>
-          <p:cNvPr id="5" name="Объект 4">
+            <a:r>
+              <a:rPr lang="ru-RU" sz="2400" dirty="0">
+                <a:latin typeface="Exo 2 Medium" panose="00000600000000000000" pitchFamily="2" charset="-52"/>
+              </a:rPr>
+              <a:t>Можно выделить следующие недостатки унифицированного процесса разработки:</a:t>
+            </a:r>
+          </a:p>
+          <a:p>
+            <a:r>
+              <a:rPr lang="ru-RU" sz="2400" dirty="0">
+                <a:latin typeface="Exo 2 Medium" panose="00000600000000000000" pitchFamily="2" charset="-52"/>
+              </a:rPr>
+              <a:t>1.	Сложность.</a:t>
+            </a:r>
+          </a:p>
+          <a:p>
+            <a:r>
+              <a:rPr lang="ru-RU" sz="2400" dirty="0">
+                <a:latin typeface="Exo 2 Medium" panose="00000600000000000000" pitchFamily="2" charset="-52"/>
+              </a:rPr>
+              <a:t>2.	Ресурсоемкость.</a:t>
+            </a:r>
+          </a:p>
+          <a:p>
+            <a:r>
+              <a:rPr lang="ru-RU" sz="2400" dirty="0">
+                <a:latin typeface="Exo 2 Medium" panose="00000600000000000000" pitchFamily="2" charset="-52"/>
+              </a:rPr>
+              <a:t>3.	Не всегда подходит для малых проектов.</a:t>
+            </a:r>
+          </a:p>
+          <a:p>
+            <a:r>
+              <a:rPr lang="ru-RU" sz="2400" dirty="0">
+                <a:latin typeface="Exo 2 Medium" panose="00000600000000000000" pitchFamily="2" charset="-52"/>
+              </a:rPr>
+              <a:t>4.	Неудовлетворительно для некоторых видов проектов.</a:t>
+            </a:r>
+          </a:p>
+          <a:p>
+            <a:endParaRPr lang="ru-RU" dirty="0"/>
+          </a:p>
+        </p:txBody>
+      </p:sp>
+      <p:sp>
+        <p:nvSpPr>
+          <p:cNvPr id="6" name="Текст 3">
             <a:extLst>
               <a:ext uri="{FF2B5EF4-FFF2-40B4-BE49-F238E27FC236}">
-                <a16:creationId xmlns:a16="http://schemas.microsoft.com/office/drawing/2014/main" id="{99C39020-092E-42F1-8222-7B72495EF214}"/>
+                <a16:creationId xmlns:a16="http://schemas.microsoft.com/office/drawing/2014/main" id="{9C6D1217-23FC-49C5-8668-09643E1D8584}"/>
               </a:ext>
             </a:extLst>
           </p:cNvPr>
-          <p:cNvSpPr>
-            <a:spLocks noGrp="1"/>
-          </p:cNvSpPr>
-          <p:nvPr>
-            <p:ph sz="quarter" idx="13"/>
-          </p:nvPr>
-        </p:nvSpPr>
-        <p:spPr/>
-        <p:txBody>
-          <a:bodyPr>
-            <a:normAutofit fontScale="62500" lnSpcReduction="20000"/>
+          <p:cNvSpPr txBox="1">
+            <a:spLocks/>
+          </p:cNvSpPr>
+          <p:nvPr/>
+        </p:nvSpPr>
+        <p:spPr>
+          <a:xfrm>
+            <a:off x="405245" y="6461374"/>
+            <a:ext cx="2112235" cy="243976"/>
+          </a:xfrm>
+          <a:prstGeom prst="rect">
+            <a:avLst/>
+          </a:prstGeom>
+          <a:solidFill>
+            <a:schemeClr val="bg1"/>
+          </a:solidFill>
+        </p:spPr>
+        <p:txBody>
+          <a:bodyPr vert="horz" lIns="91440" tIns="45720" rIns="91440" bIns="45720" rtlCol="0">
+            <a:normAutofit/>
           </a:bodyPr>
-          <a:lstStyle/>
-          <a:p>
-            <a:r>
-              <a:rPr lang="ru-RU" dirty="0"/>
-              <a:t>Унифицированный процесс, также как и другие методики программирования, имеет свои достоинства и недостатки. Можно выделить следующие достоинства унифицированного процесса разработки:</a:t>
-            </a:r>
-          </a:p>
-          <a:p>
-            <a:r>
-              <a:rPr lang="ru-RU" dirty="0"/>
-              <a:t>1.	Итеративность и </a:t>
-            </a:r>
-            <a:r>
-              <a:rPr lang="ru-RU" dirty="0" err="1"/>
-              <a:t>инкрементальность</a:t>
-            </a:r>
-            <a:r>
-              <a:rPr lang="ru-RU" dirty="0"/>
-              <a:t>: унифицированный процесс поддерживает итеративное и инкрементальное развитие продукта, что позволяет быстрее реагировать на изменения в требованиях заказчика и вносить коррективы в процесс разработки.</a:t>
-            </a:r>
-          </a:p>
-          <a:p>
-            <a:r>
-              <a:rPr lang="ru-RU" dirty="0"/>
-              <a:t>2.	Гибкость и адаптивность: унифицированный процесс гибок и может быть адаптирован к различным типам проектов, учитывая их размер, сложность и требования.</a:t>
-            </a:r>
-          </a:p>
-          <a:p>
-            <a:r>
-              <a:rPr lang="ru-RU" dirty="0"/>
-              <a:t>3.	Ориентация на архитектуру: унифицированный процесс акцентирует внимание на архитектурных аспектах разработки, что способствует созданию более стабильных и поддерживаемых систем.</a:t>
-            </a:r>
-          </a:p>
-          <a:p>
-            <a:r>
-              <a:rPr lang="ru-RU" dirty="0"/>
-              <a:t>4.	Управление рисками: методология унифицированный процесс включает в себя процессы управления рисками, что позволяет идентифицировать и решать проблемы на ранних стадиях разработки.</a:t>
-            </a:r>
-          </a:p>
-          <a:p>
-            <a:r>
-              <a:rPr lang="ru-RU" dirty="0"/>
-              <a:t>5.	Фокус на качестве: унифицированный процесс предоставляет инструменты и методы для обеспечения высокого качества продукта.</a:t>
-            </a:r>
-          </a:p>
-          <a:p>
-            <a:endParaRPr lang="ru-RU" dirty="0"/>
+          <a:lstStyle>
+            <a:lvl1pPr marL="0" indent="0" algn="ctr" defTabSz="914400" rtl="0" eaLnBrk="1" latinLnBrk="0" hangingPunct="1">
+              <a:spcBef>
+                <a:spcPct val="20000"/>
+              </a:spcBef>
+              <a:buClr>
+                <a:srgbClr val="002A4F"/>
+              </a:buClr>
+              <a:buFont typeface="Wingdings" panose="05000000000000000000" pitchFamily="2" charset="2"/>
+              <a:buNone/>
+              <a:defRPr sz="1000" b="0" kern="1200">
+                <a:solidFill>
+                  <a:schemeClr val="tx1">
+                    <a:lumMod val="50000"/>
+                    <a:lumOff val="50000"/>
+                  </a:schemeClr>
+                </a:solidFill>
+                <a:latin typeface="TT Norms Regular" pitchFamily="50" charset="-52"/>
+                <a:ea typeface="+mn-ea"/>
+                <a:cs typeface="+mn-cs"/>
+              </a:defRPr>
+            </a:lvl1pPr>
+            <a:lvl2pPr marL="457200" indent="0" algn="l" defTabSz="914400" rtl="0" eaLnBrk="1" latinLnBrk="0" hangingPunct="1">
+              <a:spcBef>
+                <a:spcPct val="20000"/>
+              </a:spcBef>
+              <a:buClr>
+                <a:srgbClr val="C00000"/>
+              </a:buClr>
+              <a:buFont typeface="Arial" panose="020B0604020202020204" pitchFamily="34" charset="0"/>
+              <a:buNone/>
+              <a:defRPr sz="1200" kern="1200">
+                <a:solidFill>
+                  <a:schemeClr val="tx1">
+                    <a:lumMod val="75000"/>
+                    <a:lumOff val="25000"/>
+                  </a:schemeClr>
+                </a:solidFill>
+                <a:latin typeface="TT Norms Regular" pitchFamily="50" charset="-52"/>
+                <a:ea typeface="+mn-ea"/>
+                <a:cs typeface="+mn-cs"/>
+              </a:defRPr>
+            </a:lvl2pPr>
+            <a:lvl3pPr marL="914400" indent="0" algn="l" defTabSz="914400" rtl="0" eaLnBrk="1" latinLnBrk="0" hangingPunct="1">
+              <a:spcBef>
+                <a:spcPct val="20000"/>
+              </a:spcBef>
+              <a:buClr>
+                <a:srgbClr val="C00000"/>
+              </a:buClr>
+              <a:buFont typeface="Arial" panose="020B0604020202020204" pitchFamily="34" charset="0"/>
+              <a:buNone/>
+              <a:defRPr sz="1000" kern="1200">
+                <a:solidFill>
+                  <a:schemeClr val="tx1">
+                    <a:lumMod val="75000"/>
+                    <a:lumOff val="25000"/>
+                  </a:schemeClr>
+                </a:solidFill>
+                <a:latin typeface="TT Norms Regular" pitchFamily="50" charset="-52"/>
+                <a:ea typeface="+mn-ea"/>
+                <a:cs typeface="+mn-cs"/>
+              </a:defRPr>
+            </a:lvl3pPr>
+            <a:lvl4pPr marL="1371600" indent="0" algn="l" defTabSz="914400" rtl="0" eaLnBrk="1" latinLnBrk="0" hangingPunct="1">
+              <a:spcBef>
+                <a:spcPct val="20000"/>
+              </a:spcBef>
+              <a:buClr>
+                <a:srgbClr val="C00000"/>
+              </a:buClr>
+              <a:buFont typeface="Arial" panose="020B0604020202020204" pitchFamily="34" charset="0"/>
+              <a:buNone/>
+              <a:defRPr sz="900" kern="1200">
+                <a:solidFill>
+                  <a:schemeClr val="tx1">
+                    <a:lumMod val="75000"/>
+                    <a:lumOff val="25000"/>
+                  </a:schemeClr>
+                </a:solidFill>
+                <a:latin typeface="TT Norms Regular" pitchFamily="50" charset="-52"/>
+                <a:ea typeface="+mn-ea"/>
+                <a:cs typeface="+mn-cs"/>
+              </a:defRPr>
+            </a:lvl4pPr>
+            <a:lvl5pPr marL="1828800" indent="0" algn="l" defTabSz="914400" rtl="0" eaLnBrk="1" latinLnBrk="0" hangingPunct="1">
+              <a:spcBef>
+                <a:spcPct val="20000"/>
+              </a:spcBef>
+              <a:buClr>
+                <a:srgbClr val="C00000"/>
+              </a:buClr>
+              <a:buFont typeface="Arial" panose="020B0604020202020204" pitchFamily="34" charset="0"/>
+              <a:buNone/>
+              <a:defRPr sz="900" kern="1200">
+                <a:solidFill>
+                  <a:schemeClr val="tx1">
+                    <a:lumMod val="75000"/>
+                    <a:lumOff val="25000"/>
+                  </a:schemeClr>
+                </a:solidFill>
+                <a:latin typeface="TT Norms Regular" pitchFamily="50" charset="-52"/>
+                <a:ea typeface="+mn-ea"/>
+                <a:cs typeface="+mn-cs"/>
+              </a:defRPr>
+            </a:lvl5pPr>
+            <a:lvl6pPr marL="2286000" indent="0" algn="l" defTabSz="914400" rtl="0" eaLnBrk="1" latinLnBrk="0" hangingPunct="1">
+              <a:spcBef>
+                <a:spcPct val="20000"/>
+              </a:spcBef>
+              <a:buFont typeface="Arial" panose="020B0604020202020204" pitchFamily="34" charset="0"/>
+              <a:buNone/>
+              <a:defRPr sz="900" kern="1200">
+                <a:solidFill>
+                  <a:schemeClr val="tx1"/>
+                </a:solidFill>
+                <a:latin typeface="+mn-lt"/>
+                <a:ea typeface="+mn-ea"/>
+                <a:cs typeface="+mn-cs"/>
+              </a:defRPr>
+            </a:lvl6pPr>
+            <a:lvl7pPr marL="2743200" indent="0" algn="l" defTabSz="914400" rtl="0" eaLnBrk="1" latinLnBrk="0" hangingPunct="1">
+              <a:spcBef>
+                <a:spcPct val="20000"/>
+              </a:spcBef>
+              <a:buFont typeface="Arial" panose="020B0604020202020204" pitchFamily="34" charset="0"/>
+              <a:buNone/>
+              <a:defRPr sz="900" kern="1200">
+                <a:solidFill>
+                  <a:schemeClr val="tx1"/>
+                </a:solidFill>
+                <a:latin typeface="+mn-lt"/>
+                <a:ea typeface="+mn-ea"/>
+                <a:cs typeface="+mn-cs"/>
+              </a:defRPr>
+            </a:lvl7pPr>
+            <a:lvl8pPr marL="3200400" indent="0" algn="l" defTabSz="914400" rtl="0" eaLnBrk="1" latinLnBrk="0" hangingPunct="1">
+              <a:spcBef>
+                <a:spcPct val="20000"/>
+              </a:spcBef>
+              <a:buFont typeface="Arial" panose="020B0604020202020204" pitchFamily="34" charset="0"/>
+              <a:buNone/>
+              <a:defRPr sz="900" kern="1200">
+                <a:solidFill>
+                  <a:schemeClr val="tx1"/>
+                </a:solidFill>
+                <a:latin typeface="+mn-lt"/>
+                <a:ea typeface="+mn-ea"/>
+                <a:cs typeface="+mn-cs"/>
+              </a:defRPr>
+            </a:lvl8pPr>
+            <a:lvl9pPr marL="3657600" indent="0" algn="l" defTabSz="914400" rtl="0" eaLnBrk="1" latinLnBrk="0" hangingPunct="1">
+              <a:spcBef>
+                <a:spcPct val="20000"/>
+              </a:spcBef>
+              <a:buFont typeface="Arial" panose="020B0604020202020204" pitchFamily="34" charset="0"/>
+              <a:buNone/>
+              <a:defRPr sz="900" kern="1200">
+                <a:solidFill>
+                  <a:schemeClr val="tx1"/>
+                </a:solidFill>
+                <a:latin typeface="+mn-lt"/>
+                <a:ea typeface="+mn-ea"/>
+                <a:cs typeface="+mn-cs"/>
+              </a:defRPr>
+            </a:lvl9pPr>
+          </a:lstStyle>
+          <a:p>
+            <a:r>
+              <a:rPr lang="ru-RU"/>
+              <a:t>5 декабря </a:t>
+            </a:r>
+            <a:r>
+              <a:rPr lang="en-US"/>
+              <a:t>2023 </a:t>
+            </a:r>
+            <a:r>
+              <a:rPr lang="ru-RU"/>
+              <a:t>г</a:t>
+            </a:r>
+            <a:r>
+              <a:rPr lang="en-US"/>
+              <a:t>.</a:t>
+            </a:r>
+            <a:endParaRPr lang="en-US" dirty="0"/>
           </a:p>
         </p:txBody>
       </p:sp>
     </p:spTree>
     <p:extLst>
       <p:ext uri="{BB962C8B-B14F-4D97-AF65-F5344CB8AC3E}">
-        <p14:creationId xmlns:p14="http://schemas.microsoft.com/office/powerpoint/2010/main" val="356205817"/>
+        <p14:creationId xmlns:p14="http://schemas.microsoft.com/office/powerpoint/2010/main" val="482087757"/>
       </p:ext>
     </p:extLst>
   </p:cSld>
@@ -9175,7 +9697,7 @@
           <p:cNvPr id="2" name="Заголовок 1">
             <a:extLst>
               <a:ext uri="{FF2B5EF4-FFF2-40B4-BE49-F238E27FC236}">
-                <a16:creationId xmlns:a16="http://schemas.microsoft.com/office/drawing/2014/main" id="{34A2E207-258B-4FD1-BA82-7BA62E4B87B1}"/>
+                <a16:creationId xmlns:a16="http://schemas.microsoft.com/office/drawing/2014/main" id="{F908CBEC-E006-47C4-81E5-0807C95613CF}"/>
               </a:ext>
             </a:extLst>
           </p:cNvPr>
@@ -9192,8 +9714,10 @@
           <a:lstStyle/>
           <a:p>
             <a:r>
-              <a:rPr lang="ru-RU" dirty="0"/>
-              <a:t>НЕДОСТАТКИ УНИФИЦИРОВАННОГО ПРОЦЕССА РАЗРАБОТКИ</a:t>
+              <a:rPr lang="ru-RU" dirty="0">
+                <a:latin typeface="Exo 2 Medium" panose="00000600000000000000" pitchFamily="2" charset="-52"/>
+              </a:rPr>
+              <a:t>Проекты к которым подойдет экстремальное программирование</a:t>
             </a:r>
           </a:p>
         </p:txBody>
@@ -9203,7 +9727,7 @@
           <p:cNvPr id="3" name="Текст 2">
             <a:extLst>
               <a:ext uri="{FF2B5EF4-FFF2-40B4-BE49-F238E27FC236}">
-                <a16:creationId xmlns:a16="http://schemas.microsoft.com/office/drawing/2014/main" id="{CFF30717-44E6-465C-A72F-E802D4E491A0}"/>
+                <a16:creationId xmlns:a16="http://schemas.microsoft.com/office/drawing/2014/main" id="{8EE0A18F-BC73-4A9E-9BBD-95FE42535FC2}"/>
               </a:ext>
             </a:extLst>
           </p:cNvPr>
@@ -9219,16 +9743,19 @@
           <a:bodyPr/>
           <a:lstStyle/>
           <a:p>
-            <a:endParaRPr lang="ru-RU"/>
-          </a:p>
-        </p:txBody>
-      </p:sp>
-      <p:sp>
-        <p:nvSpPr>
-          <p:cNvPr id="4" name="Текст 3">
+            <a:r>
+              <a:rPr lang="ru-RU" dirty="0"/>
+              <a:t>12</a:t>
+            </a:r>
+          </a:p>
+        </p:txBody>
+      </p:sp>
+      <p:sp>
+        <p:nvSpPr>
+          <p:cNvPr id="5" name="Объект 4">
             <a:extLst>
               <a:ext uri="{FF2B5EF4-FFF2-40B4-BE49-F238E27FC236}">
-                <a16:creationId xmlns:a16="http://schemas.microsoft.com/office/drawing/2014/main" id="{F8DEC7FF-1664-4C6B-8036-D4568AF17085}"/>
+                <a16:creationId xmlns:a16="http://schemas.microsoft.com/office/drawing/2014/main" id="{AA7EC266-0A85-46D7-8342-3D5EACED3A35}"/>
               </a:ext>
             </a:extLst>
           </p:cNvPr>
@@ -9236,85 +9763,298 @@
             <a:spLocks noGrp="1"/>
           </p:cNvSpPr>
           <p:nvPr>
-            <p:ph type="body" sz="half" idx="12"/>
+            <p:ph sz="quarter" idx="13"/>
           </p:nvPr>
         </p:nvSpPr>
         <p:spPr/>
         <p:txBody>
-          <a:bodyPr/>
+          <a:bodyPr>
+            <a:normAutofit/>
+          </a:bodyPr>
           <a:lstStyle/>
           <a:p>
-            <a:endParaRPr lang="ru-RU"/>
-          </a:p>
-        </p:txBody>
-      </p:sp>
-      <p:sp>
-        <p:nvSpPr>
-          <p:cNvPr id="5" name="Объект 4">
+            <a:r>
+              <a:rPr lang="ru-RU" sz="2400" dirty="0">
+                <a:latin typeface="Exo 2 Medium" panose="00000600000000000000" pitchFamily="2" charset="-52"/>
+              </a:rPr>
+              <a:t>1.	Проекты с быстро меняющимися требованиями</a:t>
+            </a:r>
+          </a:p>
+          <a:p>
+            <a:r>
+              <a:rPr lang="ru-RU" sz="2400" dirty="0">
+                <a:latin typeface="Exo 2 Medium" panose="00000600000000000000" pitchFamily="2" charset="-52"/>
+              </a:rPr>
+              <a:t>2.	Стартапы и инновационные проекты</a:t>
+            </a:r>
+          </a:p>
+          <a:p>
+            <a:r>
+              <a:rPr lang="ru-RU" sz="2400" dirty="0">
+                <a:latin typeface="Exo 2 Medium" panose="00000600000000000000" pitchFamily="2" charset="-52"/>
+              </a:rPr>
+              <a:t>3.	Малые и средние проекты</a:t>
+            </a:r>
+          </a:p>
+          <a:p>
+            <a:r>
+              <a:rPr lang="ru-RU" sz="2400" dirty="0">
+                <a:latin typeface="Exo 2 Medium" panose="00000600000000000000" pitchFamily="2" charset="-52"/>
+              </a:rPr>
+              <a:t>4.	Проекты с неопределенными или слабо определенными требованиями</a:t>
+            </a:r>
+          </a:p>
+          <a:p>
+            <a:r>
+              <a:rPr lang="ru-RU" sz="2400" dirty="0">
+                <a:latin typeface="Exo 2 Medium" panose="00000600000000000000" pitchFamily="2" charset="-52"/>
+              </a:rPr>
+              <a:t>5.	Проекты с акцентом на качество кода</a:t>
+            </a:r>
+          </a:p>
+          <a:p>
+            <a:r>
+              <a:rPr lang="ru-RU" sz="2400" dirty="0">
+                <a:latin typeface="Exo 2 Medium" panose="00000600000000000000" pitchFamily="2" charset="-52"/>
+              </a:rPr>
+              <a:t>6.	Проекты с активным участием заказчика</a:t>
+            </a:r>
+          </a:p>
+          <a:p>
+            <a:r>
+              <a:rPr lang="ru-RU" sz="2400" dirty="0">
+                <a:latin typeface="Exo 2 Medium" panose="00000600000000000000" pitchFamily="2" charset="-52"/>
+              </a:rPr>
+              <a:t>7.	Проекты, требующие частых релизов</a:t>
+            </a:r>
+          </a:p>
+          <a:p>
+            <a:endParaRPr lang="ru-RU" dirty="0"/>
+          </a:p>
+        </p:txBody>
+      </p:sp>
+      <p:sp>
+        <p:nvSpPr>
+          <p:cNvPr id="6" name="Текст 3">
             <a:extLst>
               <a:ext uri="{FF2B5EF4-FFF2-40B4-BE49-F238E27FC236}">
-                <a16:creationId xmlns:a16="http://schemas.microsoft.com/office/drawing/2014/main" id="{F4A6C006-FD13-4A93-B36B-D00664464B6A}"/>
+                <a16:creationId xmlns:a16="http://schemas.microsoft.com/office/drawing/2014/main" id="{717EA0C1-1655-422E-ABF5-F903A98FC22F}"/>
               </a:ext>
             </a:extLst>
           </p:cNvPr>
-          <p:cNvSpPr>
-            <a:spLocks noGrp="1"/>
-          </p:cNvSpPr>
-          <p:nvPr>
-            <p:ph sz="quarter" idx="13"/>
-          </p:nvPr>
-        </p:nvSpPr>
-        <p:spPr/>
-        <p:txBody>
-          <a:bodyPr>
-            <a:normAutofit fontScale="70000" lnSpcReduction="20000"/>
+          <p:cNvSpPr txBox="1">
+            <a:spLocks/>
+          </p:cNvSpPr>
+          <p:nvPr/>
+        </p:nvSpPr>
+        <p:spPr>
+          <a:xfrm>
+            <a:off x="405245" y="6461374"/>
+            <a:ext cx="2112235" cy="243976"/>
+          </a:xfrm>
+          <a:prstGeom prst="rect">
+            <a:avLst/>
+          </a:prstGeom>
+          <a:solidFill>
+            <a:schemeClr val="bg1"/>
+          </a:solidFill>
+        </p:spPr>
+        <p:txBody>
+          <a:bodyPr vert="horz" lIns="91440" tIns="45720" rIns="91440" bIns="45720" rtlCol="0">
+            <a:normAutofit/>
           </a:bodyPr>
-          <a:lstStyle/>
-          <a:p>
-            <a:r>
-              <a:rPr lang="ru-RU" dirty="0"/>
-              <a:t>Можно выделить следующие недостатки унифицированного процесса разработки:</a:t>
-            </a:r>
-          </a:p>
-          <a:p>
-            <a:r>
-              <a:rPr lang="ru-RU" dirty="0"/>
-              <a:t>1.	Сложность: унифицированный процесс может казаться слишком сложным и трудным в освоении для небольших и менее сложных проектов.</a:t>
-            </a:r>
-          </a:p>
-          <a:p>
-            <a:r>
-              <a:rPr lang="ru-RU" dirty="0"/>
-              <a:t>2.	Ресурсоемкость: применение унифицированного процесса может требовать значительных ресурсов (как по времени, так и по финансам).</a:t>
-            </a:r>
-          </a:p>
-          <a:p>
-            <a:r>
-              <a:rPr lang="ru-RU" dirty="0"/>
-              <a:t>3.	Недостаточная конкретика: при использовании унифицированного процесса может быть недостаточно конкретных указаний по ряду вопросов, что может потребовать дополнительных усилий от команды для их разрешения.</a:t>
-            </a:r>
-          </a:p>
-          <a:p>
-            <a:r>
-              <a:rPr lang="ru-RU" dirty="0"/>
-              <a:t>4.	Не всегда подходит для малых проектов: унифицированный процесс может казаться избыточным для небольших проектов, где формализованный подход может быть чрезмерным.</a:t>
-            </a:r>
-          </a:p>
-          <a:p>
-            <a:r>
-              <a:rPr lang="ru-RU" dirty="0"/>
-              <a:t>5.	Неудовлетворительно для некоторых видов проектов: для некоторых типов проектов унифицированный процесс может быть менее подходящим, поскольку требует достаточного уровня предварительной информации о требованиях.</a:t>
-            </a:r>
-          </a:p>
-          <a:p>
-            <a:endParaRPr lang="ru-RU" dirty="0"/>
+          <a:lstStyle>
+            <a:lvl1pPr marL="0" indent="0" algn="ctr" defTabSz="914400" rtl="0" eaLnBrk="1" latinLnBrk="0" hangingPunct="1">
+              <a:spcBef>
+                <a:spcPct val="20000"/>
+              </a:spcBef>
+              <a:buClr>
+                <a:srgbClr val="002A4F"/>
+              </a:buClr>
+              <a:buFont typeface="Wingdings" panose="05000000000000000000" pitchFamily="2" charset="2"/>
+              <a:buNone/>
+              <a:defRPr sz="1000" b="0" kern="1200">
+                <a:solidFill>
+                  <a:schemeClr val="tx1">
+                    <a:lumMod val="50000"/>
+                    <a:lumOff val="50000"/>
+                  </a:schemeClr>
+                </a:solidFill>
+                <a:latin typeface="TT Norms Regular" pitchFamily="50" charset="-52"/>
+                <a:ea typeface="+mn-ea"/>
+                <a:cs typeface="+mn-cs"/>
+              </a:defRPr>
+            </a:lvl1pPr>
+            <a:lvl2pPr marL="457200" indent="0" algn="l" defTabSz="914400" rtl="0" eaLnBrk="1" latinLnBrk="0" hangingPunct="1">
+              <a:spcBef>
+                <a:spcPct val="20000"/>
+              </a:spcBef>
+              <a:buClr>
+                <a:srgbClr val="C00000"/>
+              </a:buClr>
+              <a:buFont typeface="Arial" panose="020B0604020202020204" pitchFamily="34" charset="0"/>
+              <a:buNone/>
+              <a:defRPr sz="1200" kern="1200">
+                <a:solidFill>
+                  <a:schemeClr val="tx1">
+                    <a:lumMod val="75000"/>
+                    <a:lumOff val="25000"/>
+                  </a:schemeClr>
+                </a:solidFill>
+                <a:latin typeface="TT Norms Regular" pitchFamily="50" charset="-52"/>
+                <a:ea typeface="+mn-ea"/>
+                <a:cs typeface="+mn-cs"/>
+              </a:defRPr>
+            </a:lvl2pPr>
+            <a:lvl3pPr marL="914400" indent="0" algn="l" defTabSz="914400" rtl="0" eaLnBrk="1" latinLnBrk="0" hangingPunct="1">
+              <a:spcBef>
+                <a:spcPct val="20000"/>
+              </a:spcBef>
+              <a:buClr>
+                <a:srgbClr val="C00000"/>
+              </a:buClr>
+              <a:buFont typeface="Arial" panose="020B0604020202020204" pitchFamily="34" charset="0"/>
+              <a:buNone/>
+              <a:defRPr sz="1000" kern="1200">
+                <a:solidFill>
+                  <a:schemeClr val="tx1">
+                    <a:lumMod val="75000"/>
+                    <a:lumOff val="25000"/>
+                  </a:schemeClr>
+                </a:solidFill>
+                <a:latin typeface="TT Norms Regular" pitchFamily="50" charset="-52"/>
+                <a:ea typeface="+mn-ea"/>
+                <a:cs typeface="+mn-cs"/>
+              </a:defRPr>
+            </a:lvl3pPr>
+            <a:lvl4pPr marL="1371600" indent="0" algn="l" defTabSz="914400" rtl="0" eaLnBrk="1" latinLnBrk="0" hangingPunct="1">
+              <a:spcBef>
+                <a:spcPct val="20000"/>
+              </a:spcBef>
+              <a:buClr>
+                <a:srgbClr val="C00000"/>
+              </a:buClr>
+              <a:buFont typeface="Arial" panose="020B0604020202020204" pitchFamily="34" charset="0"/>
+              <a:buNone/>
+              <a:defRPr sz="900" kern="1200">
+                <a:solidFill>
+                  <a:schemeClr val="tx1">
+                    <a:lumMod val="75000"/>
+                    <a:lumOff val="25000"/>
+                  </a:schemeClr>
+                </a:solidFill>
+                <a:latin typeface="TT Norms Regular" pitchFamily="50" charset="-52"/>
+                <a:ea typeface="+mn-ea"/>
+                <a:cs typeface="+mn-cs"/>
+              </a:defRPr>
+            </a:lvl4pPr>
+            <a:lvl5pPr marL="1828800" indent="0" algn="l" defTabSz="914400" rtl="0" eaLnBrk="1" latinLnBrk="0" hangingPunct="1">
+              <a:spcBef>
+                <a:spcPct val="20000"/>
+              </a:spcBef>
+              <a:buClr>
+                <a:srgbClr val="C00000"/>
+              </a:buClr>
+              <a:buFont typeface="Arial" panose="020B0604020202020204" pitchFamily="34" charset="0"/>
+              <a:buNone/>
+              <a:defRPr sz="900" kern="1200">
+                <a:solidFill>
+                  <a:schemeClr val="tx1">
+                    <a:lumMod val="75000"/>
+                    <a:lumOff val="25000"/>
+                  </a:schemeClr>
+                </a:solidFill>
+                <a:latin typeface="TT Norms Regular" pitchFamily="50" charset="-52"/>
+                <a:ea typeface="+mn-ea"/>
+                <a:cs typeface="+mn-cs"/>
+              </a:defRPr>
+            </a:lvl5pPr>
+            <a:lvl6pPr marL="2286000" indent="0" algn="l" defTabSz="914400" rtl="0" eaLnBrk="1" latinLnBrk="0" hangingPunct="1">
+              <a:spcBef>
+                <a:spcPct val="20000"/>
+              </a:spcBef>
+              <a:buFont typeface="Arial" panose="020B0604020202020204" pitchFamily="34" charset="0"/>
+              <a:buNone/>
+              <a:defRPr sz="900" kern="1200">
+                <a:solidFill>
+                  <a:schemeClr val="tx1"/>
+                </a:solidFill>
+                <a:latin typeface="+mn-lt"/>
+                <a:ea typeface="+mn-ea"/>
+                <a:cs typeface="+mn-cs"/>
+              </a:defRPr>
+            </a:lvl6pPr>
+            <a:lvl7pPr marL="2743200" indent="0" algn="l" defTabSz="914400" rtl="0" eaLnBrk="1" latinLnBrk="0" hangingPunct="1">
+              <a:spcBef>
+                <a:spcPct val="20000"/>
+              </a:spcBef>
+              <a:buFont typeface="Arial" panose="020B0604020202020204" pitchFamily="34" charset="0"/>
+              <a:buNone/>
+              <a:defRPr sz="900" kern="1200">
+                <a:solidFill>
+                  <a:schemeClr val="tx1"/>
+                </a:solidFill>
+                <a:latin typeface="+mn-lt"/>
+                <a:ea typeface="+mn-ea"/>
+                <a:cs typeface="+mn-cs"/>
+              </a:defRPr>
+            </a:lvl7pPr>
+            <a:lvl8pPr marL="3200400" indent="0" algn="l" defTabSz="914400" rtl="0" eaLnBrk="1" latinLnBrk="0" hangingPunct="1">
+              <a:spcBef>
+                <a:spcPct val="20000"/>
+              </a:spcBef>
+              <a:buFont typeface="Arial" panose="020B0604020202020204" pitchFamily="34" charset="0"/>
+              <a:buNone/>
+              <a:defRPr sz="900" kern="1200">
+                <a:solidFill>
+                  <a:schemeClr val="tx1"/>
+                </a:solidFill>
+                <a:latin typeface="+mn-lt"/>
+                <a:ea typeface="+mn-ea"/>
+                <a:cs typeface="+mn-cs"/>
+              </a:defRPr>
+            </a:lvl8pPr>
+            <a:lvl9pPr marL="3657600" indent="0" algn="l" defTabSz="914400" rtl="0" eaLnBrk="1" latinLnBrk="0" hangingPunct="1">
+              <a:spcBef>
+                <a:spcPct val="20000"/>
+              </a:spcBef>
+              <a:buFont typeface="Arial" panose="020B0604020202020204" pitchFamily="34" charset="0"/>
+              <a:buNone/>
+              <a:defRPr sz="900" kern="1200">
+                <a:solidFill>
+                  <a:schemeClr val="tx1"/>
+                </a:solidFill>
+                <a:latin typeface="+mn-lt"/>
+                <a:ea typeface="+mn-ea"/>
+                <a:cs typeface="+mn-cs"/>
+              </a:defRPr>
+            </a:lvl9pPr>
+          </a:lstStyle>
+          <a:p>
+            <a:r>
+              <a:rPr lang="ru-RU"/>
+              <a:t>5 декабря </a:t>
+            </a:r>
+            <a:r>
+              <a:rPr lang="en-US"/>
+              <a:t>2023 </a:t>
+            </a:r>
+            <a:r>
+              <a:rPr lang="ru-RU"/>
+              <a:t>г</a:t>
+            </a:r>
+            <a:r>
+              <a:rPr lang="en-US"/>
+              <a:t>.</a:t>
+            </a:r>
+            <a:endParaRPr lang="en-US" dirty="0"/>
           </a:p>
         </p:txBody>
       </p:sp>
     </p:spTree>
     <p:extLst>
       <p:ext uri="{BB962C8B-B14F-4D97-AF65-F5344CB8AC3E}">
-        <p14:creationId xmlns:p14="http://schemas.microsoft.com/office/powerpoint/2010/main" val="482087757"/>
+        <p14:creationId xmlns:p14="http://schemas.microsoft.com/office/powerpoint/2010/main" val="2277523721"/>
       </p:ext>
     </p:extLst>
   </p:cSld>
@@ -9346,189 +10086,6 @@
           <p:cNvPr id="2" name="Заголовок 1">
             <a:extLst>
               <a:ext uri="{FF2B5EF4-FFF2-40B4-BE49-F238E27FC236}">
-                <a16:creationId xmlns:a16="http://schemas.microsoft.com/office/drawing/2014/main" id="{F908CBEC-E006-47C4-81E5-0807C95613CF}"/>
-              </a:ext>
-            </a:extLst>
-          </p:cNvPr>
-          <p:cNvSpPr>
-            <a:spLocks noGrp="1"/>
-          </p:cNvSpPr>
-          <p:nvPr>
-            <p:ph type="title"/>
-          </p:nvPr>
-        </p:nvSpPr>
-        <p:spPr/>
-        <p:txBody>
-          <a:bodyPr/>
-          <a:lstStyle/>
-          <a:p>
-            <a:r>
-              <a:rPr lang="ru-RU" dirty="0"/>
-              <a:t>Типы проектов к которым может подойти экстремальное программирование</a:t>
-            </a:r>
-          </a:p>
-        </p:txBody>
-      </p:sp>
-      <p:sp>
-        <p:nvSpPr>
-          <p:cNvPr id="3" name="Текст 2">
-            <a:extLst>
-              <a:ext uri="{FF2B5EF4-FFF2-40B4-BE49-F238E27FC236}">
-                <a16:creationId xmlns:a16="http://schemas.microsoft.com/office/drawing/2014/main" id="{8EE0A18F-BC73-4A9E-9BBD-95FE42535FC2}"/>
-              </a:ext>
-            </a:extLst>
-          </p:cNvPr>
-          <p:cNvSpPr>
-            <a:spLocks noGrp="1"/>
-          </p:cNvSpPr>
-          <p:nvPr>
-            <p:ph type="body" sz="half" idx="10"/>
-          </p:nvPr>
-        </p:nvSpPr>
-        <p:spPr/>
-        <p:txBody>
-          <a:bodyPr/>
-          <a:lstStyle/>
-          <a:p>
-            <a:endParaRPr lang="ru-RU"/>
-          </a:p>
-        </p:txBody>
-      </p:sp>
-      <p:sp>
-        <p:nvSpPr>
-          <p:cNvPr id="4" name="Текст 3">
-            <a:extLst>
-              <a:ext uri="{FF2B5EF4-FFF2-40B4-BE49-F238E27FC236}">
-                <a16:creationId xmlns:a16="http://schemas.microsoft.com/office/drawing/2014/main" id="{EF62661E-4AE2-4E6A-939A-F62B2ED6EB52}"/>
-              </a:ext>
-            </a:extLst>
-          </p:cNvPr>
-          <p:cNvSpPr>
-            <a:spLocks noGrp="1"/>
-          </p:cNvSpPr>
-          <p:nvPr>
-            <p:ph type="body" sz="half" idx="12"/>
-          </p:nvPr>
-        </p:nvSpPr>
-        <p:spPr/>
-        <p:txBody>
-          <a:bodyPr/>
-          <a:lstStyle/>
-          <a:p>
-            <a:endParaRPr lang="ru-RU"/>
-          </a:p>
-        </p:txBody>
-      </p:sp>
-      <p:sp>
-        <p:nvSpPr>
-          <p:cNvPr id="5" name="Объект 4">
-            <a:extLst>
-              <a:ext uri="{FF2B5EF4-FFF2-40B4-BE49-F238E27FC236}">
-                <a16:creationId xmlns:a16="http://schemas.microsoft.com/office/drawing/2014/main" id="{AA7EC266-0A85-46D7-8342-3D5EACED3A35}"/>
-              </a:ext>
-            </a:extLst>
-          </p:cNvPr>
-          <p:cNvSpPr>
-            <a:spLocks noGrp="1"/>
-          </p:cNvSpPr>
-          <p:nvPr>
-            <p:ph sz="quarter" idx="13"/>
-          </p:nvPr>
-        </p:nvSpPr>
-        <p:spPr/>
-        <p:txBody>
-          <a:bodyPr>
-            <a:normAutofit fontScale="77500" lnSpcReduction="20000"/>
-          </a:bodyPr>
-          <a:lstStyle/>
-          <a:p>
-            <a:r>
-              <a:rPr lang="ru-RU" dirty="0"/>
-              <a:t>Экстремальное программирование больше всего подходит для различных проектов, особенно в условиях переменных требований, быстрого изменения среды и необходимости частого взаимодействия с заказчиком. Вот несколько типов проектов, для которых XP может быть особенно подходящим:</a:t>
-            </a:r>
-          </a:p>
-          <a:p>
-            <a:r>
-              <a:rPr lang="ru-RU" dirty="0"/>
-              <a:t>1.	Проекты с быстро меняющимися требованиями</a:t>
-            </a:r>
-          </a:p>
-          <a:p>
-            <a:r>
-              <a:rPr lang="ru-RU" dirty="0"/>
-              <a:t>2.	Стартапы и инновационные проекты</a:t>
-            </a:r>
-          </a:p>
-          <a:p>
-            <a:r>
-              <a:rPr lang="ru-RU" dirty="0"/>
-              <a:t>3.	Малые и средние проекты</a:t>
-            </a:r>
-          </a:p>
-          <a:p>
-            <a:r>
-              <a:rPr lang="ru-RU" dirty="0"/>
-              <a:t>4.	Проекты с неопределенными или слабо определенными требованиями</a:t>
-            </a:r>
-          </a:p>
-          <a:p>
-            <a:r>
-              <a:rPr lang="ru-RU" dirty="0"/>
-              <a:t>5.	Проекты с акцентом на качество кода</a:t>
-            </a:r>
-          </a:p>
-          <a:p>
-            <a:r>
-              <a:rPr lang="ru-RU" dirty="0"/>
-              <a:t>6.	Проекты с активным участием заказчика</a:t>
-            </a:r>
-          </a:p>
-          <a:p>
-            <a:r>
-              <a:rPr lang="ru-RU" dirty="0"/>
-              <a:t>7.	Проекты, требующие частых релизов</a:t>
-            </a:r>
-          </a:p>
-          <a:p>
-            <a:endParaRPr lang="ru-RU" dirty="0"/>
-          </a:p>
-        </p:txBody>
-      </p:sp>
-    </p:spTree>
-    <p:extLst>
-      <p:ext uri="{BB962C8B-B14F-4D97-AF65-F5344CB8AC3E}">
-        <p14:creationId xmlns:p14="http://schemas.microsoft.com/office/powerpoint/2010/main" val="2277523721"/>
-      </p:ext>
-    </p:extLst>
-  </p:cSld>
-  <p:clrMapOvr>
-    <a:masterClrMapping/>
-  </p:clrMapOvr>
-</p:sld>
-</file>
-
-<file path=ppt/slides/slide15.xml><?xml version="1.0" encoding="utf-8"?>
-<p:sld xmlns:a="http://schemas.openxmlformats.org/drawingml/2006/main" xmlns:r="http://schemas.openxmlformats.org/officeDocument/2006/relationships" xmlns:p="http://schemas.openxmlformats.org/presentationml/2006/main">
-  <p:cSld>
-    <p:spTree>
-      <p:nvGrpSpPr>
-        <p:cNvPr id="1" name=""/>
-        <p:cNvGrpSpPr/>
-        <p:nvPr/>
-      </p:nvGrpSpPr>
-      <p:grpSpPr>
-        <a:xfrm>
-          <a:off x="0" y="0"/>
-          <a:ext cx="0" cy="0"/>
-          <a:chOff x="0" y="0"/>
-          <a:chExt cx="0" cy="0"/>
-        </a:xfrm>
-      </p:grpSpPr>
-      <p:sp>
-        <p:nvSpPr>
-          <p:cNvPr id="2" name="Заголовок 1">
-            <a:extLst>
-              <a:ext uri="{FF2B5EF4-FFF2-40B4-BE49-F238E27FC236}">
                 <a16:creationId xmlns:a16="http://schemas.microsoft.com/office/drawing/2014/main" id="{F96A7778-17D9-42E4-AD15-94748E986D2F}"/>
               </a:ext>
             </a:extLst>
@@ -9546,16 +10103,10 @@
           <a:lstStyle/>
           <a:p>
             <a:r>
-              <a:rPr lang="ru-RU" dirty="0"/>
-              <a:t>Типы проектов к которым может подойти унифицированный </a:t>
-            </a:r>
-            <a:r>
-              <a:rPr lang="ru-RU" dirty="0" err="1"/>
-              <a:t>процес</a:t>
-            </a:r>
-            <a:r>
-              <a:rPr lang="ru-RU" dirty="0"/>
-              <a:t> разработки</a:t>
+              <a:rPr lang="ru-RU" dirty="0">
+                <a:latin typeface="Exo 2 Medium" panose="00000600000000000000" pitchFamily="2" charset="-52"/>
+              </a:rPr>
+              <a:t>Проекты к которым подойдет унифицированный процесс разработки</a:t>
             </a:r>
           </a:p>
         </p:txBody>
@@ -9581,32 +10132,10 @@
           <a:bodyPr/>
           <a:lstStyle/>
           <a:p>
-            <a:endParaRPr lang="ru-RU"/>
-          </a:p>
-        </p:txBody>
-      </p:sp>
-      <p:sp>
-        <p:nvSpPr>
-          <p:cNvPr id="4" name="Текст 3">
-            <a:extLst>
-              <a:ext uri="{FF2B5EF4-FFF2-40B4-BE49-F238E27FC236}">
-                <a16:creationId xmlns:a16="http://schemas.microsoft.com/office/drawing/2014/main" id="{62A613D9-4633-4E1B-82B9-55752AAC2E0C}"/>
-              </a:ext>
-            </a:extLst>
-          </p:cNvPr>
-          <p:cNvSpPr>
-            <a:spLocks noGrp="1"/>
-          </p:cNvSpPr>
-          <p:nvPr>
-            <p:ph type="body" sz="half" idx="12"/>
-          </p:nvPr>
-        </p:nvSpPr>
-        <p:spPr/>
-        <p:txBody>
-          <a:bodyPr/>
-          <a:lstStyle/>
-          <a:p>
-            <a:endParaRPr lang="ru-RU"/>
+            <a:r>
+              <a:rPr lang="ru-RU" dirty="0"/>
+              <a:t>13</a:t>
+            </a:r>
           </a:p>
         </p:txBody>
       </p:sp>
@@ -9629,53 +10158,276 @@
         <p:spPr/>
         <p:txBody>
           <a:bodyPr>
-            <a:normAutofit fontScale="70000" lnSpcReduction="20000"/>
+            <a:normAutofit/>
           </a:bodyPr>
           <a:lstStyle/>
           <a:p>
             <a:r>
+              <a:rPr lang="ru-RU" sz="2400" dirty="0">
+                <a:latin typeface="Exo 2 Medium" panose="00000600000000000000" pitchFamily="2" charset="-52"/>
+              </a:rPr>
+              <a:t>1.	Средние и крупные проекты разработки программного обеспечения</a:t>
+            </a:r>
+          </a:p>
+          <a:p>
+            <a:r>
+              <a:rPr lang="ru-RU" sz="2400" dirty="0">
+                <a:latin typeface="Exo 2 Medium" panose="00000600000000000000" pitchFamily="2" charset="-52"/>
+              </a:rPr>
+              <a:t>2.	Проекты с переменными или изменяющимися требованиями</a:t>
+            </a:r>
+          </a:p>
+          <a:p>
+            <a:r>
+              <a:rPr lang="ru-RU" sz="2400" dirty="0">
+                <a:latin typeface="Exo 2 Medium" panose="00000600000000000000" pitchFamily="2" charset="-52"/>
+              </a:rPr>
+              <a:t>3.	Проекты, где важно поддерживать высокое качество</a:t>
+            </a:r>
+          </a:p>
+          <a:p>
+            <a:r>
+              <a:rPr lang="ru-RU" sz="2400" dirty="0">
+                <a:latin typeface="Exo 2 Medium" panose="00000600000000000000" pitchFamily="2" charset="-52"/>
+              </a:rPr>
+              <a:t>4.	Проекты с акцентом на архитектуре</a:t>
+            </a:r>
+          </a:p>
+          <a:p>
+            <a:r>
+              <a:rPr lang="ru-RU" sz="2400" dirty="0">
+                <a:latin typeface="Exo 2 Medium" panose="00000600000000000000" pitchFamily="2" charset="-52"/>
+              </a:rPr>
+              <a:t>5.	Проекты с требованиями к документации</a:t>
+            </a:r>
+          </a:p>
+          <a:p>
+            <a:r>
+              <a:rPr lang="ru-RU" sz="2400" dirty="0">
+                <a:latin typeface="Exo 2 Medium" panose="00000600000000000000" pitchFamily="2" charset="-52"/>
+              </a:rPr>
+              <a:t>6.	Распределенные проекты</a:t>
+            </a:r>
+          </a:p>
+          <a:p>
+            <a:endParaRPr lang="ru-RU" dirty="0"/>
+          </a:p>
+        </p:txBody>
+      </p:sp>
+      <p:sp>
+        <p:nvSpPr>
+          <p:cNvPr id="6" name="Текст 3">
+            <a:extLst>
+              <a:ext uri="{FF2B5EF4-FFF2-40B4-BE49-F238E27FC236}">
+                <a16:creationId xmlns:a16="http://schemas.microsoft.com/office/drawing/2014/main" id="{67D20E5C-4F3B-4F7F-BB0D-871F5CEE047D}"/>
+              </a:ext>
+            </a:extLst>
+          </p:cNvPr>
+          <p:cNvSpPr txBox="1">
+            <a:spLocks/>
+          </p:cNvSpPr>
+          <p:nvPr/>
+        </p:nvSpPr>
+        <p:spPr>
+          <a:xfrm>
+            <a:off x="405245" y="6461374"/>
+            <a:ext cx="2112235" cy="243976"/>
+          </a:xfrm>
+          <a:prstGeom prst="rect">
+            <a:avLst/>
+          </a:prstGeom>
+          <a:solidFill>
+            <a:schemeClr val="bg1"/>
+          </a:solidFill>
+        </p:spPr>
+        <p:txBody>
+          <a:bodyPr vert="horz" lIns="91440" tIns="45720" rIns="91440" bIns="45720" rtlCol="0">
+            <a:normAutofit/>
+          </a:bodyPr>
+          <a:lstStyle>
+            <a:lvl1pPr marL="0" indent="0" algn="ctr" defTabSz="914400" rtl="0" eaLnBrk="1" latinLnBrk="0" hangingPunct="1">
+              <a:spcBef>
+                <a:spcPct val="20000"/>
+              </a:spcBef>
+              <a:buClr>
+                <a:srgbClr val="002A4F"/>
+              </a:buClr>
+              <a:buFont typeface="Wingdings" panose="05000000000000000000" pitchFamily="2" charset="2"/>
+              <a:buNone/>
+              <a:defRPr sz="1000" b="0" kern="1200">
+                <a:solidFill>
+                  <a:schemeClr val="tx1">
+                    <a:lumMod val="50000"/>
+                    <a:lumOff val="50000"/>
+                  </a:schemeClr>
+                </a:solidFill>
+                <a:latin typeface="TT Norms Regular" pitchFamily="50" charset="-52"/>
+                <a:ea typeface="+mn-ea"/>
+                <a:cs typeface="+mn-cs"/>
+              </a:defRPr>
+            </a:lvl1pPr>
+            <a:lvl2pPr marL="457200" indent="0" algn="l" defTabSz="914400" rtl="0" eaLnBrk="1" latinLnBrk="0" hangingPunct="1">
+              <a:spcBef>
+                <a:spcPct val="20000"/>
+              </a:spcBef>
+              <a:buClr>
+                <a:srgbClr val="C00000"/>
+              </a:buClr>
+              <a:buFont typeface="Arial" panose="020B0604020202020204" pitchFamily="34" charset="0"/>
+              <a:buNone/>
+              <a:defRPr sz="1200" kern="1200">
+                <a:solidFill>
+                  <a:schemeClr val="tx1">
+                    <a:lumMod val="75000"/>
+                    <a:lumOff val="25000"/>
+                  </a:schemeClr>
+                </a:solidFill>
+                <a:latin typeface="TT Norms Regular" pitchFamily="50" charset="-52"/>
+                <a:ea typeface="+mn-ea"/>
+                <a:cs typeface="+mn-cs"/>
+              </a:defRPr>
+            </a:lvl2pPr>
+            <a:lvl3pPr marL="914400" indent="0" algn="l" defTabSz="914400" rtl="0" eaLnBrk="1" latinLnBrk="0" hangingPunct="1">
+              <a:spcBef>
+                <a:spcPct val="20000"/>
+              </a:spcBef>
+              <a:buClr>
+                <a:srgbClr val="C00000"/>
+              </a:buClr>
+              <a:buFont typeface="Arial" panose="020B0604020202020204" pitchFamily="34" charset="0"/>
+              <a:buNone/>
+              <a:defRPr sz="1000" kern="1200">
+                <a:solidFill>
+                  <a:schemeClr val="tx1">
+                    <a:lumMod val="75000"/>
+                    <a:lumOff val="25000"/>
+                  </a:schemeClr>
+                </a:solidFill>
+                <a:latin typeface="TT Norms Regular" pitchFamily="50" charset="-52"/>
+                <a:ea typeface="+mn-ea"/>
+                <a:cs typeface="+mn-cs"/>
+              </a:defRPr>
+            </a:lvl3pPr>
+            <a:lvl4pPr marL="1371600" indent="0" algn="l" defTabSz="914400" rtl="0" eaLnBrk="1" latinLnBrk="0" hangingPunct="1">
+              <a:spcBef>
+                <a:spcPct val="20000"/>
+              </a:spcBef>
+              <a:buClr>
+                <a:srgbClr val="C00000"/>
+              </a:buClr>
+              <a:buFont typeface="Arial" panose="020B0604020202020204" pitchFamily="34" charset="0"/>
+              <a:buNone/>
+              <a:defRPr sz="900" kern="1200">
+                <a:solidFill>
+                  <a:schemeClr val="tx1">
+                    <a:lumMod val="75000"/>
+                    <a:lumOff val="25000"/>
+                  </a:schemeClr>
+                </a:solidFill>
+                <a:latin typeface="TT Norms Regular" pitchFamily="50" charset="-52"/>
+                <a:ea typeface="+mn-ea"/>
+                <a:cs typeface="+mn-cs"/>
+              </a:defRPr>
+            </a:lvl4pPr>
+            <a:lvl5pPr marL="1828800" indent="0" algn="l" defTabSz="914400" rtl="0" eaLnBrk="1" latinLnBrk="0" hangingPunct="1">
+              <a:spcBef>
+                <a:spcPct val="20000"/>
+              </a:spcBef>
+              <a:buClr>
+                <a:srgbClr val="C00000"/>
+              </a:buClr>
+              <a:buFont typeface="Arial" panose="020B0604020202020204" pitchFamily="34" charset="0"/>
+              <a:buNone/>
+              <a:defRPr sz="900" kern="1200">
+                <a:solidFill>
+                  <a:schemeClr val="tx1">
+                    <a:lumMod val="75000"/>
+                    <a:lumOff val="25000"/>
+                  </a:schemeClr>
+                </a:solidFill>
+                <a:latin typeface="TT Norms Regular" pitchFamily="50" charset="-52"/>
+                <a:ea typeface="+mn-ea"/>
+                <a:cs typeface="+mn-cs"/>
+              </a:defRPr>
+            </a:lvl5pPr>
+            <a:lvl6pPr marL="2286000" indent="0" algn="l" defTabSz="914400" rtl="0" eaLnBrk="1" latinLnBrk="0" hangingPunct="1">
+              <a:spcBef>
+                <a:spcPct val="20000"/>
+              </a:spcBef>
+              <a:buFont typeface="Arial" panose="020B0604020202020204" pitchFamily="34" charset="0"/>
+              <a:buNone/>
+              <a:defRPr sz="900" kern="1200">
+                <a:solidFill>
+                  <a:schemeClr val="tx1"/>
+                </a:solidFill>
+                <a:latin typeface="+mn-lt"/>
+                <a:ea typeface="+mn-ea"/>
+                <a:cs typeface="+mn-cs"/>
+              </a:defRPr>
+            </a:lvl6pPr>
+            <a:lvl7pPr marL="2743200" indent="0" algn="l" defTabSz="914400" rtl="0" eaLnBrk="1" latinLnBrk="0" hangingPunct="1">
+              <a:spcBef>
+                <a:spcPct val="20000"/>
+              </a:spcBef>
+              <a:buFont typeface="Arial" panose="020B0604020202020204" pitchFamily="34" charset="0"/>
+              <a:buNone/>
+              <a:defRPr sz="900" kern="1200">
+                <a:solidFill>
+                  <a:schemeClr val="tx1"/>
+                </a:solidFill>
+                <a:latin typeface="+mn-lt"/>
+                <a:ea typeface="+mn-ea"/>
+                <a:cs typeface="+mn-cs"/>
+              </a:defRPr>
+            </a:lvl7pPr>
+            <a:lvl8pPr marL="3200400" indent="0" algn="l" defTabSz="914400" rtl="0" eaLnBrk="1" latinLnBrk="0" hangingPunct="1">
+              <a:spcBef>
+                <a:spcPct val="20000"/>
+              </a:spcBef>
+              <a:buFont typeface="Arial" panose="020B0604020202020204" pitchFamily="34" charset="0"/>
+              <a:buNone/>
+              <a:defRPr sz="900" kern="1200">
+                <a:solidFill>
+                  <a:schemeClr val="tx1"/>
+                </a:solidFill>
+                <a:latin typeface="+mn-lt"/>
+                <a:ea typeface="+mn-ea"/>
+                <a:cs typeface="+mn-cs"/>
+              </a:defRPr>
+            </a:lvl8pPr>
+            <a:lvl9pPr marL="3657600" indent="0" algn="l" defTabSz="914400" rtl="0" eaLnBrk="1" latinLnBrk="0" hangingPunct="1">
+              <a:spcBef>
+                <a:spcPct val="20000"/>
+              </a:spcBef>
+              <a:buFont typeface="Arial" panose="020B0604020202020204" pitchFamily="34" charset="0"/>
+              <a:buNone/>
+              <a:defRPr sz="900" kern="1200">
+                <a:solidFill>
+                  <a:schemeClr val="tx1"/>
+                </a:solidFill>
+                <a:latin typeface="+mn-lt"/>
+                <a:ea typeface="+mn-ea"/>
+                <a:cs typeface="+mn-cs"/>
+              </a:defRPr>
+            </a:lvl9pPr>
+          </a:lstStyle>
+          <a:p>
+            <a:r>
               <a:rPr lang="ru-RU" dirty="0"/>
-              <a:t>Унифицированный процесс разработки представляет собой гибридную методологию управления проектами и разработки программного обеспечения. Он может применяться в различных проектах, но чаще всего находит применение в средних и крупных проектах с достаточно сложными требованиями и потребностями. Унифицированный процесс разрабатывался, чтобы быть адаптивным и расширяемым, что позволяет его использование в разнообразных контекстах. Вот несколько типов проектов, для которых унифицированный процесс разработки может быть подходящим:</a:t>
-            </a:r>
-          </a:p>
-          <a:p>
+              <a:t>5 декабря </a:t>
+            </a:r>
+            <a:r>
+              <a:rPr lang="en-US" dirty="0"/>
+              <a:t>2023 </a:t>
+            </a:r>
             <a:r>
               <a:rPr lang="ru-RU" dirty="0"/>
-              <a:t>1.	Средние и крупные проекты разработки программного обеспечения</a:t>
-            </a:r>
-          </a:p>
-          <a:p>
-            <a:r>
-              <a:rPr lang="ru-RU" dirty="0"/>
-              <a:t>2.	Проекты с переменными или изменяющимися требованиями</a:t>
-            </a:r>
-          </a:p>
-          <a:p>
-            <a:r>
-              <a:rPr lang="ru-RU" dirty="0"/>
-              <a:t>3.	Проекты, где важно поддерживать высокое качество</a:t>
-            </a:r>
-          </a:p>
-          <a:p>
-            <a:r>
-              <a:rPr lang="ru-RU" dirty="0"/>
-              <a:t>4.	Проекты с акцентом на архитектуре</a:t>
-            </a:r>
-          </a:p>
-          <a:p>
-            <a:r>
-              <a:rPr lang="ru-RU" dirty="0"/>
-              <a:t>5.	Проекты с требованиями к документации</a:t>
-            </a:r>
-          </a:p>
-          <a:p>
-            <a:r>
-              <a:rPr lang="ru-RU" dirty="0"/>
-              <a:t>6.	Распределенные проекты</a:t>
-            </a:r>
-          </a:p>
-          <a:p>
-            <a:endParaRPr lang="ru-RU" dirty="0"/>
+              <a:t>г</a:t>
+            </a:r>
+            <a:r>
+              <a:rPr lang="en-US" dirty="0"/>
+              <a:t>.</a:t>
+            </a:r>
           </a:p>
         </p:txBody>
       </p:sp>
@@ -9689,229 +10441,6 @@
   <p:clrMapOvr>
     <a:masterClrMapping/>
   </p:clrMapOvr>
-</p:sld>
-</file>
-
-<file path=ppt/slides/slide16.xml><?xml version="1.0" encoding="utf-8"?>
-<p:sld xmlns:a="http://schemas.openxmlformats.org/drawingml/2006/main" xmlns:r="http://schemas.openxmlformats.org/officeDocument/2006/relationships" xmlns:p="http://schemas.openxmlformats.org/presentationml/2006/main">
-  <p:cSld>
-    <p:spTree>
-      <p:nvGrpSpPr>
-        <p:cNvPr id="1" name=""/>
-        <p:cNvGrpSpPr/>
-        <p:nvPr/>
-      </p:nvGrpSpPr>
-      <p:grpSpPr>
-        <a:xfrm>
-          <a:off x="0" y="0"/>
-          <a:ext cx="0" cy="0"/>
-          <a:chOff x="0" y="0"/>
-          <a:chExt cx="0" cy="0"/>
-        </a:xfrm>
-      </p:grpSpPr>
-      <p:sp>
-        <p:nvSpPr>
-          <p:cNvPr id="2" name="Заголовок 1">
-            <a:extLst>
-              <a:ext uri="{FF2B5EF4-FFF2-40B4-BE49-F238E27FC236}">
-                <a16:creationId xmlns:a16="http://schemas.microsoft.com/office/drawing/2014/main" id="{A842C337-1A03-4024-BEAA-A540694AAC62}"/>
-              </a:ext>
-            </a:extLst>
-          </p:cNvPr>
-          <p:cNvSpPr>
-            <a:spLocks noGrp="1"/>
-          </p:cNvSpPr>
-          <p:nvPr>
-            <p:ph type="title"/>
-          </p:nvPr>
-        </p:nvSpPr>
-        <p:spPr/>
-        <p:txBody>
-          <a:bodyPr/>
-          <a:lstStyle/>
-          <a:p>
-            <a:pPr algn="ctr"/>
-            <a:r>
-              <a:rPr lang="ru-RU" dirty="0">
-                <a:latin typeface="Exo 2 Medium" panose="00000600000000000000" pitchFamily="2" charset="-52"/>
-              </a:rPr>
-              <a:t>Экстремальное программирование</a:t>
-            </a:r>
-            <a:r>
-              <a:rPr lang="en-US" dirty="0">
-                <a:latin typeface="Exo 2 Medium" panose="00000600000000000000" pitchFamily="2" charset="-52"/>
-              </a:rPr>
-              <a:t> </a:t>
-            </a:r>
-            <a:r>
-              <a:rPr lang="ru-RU" dirty="0">
-                <a:latin typeface="Exo 2 Medium" panose="00000600000000000000" pitchFamily="2" charset="-52"/>
-              </a:rPr>
-              <a:t>и унифицированный процесс разработки </a:t>
-            </a:r>
-            <a:endParaRPr lang="en-US" dirty="0">
-              <a:latin typeface="Exo 2 Medium" panose="00000600000000000000" pitchFamily="2" charset="-52"/>
-            </a:endParaRPr>
-          </a:p>
-        </p:txBody>
-      </p:sp>
-      <p:sp>
-        <p:nvSpPr>
-          <p:cNvPr id="3" name="Текст 2">
-            <a:extLst>
-              <a:ext uri="{FF2B5EF4-FFF2-40B4-BE49-F238E27FC236}">
-                <a16:creationId xmlns:a16="http://schemas.microsoft.com/office/drawing/2014/main" id="{C831B6C0-242D-48D7-B2D9-B5B8430E30DE}"/>
-              </a:ext>
-            </a:extLst>
-          </p:cNvPr>
-          <p:cNvSpPr>
-            <a:spLocks noGrp="1"/>
-          </p:cNvSpPr>
-          <p:nvPr>
-            <p:ph type="body" sz="half" idx="10"/>
-          </p:nvPr>
-        </p:nvSpPr>
-        <p:spPr/>
-        <p:txBody>
-          <a:bodyPr/>
-          <a:lstStyle/>
-          <a:p>
-            <a:r>
-              <a:rPr lang="ru-RU" dirty="0"/>
-              <a:t>2</a:t>
-            </a:r>
-            <a:endParaRPr lang="en-US" dirty="0"/>
-          </a:p>
-        </p:txBody>
-      </p:sp>
-      <p:sp>
-        <p:nvSpPr>
-          <p:cNvPr id="4" name="Текст 3">
-            <a:extLst>
-              <a:ext uri="{FF2B5EF4-FFF2-40B4-BE49-F238E27FC236}">
-                <a16:creationId xmlns:a16="http://schemas.microsoft.com/office/drawing/2014/main" id="{BEE48585-8A3F-4CB4-9240-3128816233E7}"/>
-              </a:ext>
-            </a:extLst>
-          </p:cNvPr>
-          <p:cNvSpPr>
-            <a:spLocks noGrp="1"/>
-          </p:cNvSpPr>
-          <p:nvPr>
-            <p:ph type="body" sz="half" idx="12"/>
-          </p:nvPr>
-        </p:nvSpPr>
-        <p:spPr>
-          <a:xfrm>
-            <a:off x="431371" y="6503830"/>
-            <a:ext cx="2112235" cy="237537"/>
-          </a:xfrm>
-          <a:solidFill>
-            <a:schemeClr val="bg1"/>
-          </a:solidFill>
-        </p:spPr>
-        <p:txBody>
-          <a:bodyPr>
-            <a:normAutofit lnSpcReduction="10000"/>
-          </a:bodyPr>
-          <a:lstStyle/>
-          <a:p>
-            <a:r>
-              <a:rPr lang="ru-RU" dirty="0"/>
-              <a:t>21 ноября 2023 г.</a:t>
-            </a:r>
-            <a:endParaRPr lang="en-US" dirty="0"/>
-          </a:p>
-        </p:txBody>
-      </p:sp>
-      <p:sp>
-        <p:nvSpPr>
-          <p:cNvPr id="5" name="Объект 4">
-            <a:extLst>
-              <a:ext uri="{FF2B5EF4-FFF2-40B4-BE49-F238E27FC236}">
-                <a16:creationId xmlns:a16="http://schemas.microsoft.com/office/drawing/2014/main" id="{95A97FB3-DC3B-4051-B689-550E2DFF4FE0}"/>
-              </a:ext>
-            </a:extLst>
-          </p:cNvPr>
-          <p:cNvSpPr>
-            <a:spLocks noGrp="1"/>
-          </p:cNvSpPr>
-          <p:nvPr>
-            <p:ph sz="quarter" idx="13"/>
-          </p:nvPr>
-        </p:nvSpPr>
-        <p:spPr>
-          <a:xfrm>
-            <a:off x="624418" y="1412876"/>
-            <a:ext cx="11136211" cy="4537075"/>
-          </a:xfrm>
-        </p:spPr>
-        <p:txBody>
-          <a:bodyPr>
-            <a:normAutofit/>
-          </a:bodyPr>
-          <a:lstStyle/>
-          <a:p>
-            <a:r>
-              <a:rPr lang="ru-RU" sz="1600" dirty="0">
-                <a:latin typeface="Exo 2 Medium" panose="00000600000000000000" pitchFamily="2" charset="-52"/>
-              </a:rPr>
-              <a:t>Экстремальное программирование (XP) и унифицированный процесс разработки представляют собой два основополагающих подхода в методологии создания программного обеспечения</a:t>
-            </a:r>
-            <a:r>
-              <a:rPr lang="en-US" sz="1600" dirty="0">
-                <a:latin typeface="Exo 2 Medium" panose="00000600000000000000" pitchFamily="2" charset="-52"/>
-              </a:rPr>
-              <a:t>.</a:t>
-            </a:r>
-          </a:p>
-          <a:p>
-            <a:r>
-              <a:rPr lang="ru-RU" sz="1600" dirty="0">
-                <a:latin typeface="Exo 2 Medium" panose="00000600000000000000" pitchFamily="2" charset="-52"/>
-              </a:rPr>
-              <a:t>XP — это подход разработки программного обеспечения которая фокусирует усилия обеих сторон (программистов и бизнесменов) на общих, достижимых целях. Данный подход ставит перед собой задачу обеспечить быструю разработку, акцентируя внимание на постоянном взаимодействии с заказчиком и оперативных реакциях на изменения требований. Этот подход способствует созданию гибких, адаптивных продуктов в условиях динамичной рыночной среды.</a:t>
-            </a:r>
-            <a:endParaRPr lang="en-US" sz="1600" dirty="0">
-              <a:latin typeface="Exo 2 Medium" panose="00000600000000000000" pitchFamily="2" charset="-52"/>
-            </a:endParaRPr>
-          </a:p>
-          <a:p>
-            <a:r>
-              <a:rPr lang="ru-RU" sz="1600" dirty="0">
-                <a:latin typeface="Exo 2 Medium" panose="00000600000000000000" pitchFamily="2" charset="-52"/>
-              </a:rPr>
-              <a:t>Унифицированный процесс стремится к созданию структурированной и комплексной системы управления проектом. Он ориентирован на документацию, строгие процессы и формализацию этапов разработки, что позволяет создавать крупные и сложные программные продукты с учетом широкого спектра требований и ограничений.</a:t>
-            </a:r>
-            <a:endParaRPr lang="en-US" sz="1600" dirty="0">
-              <a:latin typeface="Exo 2 Medium" panose="00000600000000000000" pitchFamily="2" charset="-52"/>
-            </a:endParaRPr>
-          </a:p>
-          <a:p>
-            <a:r>
-              <a:rPr lang="ru-RU" sz="1600" dirty="0">
-                <a:latin typeface="Exo 2 Medium" panose="00000600000000000000" pitchFamily="2" charset="-52"/>
-              </a:rPr>
-              <a:t>Обе эти методологии занимают центральное место в современной индустрии разработки программного обеспечения. Их значимость заключается в предоставлении разработчикам разнообразных инструментов и подходов для успешного создания качественного программного обеспечения в условиях постоянно меняющихся требований и ограниченных ресурсов.</a:t>
-            </a:r>
-            <a:endParaRPr lang="en-US" sz="1600" dirty="0">
-              <a:latin typeface="Exo 2 Medium" panose="00000600000000000000" pitchFamily="2" charset="-52"/>
-            </a:endParaRPr>
-          </a:p>
-        </p:txBody>
-      </p:sp>
-    </p:spTree>
-    <p:extLst>
-      <p:ext uri="{BB962C8B-B14F-4D97-AF65-F5344CB8AC3E}">
-        <p14:creationId xmlns:p14="http://schemas.microsoft.com/office/powerpoint/2010/main" val="3348869317"/>
-      </p:ext>
-    </p:extLst>
-  </p:cSld>
-  <p:clrMapOvr>
-    <a:masterClrMapping/>
-  </p:clrMapOvr>
-  <p:transition spd="slow">
-    <p:wipe/>
-  </p:transition>
 </p:sld>
 </file>
 
@@ -9988,7 +10517,7 @@
           <a:p>
             <a:r>
               <a:rPr lang="ru-RU" dirty="0"/>
-              <a:t>2</a:t>
+              <a:t>1</a:t>
             </a:r>
           </a:p>
           <a:p>
@@ -10014,7 +10543,7 @@
         </p:nvSpPr>
         <p:spPr>
           <a:xfrm>
-            <a:off x="431371" y="6497392"/>
+            <a:off x="405245" y="6461374"/>
             <a:ext cx="2112235" cy="243976"/>
           </a:xfrm>
           <a:solidFill>
@@ -10026,12 +10555,8 @@
           <a:lstStyle/>
           <a:p>
             <a:r>
-              <a:rPr lang="en-US" dirty="0"/>
-              <a:t>21</a:t>
-            </a:r>
-            <a:r>
               <a:rPr lang="ru-RU" dirty="0"/>
-              <a:t> ноября </a:t>
+              <a:t>5 декабря </a:t>
             </a:r>
             <a:r>
               <a:rPr lang="en-US" dirty="0"/>
@@ -10072,56 +10597,33 @@
         </p:spPr>
         <p:txBody>
           <a:bodyPr>
-            <a:normAutofit fontScale="77500" lnSpcReduction="20000"/>
+            <a:normAutofit/>
           </a:bodyPr>
           <a:lstStyle/>
           <a:p>
-            <a:pPr marL="0" indent="0">
-              <a:buNone/>
-            </a:pPr>
-            <a:r>
-              <a:rPr lang="ru-RU" dirty="0">
+            <a:r>
+              <a:rPr lang="ru-RU" sz="2400" dirty="0">
                 <a:latin typeface="Exo 2 Medium" panose="00000600000000000000" pitchFamily="2" charset="-52"/>
               </a:rPr>
               <a:t>Экстремальное программирование — это подход разработки программного обеспечения, которая фокусирует усилия программистов и бизнесменов на достижимых целях. </a:t>
             </a:r>
           </a:p>
           <a:p>
-            <a:pPr marL="0" indent="0">
-              <a:buNone/>
-            </a:pPr>
-            <a:r>
-              <a:rPr lang="ru-RU" dirty="0">
+            <a:r>
+              <a:rPr lang="ru-RU" sz="2400" dirty="0">
                 <a:latin typeface="Exo 2 Medium" panose="00000600000000000000" pitchFamily="2" charset="-52"/>
               </a:rPr>
               <a:t>Данный подход ставит перед собой задачу обеспечить быструю разработку, акцентируя внимание на постоянном взаимодействии с заказчиком и оперативных реакциях на изменения требований. </a:t>
             </a:r>
           </a:p>
           <a:p>
-            <a:pPr marL="0" indent="0">
-              <a:buNone/>
-            </a:pPr>
-            <a:r>
-              <a:rPr lang="ru-RU" dirty="0">
+            <a:r>
+              <a:rPr lang="ru-RU" sz="2400" dirty="0">
                 <a:latin typeface="Exo 2 Medium" panose="00000600000000000000" pitchFamily="2" charset="-52"/>
               </a:rPr>
-              <a:t>Этот подход способствует созданию гибких, адаптивных продуктов в условиях динамичной рыночной среды.</a:t>
-            </a:r>
-            <a:endParaRPr lang="ru-RU" sz="3200" dirty="0">
-              <a:latin typeface="Exo 2 Medium" panose="00000600000000000000" pitchFamily="2" charset="-52"/>
-            </a:endParaRPr>
-          </a:p>
-          <a:p>
-            <a:pPr marL="0" indent="0">
-              <a:buNone/>
-            </a:pPr>
-            <a:r>
-              <a:rPr lang="ru-RU" sz="3200" dirty="0">
-                <a:latin typeface="Exo 2 Medium" panose="00000600000000000000" pitchFamily="2" charset="-52"/>
-              </a:rPr>
-              <a:t>Основная идея XP заключается в том, чтобы улучшить качество разработки программного обеспечения и повысить удовлетворенность заказчика через более гибкие и адаптивные практики</a:t>
-            </a:r>
-            <a:endParaRPr lang="en-US" dirty="0"/>
+              <a:t>Основная идея заключается в том, чтобы улучшить качество разработки программного обеспечения и повысить удовлетворенность заказчика через более гибкие и адаптивные практики</a:t>
+            </a:r>
+            <a:endParaRPr lang="en-US" sz="2400" dirty="0"/>
           </a:p>
         </p:txBody>
       </p:sp>
@@ -10180,14 +10682,20 @@
           <a:lstStyle/>
           <a:p>
             <a:r>
-              <a:rPr lang="ru-RU" dirty="0"/>
+              <a:rPr lang="ru-RU" dirty="0">
+                <a:latin typeface="Exo 2 Medium" panose="00000600000000000000" pitchFamily="2" charset="-52"/>
+              </a:rPr>
               <a:t>Отличительные признаки </a:t>
             </a:r>
             <a:r>
-              <a:rPr lang="en-US" dirty="0"/>
+              <a:rPr lang="en-US" dirty="0">
+                <a:latin typeface="Exo 2 Medium" panose="00000600000000000000" pitchFamily="2" charset="-52"/>
+              </a:rPr>
               <a:t>XP</a:t>
             </a:r>
-            <a:endParaRPr lang="ru-RU" dirty="0"/>
+            <a:endParaRPr lang="ru-RU" dirty="0">
+              <a:latin typeface="Exo 2 Medium" panose="00000600000000000000" pitchFamily="2" charset="-52"/>
+            </a:endParaRPr>
           </a:p>
         </p:txBody>
       </p:sp>
@@ -10214,33 +10722,8 @@
           <a:p>
             <a:r>
               <a:rPr lang="ru-RU" dirty="0"/>
-              <a:t>3</a:t>
-            </a:r>
-          </a:p>
-        </p:txBody>
-      </p:sp>
-      <p:sp>
-        <p:nvSpPr>
-          <p:cNvPr id="4" name="Текст 3">
-            <a:extLst>
-              <a:ext uri="{FF2B5EF4-FFF2-40B4-BE49-F238E27FC236}">
-                <a16:creationId xmlns:a16="http://schemas.microsoft.com/office/drawing/2014/main" id="{4AFB9308-8438-4A14-A8FA-73AC6B9DF53D}"/>
-              </a:ext>
-            </a:extLst>
-          </p:cNvPr>
-          <p:cNvSpPr>
-            <a:spLocks noGrp="1"/>
-          </p:cNvSpPr>
-          <p:nvPr>
-            <p:ph type="body" sz="half" idx="12"/>
-          </p:nvPr>
-        </p:nvSpPr>
-        <p:spPr/>
-        <p:txBody>
-          <a:bodyPr/>
-          <a:lstStyle/>
-          <a:p>
-            <a:endParaRPr lang="ru-RU"/>
+              <a:t>2</a:t>
+            </a:r>
           </a:p>
         </p:txBody>
       </p:sp>
@@ -10268,58 +10751,50 @@
           <a:lstStyle/>
           <a:p>
             <a:r>
-              <a:rPr lang="ru-RU" dirty="0"/>
+              <a:rPr lang="ru-RU" sz="2400" dirty="0">
+                <a:latin typeface="Exo 2 Medium" panose="00000600000000000000" pitchFamily="2" charset="-52"/>
+              </a:rPr>
               <a:t>От других методик экстремальное программирование можно отличить   по таким признакам как:</a:t>
             </a:r>
           </a:p>
           <a:p>
-            <a:pPr marL="514350" indent="-514350">
-              <a:buFont typeface="+mj-lt"/>
-              <a:buAutoNum type="arabicPeriod"/>
-            </a:pPr>
-            <a:r>
-              <a:rPr lang="ru-RU" dirty="0"/>
-              <a:t>Использование чрезвычайно коротких циклов разработки</a:t>
-            </a:r>
-          </a:p>
-          <a:p>
-            <a:pPr marL="514350" indent="-514350">
-              <a:buFont typeface="+mj-lt"/>
-              <a:buAutoNum type="arabicPeriod"/>
-            </a:pPr>
-            <a:r>
-              <a:rPr lang="ru-RU" dirty="0"/>
-              <a:t>Планирование по нарастающей</a:t>
-            </a:r>
-          </a:p>
-          <a:p>
-            <a:pPr marL="514350" indent="-514350">
-              <a:buFont typeface="+mj-lt"/>
-              <a:buAutoNum type="arabicPeriod"/>
-            </a:pPr>
-            <a:r>
-              <a:rPr lang="ru-RU" dirty="0"/>
-              <a:t>Гибкий график реализации функциональности</a:t>
-            </a:r>
-          </a:p>
-          <a:p>
-            <a:pPr marL="514350" indent="-514350">
-              <a:buFont typeface="+mj-lt"/>
-              <a:buAutoNum type="arabicPeriod"/>
-            </a:pPr>
-            <a:r>
-              <a:rPr lang="ru-RU" dirty="0"/>
-              <a:t>Обмен информацией</a:t>
-            </a:r>
-          </a:p>
-          <a:p>
-            <a:pPr marL="514350" indent="-514350">
-              <a:buFont typeface="+mj-lt"/>
-              <a:buAutoNum type="arabicPeriod"/>
-            </a:pPr>
-            <a:r>
-              <a:rPr lang="ru-RU" dirty="0"/>
-              <a:t>Тесное взаимодействие программистов</a:t>
+            <a:r>
+              <a:rPr lang="ru-RU" sz="2400" dirty="0">
+                <a:latin typeface="Exo 2 Medium" panose="00000600000000000000" pitchFamily="2" charset="-52"/>
+              </a:rPr>
+              <a:t>1.	Использование чрезвычайно коротких циклов разработки</a:t>
+            </a:r>
+          </a:p>
+          <a:p>
+            <a:r>
+              <a:rPr lang="ru-RU" sz="2400" dirty="0">
+                <a:latin typeface="Exo 2 Medium" panose="00000600000000000000" pitchFamily="2" charset="-52"/>
+              </a:rPr>
+              <a:t>2.	Планирование по нарастающей</a:t>
+            </a:r>
+          </a:p>
+          <a:p>
+            <a:r>
+              <a:rPr lang="ru-RU" sz="2400" dirty="0">
+                <a:latin typeface="Exo 2 Medium" panose="00000600000000000000" pitchFamily="2" charset="-52"/>
+              </a:rPr>
+              <a:t>3.	Гибкий график реализации функциональности</a:t>
+            </a:r>
+          </a:p>
+          <a:p>
+            <a:r>
+              <a:rPr lang="ru-RU" sz="2400" dirty="0">
+                <a:latin typeface="Exo 2 Medium" panose="00000600000000000000" pitchFamily="2" charset="-52"/>
+              </a:rPr>
+              <a:t>4.	Обмен информацией</a:t>
+            </a:r>
+          </a:p>
+          <a:p>
+            <a:r>
+              <a:rPr lang="ru-RU" sz="2400" dirty="0">
+                <a:latin typeface="Exo 2 Medium" panose="00000600000000000000" pitchFamily="2" charset="-52"/>
+              </a:rPr>
+              <a:t>5.	Тесное взаимодействие программистов</a:t>
             </a:r>
           </a:p>
           <a:p>
@@ -10328,6 +10803,54 @@
               <a:buAutoNum type="arabicPeriod"/>
             </a:pPr>
             <a:endParaRPr lang="ru-RU" dirty="0"/>
+          </a:p>
+        </p:txBody>
+      </p:sp>
+      <p:sp>
+        <p:nvSpPr>
+          <p:cNvPr id="6" name="Текст 3">
+            <a:extLst>
+              <a:ext uri="{FF2B5EF4-FFF2-40B4-BE49-F238E27FC236}">
+                <a16:creationId xmlns:a16="http://schemas.microsoft.com/office/drawing/2014/main" id="{82CCA072-C2C8-4164-ABA9-D62450694A51}"/>
+              </a:ext>
+            </a:extLst>
+          </p:cNvPr>
+          <p:cNvSpPr>
+            <a:spLocks noGrp="1"/>
+          </p:cNvSpPr>
+          <p:nvPr>
+            <p:ph type="body" sz="half" idx="12"/>
+          </p:nvPr>
+        </p:nvSpPr>
+        <p:spPr>
+          <a:xfrm>
+            <a:off x="405245" y="6461374"/>
+            <a:ext cx="2112235" cy="243976"/>
+          </a:xfrm>
+          <a:solidFill>
+            <a:schemeClr val="bg1"/>
+          </a:solidFill>
+        </p:spPr>
+        <p:txBody>
+          <a:bodyPr/>
+          <a:lstStyle/>
+          <a:p>
+            <a:r>
+              <a:rPr lang="ru-RU" dirty="0"/>
+              <a:t>5 декабря </a:t>
+            </a:r>
+            <a:r>
+              <a:rPr lang="en-US" dirty="0"/>
+              <a:t>2023 </a:t>
+            </a:r>
+            <a:r>
+              <a:rPr lang="ru-RU" dirty="0"/>
+              <a:t>г</a:t>
+            </a:r>
+            <a:r>
+              <a:rPr lang="en-US" dirty="0"/>
+              <a:t>.</a:t>
+            </a:r>
           </a:p>
         </p:txBody>
       </p:sp>
@@ -10366,7 +10889,7 @@
           <p:cNvPr id="2" name="Заголовок 1">
             <a:extLst>
               <a:ext uri="{FF2B5EF4-FFF2-40B4-BE49-F238E27FC236}">
-                <a16:creationId xmlns:a16="http://schemas.microsoft.com/office/drawing/2014/main" id="{D528D6BE-2542-4E0B-8673-EFAF6490FD4A}"/>
+                <a16:creationId xmlns:a16="http://schemas.microsoft.com/office/drawing/2014/main" id="{73D2475F-144A-4CFD-9367-92DD6792C79F}"/>
               </a:ext>
             </a:extLst>
           </p:cNvPr>
@@ -10383,8 +10906,10 @@
           <a:lstStyle/>
           <a:p>
             <a:r>
-              <a:rPr lang="ru-RU" dirty="0"/>
-              <a:t>ИСТОРИЯ ПОЯВЛЕНИЯ ЭКСТРЕМАЛЬНОГО ПРОГРАММИРОВАНИЯ</a:t>
+              <a:rPr lang="ru-RU" dirty="0">
+                <a:latin typeface="Exo 2 Medium" panose="00000600000000000000" pitchFamily="2" charset="-52"/>
+              </a:rPr>
+              <a:t>Главные принципы и методики экстремального программирования</a:t>
             </a:r>
           </a:p>
         </p:txBody>
@@ -10394,7 +10919,7 @@
           <p:cNvPr id="3" name="Текст 2">
             <a:extLst>
               <a:ext uri="{FF2B5EF4-FFF2-40B4-BE49-F238E27FC236}">
-                <a16:creationId xmlns:a16="http://schemas.microsoft.com/office/drawing/2014/main" id="{C2278171-0F86-41C4-B0EF-62D09CEF4FC6}"/>
+                <a16:creationId xmlns:a16="http://schemas.microsoft.com/office/drawing/2014/main" id="{F7A4449E-7CB8-4C15-8914-070BC7DB7284}"/>
               </a:ext>
             </a:extLst>
           </p:cNvPr>
@@ -10419,10 +10944,10 @@
       </p:sp>
       <p:sp>
         <p:nvSpPr>
-          <p:cNvPr id="4" name="Текст 3">
+          <p:cNvPr id="5" name="Объект 4">
             <a:extLst>
               <a:ext uri="{FF2B5EF4-FFF2-40B4-BE49-F238E27FC236}">
-                <a16:creationId xmlns:a16="http://schemas.microsoft.com/office/drawing/2014/main" id="{CA0E4575-8A79-4AF2-A229-34390B9BE821}"/>
+                <a16:creationId xmlns:a16="http://schemas.microsoft.com/office/drawing/2014/main" id="{06792C56-E4E7-4584-BF6E-12D9A91E31B4}"/>
               </a:ext>
             </a:extLst>
           </p:cNvPr>
@@ -10430,24 +10955,90 @@
             <a:spLocks noGrp="1"/>
           </p:cNvSpPr>
           <p:nvPr>
-            <p:ph type="body" sz="half" idx="12"/>
+            <p:ph sz="quarter" idx="13"/>
           </p:nvPr>
         </p:nvSpPr>
         <p:spPr/>
         <p:txBody>
-          <a:bodyPr/>
+          <a:bodyPr>
+            <a:normAutofit/>
+          </a:bodyPr>
           <a:lstStyle/>
           <a:p>
-            <a:endParaRPr lang="ru-RU"/>
-          </a:p>
-        </p:txBody>
-      </p:sp>
-      <p:sp>
-        <p:nvSpPr>
-          <p:cNvPr id="5" name="Объект 4">
+            <a:r>
+              <a:rPr lang="ru-RU" sz="2400" dirty="0">
+                <a:latin typeface="Exo 2 Medium" panose="00000600000000000000" pitchFamily="2" charset="-52"/>
+              </a:rPr>
+              <a:t>Можно выделить несколько главных принципов и методик экстремального программирования:</a:t>
+            </a:r>
+          </a:p>
+          <a:p>
+            <a:r>
+              <a:rPr lang="ru-RU" sz="2400" dirty="0">
+                <a:latin typeface="Exo 2 Medium" panose="00000600000000000000" pitchFamily="2" charset="-52"/>
+              </a:rPr>
+              <a:t>1.	Простота</a:t>
+            </a:r>
+          </a:p>
+          <a:p>
+            <a:r>
+              <a:rPr lang="ru-RU" sz="2400" dirty="0">
+                <a:latin typeface="Exo 2 Medium" panose="00000600000000000000" pitchFamily="2" charset="-52"/>
+              </a:rPr>
+              <a:t>2.	Изменчивые требования</a:t>
+            </a:r>
+          </a:p>
+          <a:p>
+            <a:r>
+              <a:rPr lang="ru-RU" sz="2400" dirty="0">
+                <a:latin typeface="Exo 2 Medium" panose="00000600000000000000" pitchFamily="2" charset="-52"/>
+              </a:rPr>
+              <a:t>3.	Программирование в парах</a:t>
+            </a:r>
+          </a:p>
+          <a:p>
+            <a:r>
+              <a:rPr lang="ru-RU" sz="2400" dirty="0">
+                <a:latin typeface="Exo 2 Medium" panose="00000600000000000000" pitchFamily="2" charset="-52"/>
+              </a:rPr>
+              <a:t>4.	Общее владение кодом</a:t>
+            </a:r>
+          </a:p>
+          <a:p>
+            <a:r>
+              <a:rPr lang="ru-RU" sz="2400" dirty="0">
+                <a:latin typeface="Exo 2 Medium" panose="00000600000000000000" pitchFamily="2" charset="-52"/>
+              </a:rPr>
+              <a:t>5.	Тестирование</a:t>
+            </a:r>
+          </a:p>
+          <a:p>
+            <a:r>
+              <a:rPr lang="ru-RU" sz="2400" dirty="0">
+                <a:latin typeface="Exo 2 Medium" panose="00000600000000000000" pitchFamily="2" charset="-52"/>
+              </a:rPr>
+              <a:t>6.	40-часовая рабочая неделя</a:t>
+            </a:r>
+          </a:p>
+          <a:p>
+            <a:r>
+              <a:rPr lang="ru-RU" sz="2400" dirty="0">
+                <a:latin typeface="Exo 2 Medium" panose="00000600000000000000" pitchFamily="2" charset="-52"/>
+              </a:rPr>
+              <a:t>7.	Заказчик на рабочей площадке</a:t>
+            </a:r>
+          </a:p>
+          <a:p>
+            <a:endParaRPr lang="ru-RU" dirty="0"/>
+          </a:p>
+        </p:txBody>
+      </p:sp>
+      <p:sp>
+        <p:nvSpPr>
+          <p:cNvPr id="6" name="Текст 3">
             <a:extLst>
               <a:ext uri="{FF2B5EF4-FFF2-40B4-BE49-F238E27FC236}">
-                <a16:creationId xmlns:a16="http://schemas.microsoft.com/office/drawing/2014/main" id="{90147F8D-F7C8-4455-B170-05F8795DD28F}"/>
+                <a16:creationId xmlns:a16="http://schemas.microsoft.com/office/drawing/2014/main" id="{DE3B7C04-86E9-4867-A239-670F300366F0}"/>
               </a:ext>
             </a:extLst>
           </p:cNvPr>
@@ -10455,72 +11046,45 @@
             <a:spLocks noGrp="1"/>
           </p:cNvSpPr>
           <p:nvPr>
-            <p:ph sz="quarter" idx="13"/>
+            <p:ph type="body" sz="half" idx="12"/>
           </p:nvPr>
         </p:nvSpPr>
-        <p:spPr/>
-        <p:txBody>
-          <a:bodyPr>
-            <a:normAutofit fontScale="77500" lnSpcReduction="20000"/>
-          </a:bodyPr>
+        <p:spPr>
+          <a:xfrm>
+            <a:off x="405245" y="6461374"/>
+            <a:ext cx="2112235" cy="243976"/>
+          </a:xfrm>
+          <a:solidFill>
+            <a:schemeClr val="bg1"/>
+          </a:solidFill>
+        </p:spPr>
+        <p:txBody>
+          <a:bodyPr/>
           <a:lstStyle/>
           <a:p>
             <a:r>
               <a:rPr lang="ru-RU" dirty="0"/>
-              <a:t>Как методология разработки программного обеспечения была предложена Кентом Беком в 1996 году. Данная методология была разработана в ответ на некоторые недостатки традиционных методов разработки программного обеспечения. </a:t>
-            </a:r>
-          </a:p>
-          <a:p>
+              <a:t>5 декабря </a:t>
+            </a:r>
+            <a:r>
+              <a:rPr lang="en-US" dirty="0"/>
+              <a:t>2023 </a:t>
+            </a:r>
             <a:r>
               <a:rPr lang="ru-RU" dirty="0"/>
-              <a:t>В начале 1990-х годов Кент Бек столкнулся с ограничениями традиционных методологий, которые часто приводили к долгим циклам разработки, недостаточной гибкости и трудным сопровождением кода.</a:t>
-            </a:r>
-          </a:p>
-          <a:p>
-            <a:r>
-              <a:rPr lang="ru-RU" dirty="0"/>
-              <a:t>В 1996 году, Бек начал применять набор практик, которые сочетали в себе лучшие элементы традиционных и нетрадиционных методологий. Он сделал акцент на простоте, гибкости и обратной связи от заказчика.</a:t>
-            </a:r>
-          </a:p>
-          <a:p>
-            <a:r>
-              <a:rPr lang="ru-RU" dirty="0"/>
-              <a:t>В 1999 году Бек опубликовал книгу под названием "Extreme </a:t>
-            </a:r>
-            <a:r>
-              <a:rPr lang="ru-RU" dirty="0" err="1"/>
-              <a:t>Programming</a:t>
-            </a:r>
-            <a:r>
-              <a:rPr lang="ru-RU" dirty="0"/>
-              <a:t> </a:t>
-            </a:r>
-            <a:r>
-              <a:rPr lang="ru-RU" dirty="0" err="1"/>
-              <a:t>Explained</a:t>
-            </a:r>
-            <a:r>
-              <a:rPr lang="ru-RU" dirty="0"/>
-              <a:t>: </a:t>
-            </a:r>
-            <a:r>
-              <a:rPr lang="ru-RU" dirty="0" err="1"/>
-              <a:t>Embrace</a:t>
-            </a:r>
-            <a:r>
-              <a:rPr lang="ru-RU" dirty="0"/>
-              <a:t> Change". В этой книге он подробно описал принципы и практики экстремального программирования.</a:t>
-            </a:r>
-          </a:p>
-          <a:p>
-            <a:endParaRPr lang="ru-RU" dirty="0"/>
+              <a:t>г</a:t>
+            </a:r>
+            <a:r>
+              <a:rPr lang="en-US" dirty="0"/>
+              <a:t>.</a:t>
+            </a:r>
           </a:p>
         </p:txBody>
       </p:sp>
     </p:spTree>
     <p:extLst>
       <p:ext uri="{BB962C8B-B14F-4D97-AF65-F5344CB8AC3E}">
-        <p14:creationId xmlns:p14="http://schemas.microsoft.com/office/powerpoint/2010/main" val="1922323431"/>
+        <p14:creationId xmlns:p14="http://schemas.microsoft.com/office/powerpoint/2010/main" val="2179345447"/>
       </p:ext>
     </p:extLst>
   </p:cSld>
@@ -10552,7 +11116,7 @@
           <p:cNvPr id="2" name="Заголовок 1">
             <a:extLst>
               <a:ext uri="{FF2B5EF4-FFF2-40B4-BE49-F238E27FC236}">
-                <a16:creationId xmlns:a16="http://schemas.microsoft.com/office/drawing/2014/main" id="{73D2475F-144A-4CFD-9367-92DD6792C79F}"/>
+                <a16:creationId xmlns:a16="http://schemas.microsoft.com/office/drawing/2014/main" id="{828B3BED-CFA2-4B85-9538-BE941A0859E2}"/>
               </a:ext>
             </a:extLst>
           </p:cNvPr>
@@ -10569,8 +11133,10 @@
           <a:lstStyle/>
           <a:p>
             <a:r>
-              <a:rPr lang="ru-RU" dirty="0"/>
-              <a:t>ГЛАВНЫЕ ПРИНЦИПЫ И МЕТОДИКИ ЭКСТРЕМАЛЬНОГО ПРОГРАММИРОВАНИЯ</a:t>
+              <a:rPr lang="ru-RU" dirty="0">
+                <a:latin typeface="Exo 2 Medium" panose="00000600000000000000" pitchFamily="2" charset="-52"/>
+              </a:rPr>
+              <a:t>Достоинства экстремального программирования</a:t>
             </a:r>
           </a:p>
         </p:txBody>
@@ -10580,7 +11146,7 @@
           <p:cNvPr id="3" name="Текст 2">
             <a:extLst>
               <a:ext uri="{FF2B5EF4-FFF2-40B4-BE49-F238E27FC236}">
-                <a16:creationId xmlns:a16="http://schemas.microsoft.com/office/drawing/2014/main" id="{F7A4449E-7CB8-4C15-8914-070BC7DB7284}"/>
+                <a16:creationId xmlns:a16="http://schemas.microsoft.com/office/drawing/2014/main" id="{0829A408-27E8-4A92-9040-0B8AB9BFFB10}"/>
               </a:ext>
             </a:extLst>
           </p:cNvPr>
@@ -10605,10 +11171,10 @@
       </p:sp>
       <p:sp>
         <p:nvSpPr>
-          <p:cNvPr id="4" name="Текст 3">
+          <p:cNvPr id="5" name="Объект 4">
             <a:extLst>
               <a:ext uri="{FF2B5EF4-FFF2-40B4-BE49-F238E27FC236}">
-                <a16:creationId xmlns:a16="http://schemas.microsoft.com/office/drawing/2014/main" id="{580B7E4C-05EB-47B4-877A-9FB6DAED935B}"/>
+                <a16:creationId xmlns:a16="http://schemas.microsoft.com/office/drawing/2014/main" id="{3C379F56-D1F0-45C0-9F96-2CCFF0EA162E}"/>
               </a:ext>
             </a:extLst>
           </p:cNvPr>
@@ -10616,106 +11182,286 @@
             <a:spLocks noGrp="1"/>
           </p:cNvSpPr>
           <p:nvPr>
-            <p:ph type="body" sz="half" idx="12"/>
+            <p:ph sz="quarter" idx="13"/>
           </p:nvPr>
         </p:nvSpPr>
         <p:spPr/>
         <p:txBody>
-          <a:bodyPr/>
+          <a:bodyPr>
+            <a:normAutofit/>
+          </a:bodyPr>
           <a:lstStyle/>
           <a:p>
-            <a:endParaRPr lang="ru-RU"/>
-          </a:p>
-        </p:txBody>
-      </p:sp>
-      <p:sp>
-        <p:nvSpPr>
-          <p:cNvPr id="5" name="Объект 4">
+            <a:r>
+              <a:rPr lang="ru-RU" sz="2400" dirty="0">
+                <a:latin typeface="Exo 2 Medium" panose="00000600000000000000" pitchFamily="2" charset="-52"/>
+              </a:rPr>
+              <a:t>К достоинствам экстремального программирования (если его удается применить) можно отнести:</a:t>
+            </a:r>
+          </a:p>
+          <a:p>
+            <a:r>
+              <a:rPr lang="ru-RU" sz="2400" dirty="0">
+                <a:latin typeface="Exo 2 Medium" panose="00000600000000000000" pitchFamily="2" charset="-52"/>
+              </a:rPr>
+              <a:t>1.	Гибкость.</a:t>
+            </a:r>
+          </a:p>
+          <a:p>
+            <a:r>
+              <a:rPr lang="ru-RU" sz="2400" dirty="0">
+                <a:latin typeface="Exo 2 Medium" panose="00000600000000000000" pitchFamily="2" charset="-52"/>
+              </a:rPr>
+              <a:t>2.	Быстрое развертывание.</a:t>
+            </a:r>
+          </a:p>
+          <a:p>
+            <a:r>
+              <a:rPr lang="ru-RU" sz="2400" dirty="0">
+                <a:latin typeface="Exo 2 Medium" panose="00000600000000000000" pitchFamily="2" charset="-52"/>
+              </a:rPr>
+              <a:t>3.	Качество кода.</a:t>
+            </a:r>
+          </a:p>
+          <a:p>
+            <a:r>
+              <a:rPr lang="ru-RU" sz="2400" dirty="0">
+                <a:latin typeface="Exo 2 Medium" panose="00000600000000000000" pitchFamily="2" charset="-52"/>
+              </a:rPr>
+              <a:t>4.	Участие заказчика.</a:t>
+            </a:r>
+          </a:p>
+          <a:p>
+            <a:r>
+              <a:rPr lang="ru-RU" sz="2400" dirty="0">
+                <a:latin typeface="Exo 2 Medium" panose="00000600000000000000" pitchFamily="2" charset="-52"/>
+              </a:rPr>
+              <a:t>5.	Уклонение от излишних формальностей.</a:t>
+            </a:r>
+          </a:p>
+        </p:txBody>
+      </p:sp>
+      <p:sp>
+        <p:nvSpPr>
+          <p:cNvPr id="6" name="Текст 3">
             <a:extLst>
               <a:ext uri="{FF2B5EF4-FFF2-40B4-BE49-F238E27FC236}">
-                <a16:creationId xmlns:a16="http://schemas.microsoft.com/office/drawing/2014/main" id="{06792C56-E4E7-4584-BF6E-12D9A91E31B4}"/>
+                <a16:creationId xmlns:a16="http://schemas.microsoft.com/office/drawing/2014/main" id="{AA5D0B7B-BE6A-4021-BCAF-3ABA324A1CA7}"/>
               </a:ext>
             </a:extLst>
           </p:cNvPr>
-          <p:cNvSpPr>
-            <a:spLocks noGrp="1"/>
-          </p:cNvSpPr>
-          <p:nvPr>
-            <p:ph sz="quarter" idx="13"/>
-          </p:nvPr>
-        </p:nvSpPr>
-        <p:spPr/>
-        <p:txBody>
-          <a:bodyPr>
-            <a:normAutofit fontScale="70000" lnSpcReduction="20000"/>
+          <p:cNvSpPr txBox="1">
+            <a:spLocks/>
+          </p:cNvSpPr>
+          <p:nvPr/>
+        </p:nvSpPr>
+        <p:spPr>
+          <a:xfrm>
+            <a:off x="405245" y="6461374"/>
+            <a:ext cx="2112235" cy="243976"/>
+          </a:xfrm>
+          <a:prstGeom prst="rect">
+            <a:avLst/>
+          </a:prstGeom>
+          <a:solidFill>
+            <a:schemeClr val="bg1"/>
+          </a:solidFill>
+        </p:spPr>
+        <p:txBody>
+          <a:bodyPr vert="horz" lIns="91440" tIns="45720" rIns="91440" bIns="45720" rtlCol="0">
+            <a:normAutofit/>
           </a:bodyPr>
-          <a:lstStyle/>
+          <a:lstStyle>
+            <a:lvl1pPr marL="0" indent="0" algn="ctr" defTabSz="914400" rtl="0" eaLnBrk="1" latinLnBrk="0" hangingPunct="1">
+              <a:spcBef>
+                <a:spcPct val="20000"/>
+              </a:spcBef>
+              <a:buClr>
+                <a:srgbClr val="002A4F"/>
+              </a:buClr>
+              <a:buFont typeface="Wingdings" panose="05000000000000000000" pitchFamily="2" charset="2"/>
+              <a:buNone/>
+              <a:defRPr sz="1000" b="0" kern="1200">
+                <a:solidFill>
+                  <a:schemeClr val="tx1">
+                    <a:lumMod val="50000"/>
+                    <a:lumOff val="50000"/>
+                  </a:schemeClr>
+                </a:solidFill>
+                <a:latin typeface="TT Norms Regular" pitchFamily="50" charset="-52"/>
+                <a:ea typeface="+mn-ea"/>
+                <a:cs typeface="+mn-cs"/>
+              </a:defRPr>
+            </a:lvl1pPr>
+            <a:lvl2pPr marL="457200" indent="0" algn="l" defTabSz="914400" rtl="0" eaLnBrk="1" latinLnBrk="0" hangingPunct="1">
+              <a:spcBef>
+                <a:spcPct val="20000"/>
+              </a:spcBef>
+              <a:buClr>
+                <a:srgbClr val="C00000"/>
+              </a:buClr>
+              <a:buFont typeface="Arial" panose="020B0604020202020204" pitchFamily="34" charset="0"/>
+              <a:buNone/>
+              <a:defRPr sz="1200" kern="1200">
+                <a:solidFill>
+                  <a:schemeClr val="tx1">
+                    <a:lumMod val="75000"/>
+                    <a:lumOff val="25000"/>
+                  </a:schemeClr>
+                </a:solidFill>
+                <a:latin typeface="TT Norms Regular" pitchFamily="50" charset="-52"/>
+                <a:ea typeface="+mn-ea"/>
+                <a:cs typeface="+mn-cs"/>
+              </a:defRPr>
+            </a:lvl2pPr>
+            <a:lvl3pPr marL="914400" indent="0" algn="l" defTabSz="914400" rtl="0" eaLnBrk="1" latinLnBrk="0" hangingPunct="1">
+              <a:spcBef>
+                <a:spcPct val="20000"/>
+              </a:spcBef>
+              <a:buClr>
+                <a:srgbClr val="C00000"/>
+              </a:buClr>
+              <a:buFont typeface="Arial" panose="020B0604020202020204" pitchFamily="34" charset="0"/>
+              <a:buNone/>
+              <a:defRPr sz="1000" kern="1200">
+                <a:solidFill>
+                  <a:schemeClr val="tx1">
+                    <a:lumMod val="75000"/>
+                    <a:lumOff val="25000"/>
+                  </a:schemeClr>
+                </a:solidFill>
+                <a:latin typeface="TT Norms Regular" pitchFamily="50" charset="-52"/>
+                <a:ea typeface="+mn-ea"/>
+                <a:cs typeface="+mn-cs"/>
+              </a:defRPr>
+            </a:lvl3pPr>
+            <a:lvl4pPr marL="1371600" indent="0" algn="l" defTabSz="914400" rtl="0" eaLnBrk="1" latinLnBrk="0" hangingPunct="1">
+              <a:spcBef>
+                <a:spcPct val="20000"/>
+              </a:spcBef>
+              <a:buClr>
+                <a:srgbClr val="C00000"/>
+              </a:buClr>
+              <a:buFont typeface="Arial" panose="020B0604020202020204" pitchFamily="34" charset="0"/>
+              <a:buNone/>
+              <a:defRPr sz="900" kern="1200">
+                <a:solidFill>
+                  <a:schemeClr val="tx1">
+                    <a:lumMod val="75000"/>
+                    <a:lumOff val="25000"/>
+                  </a:schemeClr>
+                </a:solidFill>
+                <a:latin typeface="TT Norms Regular" pitchFamily="50" charset="-52"/>
+                <a:ea typeface="+mn-ea"/>
+                <a:cs typeface="+mn-cs"/>
+              </a:defRPr>
+            </a:lvl4pPr>
+            <a:lvl5pPr marL="1828800" indent="0" algn="l" defTabSz="914400" rtl="0" eaLnBrk="1" latinLnBrk="0" hangingPunct="1">
+              <a:spcBef>
+                <a:spcPct val="20000"/>
+              </a:spcBef>
+              <a:buClr>
+                <a:srgbClr val="C00000"/>
+              </a:buClr>
+              <a:buFont typeface="Arial" panose="020B0604020202020204" pitchFamily="34" charset="0"/>
+              <a:buNone/>
+              <a:defRPr sz="900" kern="1200">
+                <a:solidFill>
+                  <a:schemeClr val="tx1">
+                    <a:lumMod val="75000"/>
+                    <a:lumOff val="25000"/>
+                  </a:schemeClr>
+                </a:solidFill>
+                <a:latin typeface="TT Norms Regular" pitchFamily="50" charset="-52"/>
+                <a:ea typeface="+mn-ea"/>
+                <a:cs typeface="+mn-cs"/>
+              </a:defRPr>
+            </a:lvl5pPr>
+            <a:lvl6pPr marL="2286000" indent="0" algn="l" defTabSz="914400" rtl="0" eaLnBrk="1" latinLnBrk="0" hangingPunct="1">
+              <a:spcBef>
+                <a:spcPct val="20000"/>
+              </a:spcBef>
+              <a:buFont typeface="Arial" panose="020B0604020202020204" pitchFamily="34" charset="0"/>
+              <a:buNone/>
+              <a:defRPr sz="900" kern="1200">
+                <a:solidFill>
+                  <a:schemeClr val="tx1"/>
+                </a:solidFill>
+                <a:latin typeface="+mn-lt"/>
+                <a:ea typeface="+mn-ea"/>
+                <a:cs typeface="+mn-cs"/>
+              </a:defRPr>
+            </a:lvl6pPr>
+            <a:lvl7pPr marL="2743200" indent="0" algn="l" defTabSz="914400" rtl="0" eaLnBrk="1" latinLnBrk="0" hangingPunct="1">
+              <a:spcBef>
+                <a:spcPct val="20000"/>
+              </a:spcBef>
+              <a:buFont typeface="Arial" panose="020B0604020202020204" pitchFamily="34" charset="0"/>
+              <a:buNone/>
+              <a:defRPr sz="900" kern="1200">
+                <a:solidFill>
+                  <a:schemeClr val="tx1"/>
+                </a:solidFill>
+                <a:latin typeface="+mn-lt"/>
+                <a:ea typeface="+mn-ea"/>
+                <a:cs typeface="+mn-cs"/>
+              </a:defRPr>
+            </a:lvl7pPr>
+            <a:lvl8pPr marL="3200400" indent="0" algn="l" defTabSz="914400" rtl="0" eaLnBrk="1" latinLnBrk="0" hangingPunct="1">
+              <a:spcBef>
+                <a:spcPct val="20000"/>
+              </a:spcBef>
+              <a:buFont typeface="Arial" panose="020B0604020202020204" pitchFamily="34" charset="0"/>
+              <a:buNone/>
+              <a:defRPr sz="900" kern="1200">
+                <a:solidFill>
+                  <a:schemeClr val="tx1"/>
+                </a:solidFill>
+                <a:latin typeface="+mn-lt"/>
+                <a:ea typeface="+mn-ea"/>
+                <a:cs typeface="+mn-cs"/>
+              </a:defRPr>
+            </a:lvl8pPr>
+            <a:lvl9pPr marL="3657600" indent="0" algn="l" defTabSz="914400" rtl="0" eaLnBrk="1" latinLnBrk="0" hangingPunct="1">
+              <a:spcBef>
+                <a:spcPct val="20000"/>
+              </a:spcBef>
+              <a:buFont typeface="Arial" panose="020B0604020202020204" pitchFamily="34" charset="0"/>
+              <a:buNone/>
+              <a:defRPr sz="900" kern="1200">
+                <a:solidFill>
+                  <a:schemeClr val="tx1"/>
+                </a:solidFill>
+                <a:latin typeface="+mn-lt"/>
+                <a:ea typeface="+mn-ea"/>
+                <a:cs typeface="+mn-cs"/>
+              </a:defRPr>
+            </a:lvl9pPr>
+          </a:lstStyle>
           <a:p>
             <a:r>
               <a:rPr lang="ru-RU" dirty="0"/>
-              <a:t>Можно выделить несколько главных принципов и методик экстремального программирования:</a:t>
-            </a:r>
-          </a:p>
-          <a:p>
+              <a:t>5 декабря </a:t>
+            </a:r>
+            <a:r>
+              <a:rPr lang="en-US" dirty="0"/>
+              <a:t>2023 </a:t>
+            </a:r>
             <a:r>
               <a:rPr lang="ru-RU" dirty="0"/>
-              <a:t>1.	Простота</a:t>
-            </a:r>
-          </a:p>
-          <a:p>
-            <a:r>
-              <a:rPr lang="ru-RU" dirty="0"/>
-              <a:t>2.	Изменчивые требования</a:t>
-            </a:r>
-          </a:p>
-          <a:p>
-            <a:r>
-              <a:rPr lang="ru-RU" dirty="0"/>
-              <a:t>3.	Программирование в парах</a:t>
-            </a:r>
-          </a:p>
-          <a:p>
-            <a:r>
-              <a:rPr lang="ru-RU" dirty="0"/>
-              <a:t>4.	Общее владение кодом</a:t>
-            </a:r>
-          </a:p>
-          <a:p>
-            <a:r>
-              <a:rPr lang="ru-RU" dirty="0"/>
-              <a:t>5.	Тестирование</a:t>
-            </a:r>
-          </a:p>
-          <a:p>
-            <a:r>
-              <a:rPr lang="ru-RU" dirty="0"/>
-              <a:t>6.	40-часовая рабочая неделя</a:t>
-            </a:r>
-          </a:p>
-          <a:p>
-            <a:r>
-              <a:rPr lang="ru-RU" dirty="0"/>
-              <a:t>7.	Заказчик на рабочей площадке</a:t>
-            </a:r>
-          </a:p>
-          <a:p>
-            <a:pPr marL="0" indent="0">
-              <a:buNone/>
-            </a:pPr>
-            <a:r>
-              <a:rPr lang="ru-RU" dirty="0"/>
-              <a:t>Эти принципы и методики взаимодействуют друг с другом, создавая гибкую и адаптивную среду для разработки программного обеспечения, способствуя улучшению качества продукта и ускорению процесса разработки. Однако важно отметить, что использование конкретных практик может изменяться в зависимости от конкретных условий проекта и команды.</a:t>
-            </a:r>
-          </a:p>
-          <a:p>
-            <a:endParaRPr lang="ru-RU" dirty="0"/>
+              <a:t>г</a:t>
+            </a:r>
+            <a:r>
+              <a:rPr lang="en-US" dirty="0"/>
+              <a:t>.</a:t>
+            </a:r>
           </a:p>
         </p:txBody>
       </p:sp>
     </p:spTree>
     <p:extLst>
       <p:ext uri="{BB962C8B-B14F-4D97-AF65-F5344CB8AC3E}">
-        <p14:creationId xmlns:p14="http://schemas.microsoft.com/office/powerpoint/2010/main" val="2179345447"/>
+        <p14:creationId xmlns:p14="http://schemas.microsoft.com/office/powerpoint/2010/main" val="1165827501"/>
       </p:ext>
     </p:extLst>
   </p:cSld>
@@ -10747,7 +11493,7 @@
           <p:cNvPr id="2" name="Заголовок 1">
             <a:extLst>
               <a:ext uri="{FF2B5EF4-FFF2-40B4-BE49-F238E27FC236}">
-                <a16:creationId xmlns:a16="http://schemas.microsoft.com/office/drawing/2014/main" id="{828B3BED-CFA2-4B85-9538-BE941A0859E2}"/>
+                <a16:creationId xmlns:a16="http://schemas.microsoft.com/office/drawing/2014/main" id="{E798BCD1-1170-42E3-8D9F-CEA117C92031}"/>
               </a:ext>
             </a:extLst>
           </p:cNvPr>
@@ -10764,8 +11510,10 @@
           <a:lstStyle/>
           <a:p>
             <a:r>
-              <a:rPr lang="ru-RU" dirty="0"/>
-              <a:t>ДОСТОИНСТВА ЭКСТРЕМАЛЬНОГО ПРОГРАММИРОВАНИЯ</a:t>
+              <a:rPr lang="ru-RU" dirty="0">
+                <a:latin typeface="Exo 2 Medium" panose="00000600000000000000" pitchFamily="2" charset="-52"/>
+              </a:rPr>
+              <a:t>Недостатки экстремального программирования</a:t>
             </a:r>
           </a:p>
         </p:txBody>
@@ -10775,7 +11523,7 @@
           <p:cNvPr id="3" name="Текст 2">
             <a:extLst>
               <a:ext uri="{FF2B5EF4-FFF2-40B4-BE49-F238E27FC236}">
-                <a16:creationId xmlns:a16="http://schemas.microsoft.com/office/drawing/2014/main" id="{0829A408-27E8-4A92-9040-0B8AB9BFFB10}"/>
+                <a16:creationId xmlns:a16="http://schemas.microsoft.com/office/drawing/2014/main" id="{C23DA1C4-7D48-4369-A761-E3D4BCAB58C8}"/>
               </a:ext>
             </a:extLst>
           </p:cNvPr>
@@ -10800,10 +11548,10 @@
       </p:sp>
       <p:sp>
         <p:nvSpPr>
-          <p:cNvPr id="4" name="Текст 3">
+          <p:cNvPr id="5" name="Объект 4">
             <a:extLst>
               <a:ext uri="{FF2B5EF4-FFF2-40B4-BE49-F238E27FC236}">
-                <a16:creationId xmlns:a16="http://schemas.microsoft.com/office/drawing/2014/main" id="{606430AE-7CF7-41D1-AED8-EE3072D96C2E}"/>
+                <a16:creationId xmlns:a16="http://schemas.microsoft.com/office/drawing/2014/main" id="{A2698588-059C-4F39-8CF8-98D122B15106}"/>
               </a:ext>
             </a:extLst>
           </p:cNvPr>
@@ -10811,31 +11559,6 @@
             <a:spLocks noGrp="1"/>
           </p:cNvSpPr>
           <p:nvPr>
-            <p:ph type="body" sz="half" idx="12"/>
-          </p:nvPr>
-        </p:nvSpPr>
-        <p:spPr/>
-        <p:txBody>
-          <a:bodyPr/>
-          <a:lstStyle/>
-          <a:p>
-            <a:endParaRPr lang="ru-RU"/>
-          </a:p>
-        </p:txBody>
-      </p:sp>
-      <p:sp>
-        <p:nvSpPr>
-          <p:cNvPr id="5" name="Объект 4">
-            <a:extLst>
-              <a:ext uri="{FF2B5EF4-FFF2-40B4-BE49-F238E27FC236}">
-                <a16:creationId xmlns:a16="http://schemas.microsoft.com/office/drawing/2014/main" id="{3C379F56-D1F0-45C0-9F96-2CCFF0EA162E}"/>
-              </a:ext>
-            </a:extLst>
-          </p:cNvPr>
-          <p:cNvSpPr>
-            <a:spLocks noGrp="1"/>
-          </p:cNvSpPr>
-          <p:nvPr>
             <p:ph sz="quarter" idx="13"/>
           </p:nvPr>
         </p:nvSpPr>
@@ -10847,46 +11570,287 @@
           <a:lstStyle/>
           <a:p>
             <a:r>
-              <a:rPr lang="ru-RU" dirty="0"/>
-              <a:t>К достоинствам экстремального программирования (если его удается применить) можно отнести:</a:t>
-            </a:r>
-          </a:p>
-          <a:p>
-            <a:r>
-              <a:rPr lang="ru-RU" dirty="0"/>
-              <a:t>1.	Гибкость.</a:t>
-            </a:r>
-          </a:p>
-          <a:p>
-            <a:r>
-              <a:rPr lang="ru-RU" dirty="0"/>
-              <a:t>2.	Быстрое развертывание.</a:t>
-            </a:r>
-          </a:p>
-          <a:p>
-            <a:r>
-              <a:rPr lang="ru-RU" dirty="0"/>
-              <a:t>3.	Качество кода.</a:t>
-            </a:r>
-          </a:p>
-          <a:p>
-            <a:r>
-              <a:rPr lang="ru-RU" dirty="0"/>
-              <a:t>4.	Участие заказчика.</a:t>
-            </a:r>
-          </a:p>
-          <a:p>
-            <a:r>
-              <a:rPr lang="ru-RU" dirty="0"/>
-              <a:t>5.	Уклонение от излишних формальностей.</a:t>
-            </a:r>
+              <a:rPr lang="ru-RU" sz="2400" dirty="0">
+                <a:latin typeface="Exo 2 Medium" panose="00000600000000000000" pitchFamily="2" charset="-52"/>
+              </a:rPr>
+              <a:t>К недостаткам экстремального программирования можно отнести следующие пункты:</a:t>
+            </a:r>
+          </a:p>
+          <a:p>
+            <a:r>
+              <a:rPr lang="ru-RU" sz="2400" dirty="0">
+                <a:latin typeface="Exo 2 Medium" panose="00000600000000000000" pitchFamily="2" charset="-52"/>
+              </a:rPr>
+              <a:t>1.	Недостаток структуры.</a:t>
+            </a:r>
+          </a:p>
+          <a:p>
+            <a:r>
+              <a:rPr lang="ru-RU" sz="2400" dirty="0">
+                <a:latin typeface="Exo 2 Medium" panose="00000600000000000000" pitchFamily="2" charset="-52"/>
+              </a:rPr>
+              <a:t>2.	Сложности в масштабируемости.</a:t>
+            </a:r>
+          </a:p>
+          <a:p>
+            <a:r>
+              <a:rPr lang="ru-RU" sz="2400" dirty="0">
+                <a:latin typeface="Exo 2 Medium" panose="00000600000000000000" pitchFamily="2" charset="-52"/>
+              </a:rPr>
+              <a:t>3.	Возможное недостаточное внимание к архитектуре.</a:t>
+            </a:r>
+          </a:p>
+          <a:p>
+            <a:r>
+              <a:rPr lang="ru-RU" sz="2400" dirty="0">
+                <a:latin typeface="Exo 2 Medium" panose="00000600000000000000" pitchFamily="2" charset="-52"/>
+              </a:rPr>
+              <a:t>4.	Не все проекты подходят для XP.</a:t>
+            </a:r>
+          </a:p>
+          <a:p>
+            <a:r>
+              <a:rPr lang="ru-RU" sz="2400" dirty="0">
+                <a:latin typeface="Exo 2 Medium" panose="00000600000000000000" pitchFamily="2" charset="-52"/>
+              </a:rPr>
+              <a:t>5.	Невозможность долгосрочного планирования.</a:t>
+            </a:r>
+          </a:p>
+          <a:p>
+            <a:r>
+              <a:rPr lang="ru-RU" sz="2400" dirty="0">
+                <a:latin typeface="Exo 2 Medium" panose="00000600000000000000" pitchFamily="2" charset="-52"/>
+              </a:rPr>
+              <a:t>6.	Отсутствие предварительных исследований.</a:t>
+            </a:r>
+          </a:p>
+          <a:p>
+            <a:endParaRPr lang="ru-RU" dirty="0"/>
+          </a:p>
+        </p:txBody>
+      </p:sp>
+      <p:sp>
+        <p:nvSpPr>
+          <p:cNvPr id="6" name="Текст 3">
+            <a:extLst>
+              <a:ext uri="{FF2B5EF4-FFF2-40B4-BE49-F238E27FC236}">
+                <a16:creationId xmlns:a16="http://schemas.microsoft.com/office/drawing/2014/main" id="{3957A66B-E53A-40ED-8CA0-C4887C88C51C}"/>
+              </a:ext>
+            </a:extLst>
+          </p:cNvPr>
+          <p:cNvSpPr txBox="1">
+            <a:spLocks/>
+          </p:cNvSpPr>
+          <p:nvPr/>
+        </p:nvSpPr>
+        <p:spPr>
+          <a:xfrm>
+            <a:off x="405245" y="6461374"/>
+            <a:ext cx="2112235" cy="243976"/>
+          </a:xfrm>
+          <a:prstGeom prst="rect">
+            <a:avLst/>
+          </a:prstGeom>
+          <a:solidFill>
+            <a:schemeClr val="bg1"/>
+          </a:solidFill>
+        </p:spPr>
+        <p:txBody>
+          <a:bodyPr vert="horz" lIns="91440" tIns="45720" rIns="91440" bIns="45720" rtlCol="0">
+            <a:normAutofit/>
+          </a:bodyPr>
+          <a:lstStyle>
+            <a:lvl1pPr marL="0" indent="0" algn="ctr" defTabSz="914400" rtl="0" eaLnBrk="1" latinLnBrk="0" hangingPunct="1">
+              <a:spcBef>
+                <a:spcPct val="20000"/>
+              </a:spcBef>
+              <a:buClr>
+                <a:srgbClr val="002A4F"/>
+              </a:buClr>
+              <a:buFont typeface="Wingdings" panose="05000000000000000000" pitchFamily="2" charset="2"/>
+              <a:buNone/>
+              <a:defRPr sz="1000" b="0" kern="1200">
+                <a:solidFill>
+                  <a:schemeClr val="tx1">
+                    <a:lumMod val="50000"/>
+                    <a:lumOff val="50000"/>
+                  </a:schemeClr>
+                </a:solidFill>
+                <a:latin typeface="TT Norms Regular" pitchFamily="50" charset="-52"/>
+                <a:ea typeface="+mn-ea"/>
+                <a:cs typeface="+mn-cs"/>
+              </a:defRPr>
+            </a:lvl1pPr>
+            <a:lvl2pPr marL="457200" indent="0" algn="l" defTabSz="914400" rtl="0" eaLnBrk="1" latinLnBrk="0" hangingPunct="1">
+              <a:spcBef>
+                <a:spcPct val="20000"/>
+              </a:spcBef>
+              <a:buClr>
+                <a:srgbClr val="C00000"/>
+              </a:buClr>
+              <a:buFont typeface="Arial" panose="020B0604020202020204" pitchFamily="34" charset="0"/>
+              <a:buNone/>
+              <a:defRPr sz="1200" kern="1200">
+                <a:solidFill>
+                  <a:schemeClr val="tx1">
+                    <a:lumMod val="75000"/>
+                    <a:lumOff val="25000"/>
+                  </a:schemeClr>
+                </a:solidFill>
+                <a:latin typeface="TT Norms Regular" pitchFamily="50" charset="-52"/>
+                <a:ea typeface="+mn-ea"/>
+                <a:cs typeface="+mn-cs"/>
+              </a:defRPr>
+            </a:lvl2pPr>
+            <a:lvl3pPr marL="914400" indent="0" algn="l" defTabSz="914400" rtl="0" eaLnBrk="1" latinLnBrk="0" hangingPunct="1">
+              <a:spcBef>
+                <a:spcPct val="20000"/>
+              </a:spcBef>
+              <a:buClr>
+                <a:srgbClr val="C00000"/>
+              </a:buClr>
+              <a:buFont typeface="Arial" panose="020B0604020202020204" pitchFamily="34" charset="0"/>
+              <a:buNone/>
+              <a:defRPr sz="1000" kern="1200">
+                <a:solidFill>
+                  <a:schemeClr val="tx1">
+                    <a:lumMod val="75000"/>
+                    <a:lumOff val="25000"/>
+                  </a:schemeClr>
+                </a:solidFill>
+                <a:latin typeface="TT Norms Regular" pitchFamily="50" charset="-52"/>
+                <a:ea typeface="+mn-ea"/>
+                <a:cs typeface="+mn-cs"/>
+              </a:defRPr>
+            </a:lvl3pPr>
+            <a:lvl4pPr marL="1371600" indent="0" algn="l" defTabSz="914400" rtl="0" eaLnBrk="1" latinLnBrk="0" hangingPunct="1">
+              <a:spcBef>
+                <a:spcPct val="20000"/>
+              </a:spcBef>
+              <a:buClr>
+                <a:srgbClr val="C00000"/>
+              </a:buClr>
+              <a:buFont typeface="Arial" panose="020B0604020202020204" pitchFamily="34" charset="0"/>
+              <a:buNone/>
+              <a:defRPr sz="900" kern="1200">
+                <a:solidFill>
+                  <a:schemeClr val="tx1">
+                    <a:lumMod val="75000"/>
+                    <a:lumOff val="25000"/>
+                  </a:schemeClr>
+                </a:solidFill>
+                <a:latin typeface="TT Norms Regular" pitchFamily="50" charset="-52"/>
+                <a:ea typeface="+mn-ea"/>
+                <a:cs typeface="+mn-cs"/>
+              </a:defRPr>
+            </a:lvl4pPr>
+            <a:lvl5pPr marL="1828800" indent="0" algn="l" defTabSz="914400" rtl="0" eaLnBrk="1" latinLnBrk="0" hangingPunct="1">
+              <a:spcBef>
+                <a:spcPct val="20000"/>
+              </a:spcBef>
+              <a:buClr>
+                <a:srgbClr val="C00000"/>
+              </a:buClr>
+              <a:buFont typeface="Arial" panose="020B0604020202020204" pitchFamily="34" charset="0"/>
+              <a:buNone/>
+              <a:defRPr sz="900" kern="1200">
+                <a:solidFill>
+                  <a:schemeClr val="tx1">
+                    <a:lumMod val="75000"/>
+                    <a:lumOff val="25000"/>
+                  </a:schemeClr>
+                </a:solidFill>
+                <a:latin typeface="TT Norms Regular" pitchFamily="50" charset="-52"/>
+                <a:ea typeface="+mn-ea"/>
+                <a:cs typeface="+mn-cs"/>
+              </a:defRPr>
+            </a:lvl5pPr>
+            <a:lvl6pPr marL="2286000" indent="0" algn="l" defTabSz="914400" rtl="0" eaLnBrk="1" latinLnBrk="0" hangingPunct="1">
+              <a:spcBef>
+                <a:spcPct val="20000"/>
+              </a:spcBef>
+              <a:buFont typeface="Arial" panose="020B0604020202020204" pitchFamily="34" charset="0"/>
+              <a:buNone/>
+              <a:defRPr sz="900" kern="1200">
+                <a:solidFill>
+                  <a:schemeClr val="tx1"/>
+                </a:solidFill>
+                <a:latin typeface="+mn-lt"/>
+                <a:ea typeface="+mn-ea"/>
+                <a:cs typeface="+mn-cs"/>
+              </a:defRPr>
+            </a:lvl6pPr>
+            <a:lvl7pPr marL="2743200" indent="0" algn="l" defTabSz="914400" rtl="0" eaLnBrk="1" latinLnBrk="0" hangingPunct="1">
+              <a:spcBef>
+                <a:spcPct val="20000"/>
+              </a:spcBef>
+              <a:buFont typeface="Arial" panose="020B0604020202020204" pitchFamily="34" charset="0"/>
+              <a:buNone/>
+              <a:defRPr sz="900" kern="1200">
+                <a:solidFill>
+                  <a:schemeClr val="tx1"/>
+                </a:solidFill>
+                <a:latin typeface="+mn-lt"/>
+                <a:ea typeface="+mn-ea"/>
+                <a:cs typeface="+mn-cs"/>
+              </a:defRPr>
+            </a:lvl7pPr>
+            <a:lvl8pPr marL="3200400" indent="0" algn="l" defTabSz="914400" rtl="0" eaLnBrk="1" latinLnBrk="0" hangingPunct="1">
+              <a:spcBef>
+                <a:spcPct val="20000"/>
+              </a:spcBef>
+              <a:buFont typeface="Arial" panose="020B0604020202020204" pitchFamily="34" charset="0"/>
+              <a:buNone/>
+              <a:defRPr sz="900" kern="1200">
+                <a:solidFill>
+                  <a:schemeClr val="tx1"/>
+                </a:solidFill>
+                <a:latin typeface="+mn-lt"/>
+                <a:ea typeface="+mn-ea"/>
+                <a:cs typeface="+mn-cs"/>
+              </a:defRPr>
+            </a:lvl8pPr>
+            <a:lvl9pPr marL="3657600" indent="0" algn="l" defTabSz="914400" rtl="0" eaLnBrk="1" latinLnBrk="0" hangingPunct="1">
+              <a:spcBef>
+                <a:spcPct val="20000"/>
+              </a:spcBef>
+              <a:buFont typeface="Arial" panose="020B0604020202020204" pitchFamily="34" charset="0"/>
+              <a:buNone/>
+              <a:defRPr sz="900" kern="1200">
+                <a:solidFill>
+                  <a:schemeClr val="tx1"/>
+                </a:solidFill>
+                <a:latin typeface="+mn-lt"/>
+                <a:ea typeface="+mn-ea"/>
+                <a:cs typeface="+mn-cs"/>
+              </a:defRPr>
+            </a:lvl9pPr>
+          </a:lstStyle>
+          <a:p>
+            <a:r>
+              <a:rPr lang="ru-RU"/>
+              <a:t>5 декабря </a:t>
+            </a:r>
+            <a:r>
+              <a:rPr lang="en-US"/>
+              <a:t>2023 </a:t>
+            </a:r>
+            <a:r>
+              <a:rPr lang="ru-RU"/>
+              <a:t>г</a:t>
+            </a:r>
+            <a:r>
+              <a:rPr lang="en-US"/>
+              <a:t>.</a:t>
+            </a:r>
+            <a:endParaRPr lang="en-US" dirty="0"/>
           </a:p>
         </p:txBody>
       </p:sp>
     </p:spTree>
     <p:extLst>
       <p:ext uri="{BB962C8B-B14F-4D97-AF65-F5344CB8AC3E}">
-        <p14:creationId xmlns:p14="http://schemas.microsoft.com/office/powerpoint/2010/main" val="1165827501"/>
+        <p14:creationId xmlns:p14="http://schemas.microsoft.com/office/powerpoint/2010/main" val="1859372143"/>
       </p:ext>
     </p:extLst>
   </p:cSld>
@@ -10918,7 +11882,7 @@
           <p:cNvPr id="2" name="Заголовок 1">
             <a:extLst>
               <a:ext uri="{FF2B5EF4-FFF2-40B4-BE49-F238E27FC236}">
-                <a16:creationId xmlns:a16="http://schemas.microsoft.com/office/drawing/2014/main" id="{E798BCD1-1170-42E3-8D9F-CEA117C92031}"/>
+                <a16:creationId xmlns:a16="http://schemas.microsoft.com/office/drawing/2014/main" id="{627114B2-C754-4FD5-9CC7-F50FA1BA7400}"/>
               </a:ext>
             </a:extLst>
           </p:cNvPr>
@@ -10935,8 +11899,10 @@
           <a:lstStyle/>
           <a:p>
             <a:r>
-              <a:rPr lang="ru-RU" dirty="0"/>
-              <a:t>Недостатки ЭКСТРЕМАЛЬНОГО ПРОГРАММИРОВАНИЯ</a:t>
+              <a:rPr lang="ru-RU" dirty="0">
+                <a:latin typeface="Exo 2 Medium" panose="00000600000000000000" pitchFamily="2" charset="-52"/>
+              </a:rPr>
+              <a:t>Унифицированный процесс разработки</a:t>
             </a:r>
           </a:p>
         </p:txBody>
@@ -10946,7 +11912,7 @@
           <p:cNvPr id="3" name="Текст 2">
             <a:extLst>
               <a:ext uri="{FF2B5EF4-FFF2-40B4-BE49-F238E27FC236}">
-                <a16:creationId xmlns:a16="http://schemas.microsoft.com/office/drawing/2014/main" id="{C23DA1C4-7D48-4369-A761-E3D4BCAB58C8}"/>
+                <a16:creationId xmlns:a16="http://schemas.microsoft.com/office/drawing/2014/main" id="{3C418381-3663-49EE-98E6-882BA7D8E13C}"/>
               </a:ext>
             </a:extLst>
           </p:cNvPr>
@@ -10971,10 +11937,10 @@
       </p:sp>
       <p:sp>
         <p:nvSpPr>
-          <p:cNvPr id="4" name="Текст 3">
+          <p:cNvPr id="5" name="Объект 4">
             <a:extLst>
               <a:ext uri="{FF2B5EF4-FFF2-40B4-BE49-F238E27FC236}">
-                <a16:creationId xmlns:a16="http://schemas.microsoft.com/office/drawing/2014/main" id="{81A9C39E-E4CC-45F5-9E1C-7543AB2567A5}"/>
+                <a16:creationId xmlns:a16="http://schemas.microsoft.com/office/drawing/2014/main" id="{379E7DB9-FF47-4178-8703-627C532C29E5}"/>
               </a:ext>
             </a:extLst>
           </p:cNvPr>
@@ -10982,91 +11948,254 @@
             <a:spLocks noGrp="1"/>
           </p:cNvSpPr>
           <p:nvPr>
-            <p:ph type="body" sz="half" idx="12"/>
+            <p:ph sz="quarter" idx="13"/>
           </p:nvPr>
         </p:nvSpPr>
         <p:spPr/>
         <p:txBody>
-          <a:bodyPr/>
+          <a:bodyPr>
+            <a:noAutofit/>
+          </a:bodyPr>
           <a:lstStyle/>
           <a:p>
-            <a:endParaRPr lang="ru-RU"/>
-          </a:p>
-        </p:txBody>
-      </p:sp>
-      <p:sp>
-        <p:nvSpPr>
-          <p:cNvPr id="5" name="Объект 4">
+            <a:r>
+              <a:rPr lang="ru-RU" sz="2400" dirty="0">
+                <a:latin typeface="Exo 2 Medium" panose="00000600000000000000" pitchFamily="2" charset="-52"/>
+              </a:rPr>
+              <a:t>Унифицированный процесс разработки — методология для построения процессов разработки программного обеспечения, основанная на объектно-ориентированном подходе, позволяющая команде разработки преобразовывать требования заказчика в работоспособный продукт. </a:t>
+            </a:r>
+          </a:p>
+          <a:p>
+            <a:r>
+              <a:rPr lang="ru-RU" sz="2400" dirty="0">
+                <a:latin typeface="Exo 2 Medium" panose="00000600000000000000" pitchFamily="2" charset="-52"/>
+              </a:rPr>
+              <a:t>Унифицированный процесс стремится к созданию структурированной и комплексной системы управления проектом. Он ориентирован на документацию, строгие процессы и формализацию этапов разработки, что позволяет создавать крупные и сложные программные продукты с учетом широкого спектра требований и ограничений.</a:t>
+            </a:r>
+          </a:p>
+        </p:txBody>
+      </p:sp>
+      <p:sp>
+        <p:nvSpPr>
+          <p:cNvPr id="6" name="Текст 3">
             <a:extLst>
               <a:ext uri="{FF2B5EF4-FFF2-40B4-BE49-F238E27FC236}">
-                <a16:creationId xmlns:a16="http://schemas.microsoft.com/office/drawing/2014/main" id="{A2698588-059C-4F39-8CF8-98D122B15106}"/>
+                <a16:creationId xmlns:a16="http://schemas.microsoft.com/office/drawing/2014/main" id="{06FD7AC0-24CE-4337-8A45-AFB9BE13876B}"/>
               </a:ext>
             </a:extLst>
           </p:cNvPr>
-          <p:cNvSpPr>
-            <a:spLocks noGrp="1"/>
-          </p:cNvSpPr>
-          <p:nvPr>
-            <p:ph sz="quarter" idx="13"/>
-          </p:nvPr>
-        </p:nvSpPr>
-        <p:spPr/>
-        <p:txBody>
-          <a:bodyPr>
-            <a:normAutofit lnSpcReduction="10000"/>
+          <p:cNvSpPr txBox="1">
+            <a:spLocks/>
+          </p:cNvSpPr>
+          <p:nvPr/>
+        </p:nvSpPr>
+        <p:spPr>
+          <a:xfrm>
+            <a:off x="405245" y="6461374"/>
+            <a:ext cx="2112235" cy="243976"/>
+          </a:xfrm>
+          <a:prstGeom prst="rect">
+            <a:avLst/>
+          </a:prstGeom>
+          <a:solidFill>
+            <a:schemeClr val="bg1"/>
+          </a:solidFill>
+        </p:spPr>
+        <p:txBody>
+          <a:bodyPr vert="horz" lIns="91440" tIns="45720" rIns="91440" bIns="45720" rtlCol="0">
+            <a:normAutofit/>
           </a:bodyPr>
-          <a:lstStyle/>
+          <a:lstStyle>
+            <a:lvl1pPr marL="0" indent="0" algn="ctr" defTabSz="914400" rtl="0" eaLnBrk="1" latinLnBrk="0" hangingPunct="1">
+              <a:spcBef>
+                <a:spcPct val="20000"/>
+              </a:spcBef>
+              <a:buClr>
+                <a:srgbClr val="002A4F"/>
+              </a:buClr>
+              <a:buFont typeface="Wingdings" panose="05000000000000000000" pitchFamily="2" charset="2"/>
+              <a:buNone/>
+              <a:defRPr sz="1000" b="0" kern="1200">
+                <a:solidFill>
+                  <a:schemeClr val="tx1">
+                    <a:lumMod val="50000"/>
+                    <a:lumOff val="50000"/>
+                  </a:schemeClr>
+                </a:solidFill>
+                <a:latin typeface="TT Norms Regular" pitchFamily="50" charset="-52"/>
+                <a:ea typeface="+mn-ea"/>
+                <a:cs typeface="+mn-cs"/>
+              </a:defRPr>
+            </a:lvl1pPr>
+            <a:lvl2pPr marL="457200" indent="0" algn="l" defTabSz="914400" rtl="0" eaLnBrk="1" latinLnBrk="0" hangingPunct="1">
+              <a:spcBef>
+                <a:spcPct val="20000"/>
+              </a:spcBef>
+              <a:buClr>
+                <a:srgbClr val="C00000"/>
+              </a:buClr>
+              <a:buFont typeface="Arial" panose="020B0604020202020204" pitchFamily="34" charset="0"/>
+              <a:buNone/>
+              <a:defRPr sz="1200" kern="1200">
+                <a:solidFill>
+                  <a:schemeClr val="tx1">
+                    <a:lumMod val="75000"/>
+                    <a:lumOff val="25000"/>
+                  </a:schemeClr>
+                </a:solidFill>
+                <a:latin typeface="TT Norms Regular" pitchFamily="50" charset="-52"/>
+                <a:ea typeface="+mn-ea"/>
+                <a:cs typeface="+mn-cs"/>
+              </a:defRPr>
+            </a:lvl2pPr>
+            <a:lvl3pPr marL="914400" indent="0" algn="l" defTabSz="914400" rtl="0" eaLnBrk="1" latinLnBrk="0" hangingPunct="1">
+              <a:spcBef>
+                <a:spcPct val="20000"/>
+              </a:spcBef>
+              <a:buClr>
+                <a:srgbClr val="C00000"/>
+              </a:buClr>
+              <a:buFont typeface="Arial" panose="020B0604020202020204" pitchFamily="34" charset="0"/>
+              <a:buNone/>
+              <a:defRPr sz="1000" kern="1200">
+                <a:solidFill>
+                  <a:schemeClr val="tx1">
+                    <a:lumMod val="75000"/>
+                    <a:lumOff val="25000"/>
+                  </a:schemeClr>
+                </a:solidFill>
+                <a:latin typeface="TT Norms Regular" pitchFamily="50" charset="-52"/>
+                <a:ea typeface="+mn-ea"/>
+                <a:cs typeface="+mn-cs"/>
+              </a:defRPr>
+            </a:lvl3pPr>
+            <a:lvl4pPr marL="1371600" indent="0" algn="l" defTabSz="914400" rtl="0" eaLnBrk="1" latinLnBrk="0" hangingPunct="1">
+              <a:spcBef>
+                <a:spcPct val="20000"/>
+              </a:spcBef>
+              <a:buClr>
+                <a:srgbClr val="C00000"/>
+              </a:buClr>
+              <a:buFont typeface="Arial" panose="020B0604020202020204" pitchFamily="34" charset="0"/>
+              <a:buNone/>
+              <a:defRPr sz="900" kern="1200">
+                <a:solidFill>
+                  <a:schemeClr val="tx1">
+                    <a:lumMod val="75000"/>
+                    <a:lumOff val="25000"/>
+                  </a:schemeClr>
+                </a:solidFill>
+                <a:latin typeface="TT Norms Regular" pitchFamily="50" charset="-52"/>
+                <a:ea typeface="+mn-ea"/>
+                <a:cs typeface="+mn-cs"/>
+              </a:defRPr>
+            </a:lvl4pPr>
+            <a:lvl5pPr marL="1828800" indent="0" algn="l" defTabSz="914400" rtl="0" eaLnBrk="1" latinLnBrk="0" hangingPunct="1">
+              <a:spcBef>
+                <a:spcPct val="20000"/>
+              </a:spcBef>
+              <a:buClr>
+                <a:srgbClr val="C00000"/>
+              </a:buClr>
+              <a:buFont typeface="Arial" panose="020B0604020202020204" pitchFamily="34" charset="0"/>
+              <a:buNone/>
+              <a:defRPr sz="900" kern="1200">
+                <a:solidFill>
+                  <a:schemeClr val="tx1">
+                    <a:lumMod val="75000"/>
+                    <a:lumOff val="25000"/>
+                  </a:schemeClr>
+                </a:solidFill>
+                <a:latin typeface="TT Norms Regular" pitchFamily="50" charset="-52"/>
+                <a:ea typeface="+mn-ea"/>
+                <a:cs typeface="+mn-cs"/>
+              </a:defRPr>
+            </a:lvl5pPr>
+            <a:lvl6pPr marL="2286000" indent="0" algn="l" defTabSz="914400" rtl="0" eaLnBrk="1" latinLnBrk="0" hangingPunct="1">
+              <a:spcBef>
+                <a:spcPct val="20000"/>
+              </a:spcBef>
+              <a:buFont typeface="Arial" panose="020B0604020202020204" pitchFamily="34" charset="0"/>
+              <a:buNone/>
+              <a:defRPr sz="900" kern="1200">
+                <a:solidFill>
+                  <a:schemeClr val="tx1"/>
+                </a:solidFill>
+                <a:latin typeface="+mn-lt"/>
+                <a:ea typeface="+mn-ea"/>
+                <a:cs typeface="+mn-cs"/>
+              </a:defRPr>
+            </a:lvl6pPr>
+            <a:lvl7pPr marL="2743200" indent="0" algn="l" defTabSz="914400" rtl="0" eaLnBrk="1" latinLnBrk="0" hangingPunct="1">
+              <a:spcBef>
+                <a:spcPct val="20000"/>
+              </a:spcBef>
+              <a:buFont typeface="Arial" panose="020B0604020202020204" pitchFamily="34" charset="0"/>
+              <a:buNone/>
+              <a:defRPr sz="900" kern="1200">
+                <a:solidFill>
+                  <a:schemeClr val="tx1"/>
+                </a:solidFill>
+                <a:latin typeface="+mn-lt"/>
+                <a:ea typeface="+mn-ea"/>
+                <a:cs typeface="+mn-cs"/>
+              </a:defRPr>
+            </a:lvl7pPr>
+            <a:lvl8pPr marL="3200400" indent="0" algn="l" defTabSz="914400" rtl="0" eaLnBrk="1" latinLnBrk="0" hangingPunct="1">
+              <a:spcBef>
+                <a:spcPct val="20000"/>
+              </a:spcBef>
+              <a:buFont typeface="Arial" panose="020B0604020202020204" pitchFamily="34" charset="0"/>
+              <a:buNone/>
+              <a:defRPr sz="900" kern="1200">
+                <a:solidFill>
+                  <a:schemeClr val="tx1"/>
+                </a:solidFill>
+                <a:latin typeface="+mn-lt"/>
+                <a:ea typeface="+mn-ea"/>
+                <a:cs typeface="+mn-cs"/>
+              </a:defRPr>
+            </a:lvl8pPr>
+            <a:lvl9pPr marL="3657600" indent="0" algn="l" defTabSz="914400" rtl="0" eaLnBrk="1" latinLnBrk="0" hangingPunct="1">
+              <a:spcBef>
+                <a:spcPct val="20000"/>
+              </a:spcBef>
+              <a:buFont typeface="Arial" panose="020B0604020202020204" pitchFamily="34" charset="0"/>
+              <a:buNone/>
+              <a:defRPr sz="900" kern="1200">
+                <a:solidFill>
+                  <a:schemeClr val="tx1"/>
+                </a:solidFill>
+                <a:latin typeface="+mn-lt"/>
+                <a:ea typeface="+mn-ea"/>
+                <a:cs typeface="+mn-cs"/>
+              </a:defRPr>
+            </a:lvl9pPr>
+          </a:lstStyle>
           <a:p>
             <a:r>
               <a:rPr lang="ru-RU" dirty="0"/>
-              <a:t>К недостаткам экстремального программирования можно отнести следующие пункты:</a:t>
-            </a:r>
-          </a:p>
-          <a:p>
+              <a:t>5 декабря </a:t>
+            </a:r>
+            <a:r>
+              <a:rPr lang="en-US" dirty="0"/>
+              <a:t>2023 </a:t>
+            </a:r>
             <a:r>
               <a:rPr lang="ru-RU" dirty="0"/>
-              <a:t>1.	Недостаток структуры.</a:t>
-            </a:r>
-          </a:p>
-          <a:p>
-            <a:r>
-              <a:rPr lang="ru-RU" dirty="0"/>
-              <a:t>2.	Сложности в масштабируемости.</a:t>
-            </a:r>
-          </a:p>
-          <a:p>
-            <a:r>
-              <a:rPr lang="ru-RU" dirty="0"/>
-              <a:t>3.	Возможное недостаточное внимание к архитектуре.</a:t>
-            </a:r>
-          </a:p>
-          <a:p>
-            <a:r>
-              <a:rPr lang="ru-RU" dirty="0"/>
-              <a:t>4.	Не все проекты подходят для XP.</a:t>
-            </a:r>
-          </a:p>
-          <a:p>
-            <a:r>
-              <a:rPr lang="ru-RU" dirty="0"/>
-              <a:t>5.	Невозможность долгосрочного планирования.</a:t>
-            </a:r>
-          </a:p>
-          <a:p>
-            <a:r>
-              <a:rPr lang="ru-RU" dirty="0"/>
-              <a:t>6.	Отсутствие предварительных исследований.</a:t>
-            </a:r>
-          </a:p>
-          <a:p>
-            <a:endParaRPr lang="ru-RU" dirty="0"/>
+              <a:t>г</a:t>
+            </a:r>
+            <a:r>
+              <a:rPr lang="en-US" dirty="0"/>
+              <a:t>.</a:t>
+            </a:r>
           </a:p>
         </p:txBody>
       </p:sp>
     </p:spTree>
     <p:extLst>
       <p:ext uri="{BB962C8B-B14F-4D97-AF65-F5344CB8AC3E}">
-        <p14:creationId xmlns:p14="http://schemas.microsoft.com/office/powerpoint/2010/main" val="1859372143"/>
+        <p14:creationId xmlns:p14="http://schemas.microsoft.com/office/powerpoint/2010/main" val="1415536857"/>
       </p:ext>
     </p:extLst>
   </p:cSld>
@@ -11098,7 +12227,7 @@
           <p:cNvPr id="2" name="Заголовок 1">
             <a:extLst>
               <a:ext uri="{FF2B5EF4-FFF2-40B4-BE49-F238E27FC236}">
-                <a16:creationId xmlns:a16="http://schemas.microsoft.com/office/drawing/2014/main" id="{627114B2-C754-4FD5-9CC7-F50FA1BA7400}"/>
+                <a16:creationId xmlns:a16="http://schemas.microsoft.com/office/drawing/2014/main" id="{A17F6D14-5FCF-40AC-86CD-107493210864}"/>
               </a:ext>
             </a:extLst>
           </p:cNvPr>
@@ -11115,8 +12244,10 @@
           <a:lstStyle/>
           <a:p>
             <a:r>
-              <a:rPr lang="ru-RU" dirty="0"/>
-              <a:t>УНИФИЦИРОВАННЫЙ ПРОЦЕСС РАЗРАБОТКИ</a:t>
+              <a:rPr lang="ru-RU" dirty="0">
+                <a:latin typeface="Exo 2 Medium" panose="00000600000000000000" pitchFamily="2" charset="-52"/>
+              </a:rPr>
+              <a:t>Характеристики унифицированного процесса</a:t>
             </a:r>
           </a:p>
         </p:txBody>
@@ -11126,7 +12257,7 @@
           <p:cNvPr id="3" name="Текст 2">
             <a:extLst>
               <a:ext uri="{FF2B5EF4-FFF2-40B4-BE49-F238E27FC236}">
-                <a16:creationId xmlns:a16="http://schemas.microsoft.com/office/drawing/2014/main" id="{3C418381-3663-49EE-98E6-882BA7D8E13C}"/>
+                <a16:creationId xmlns:a16="http://schemas.microsoft.com/office/drawing/2014/main" id="{382BAA8D-86BE-4C8E-BC08-F4CBAB965D42}"/>
               </a:ext>
             </a:extLst>
           </p:cNvPr>
@@ -11151,10 +12282,10 @@
       </p:sp>
       <p:sp>
         <p:nvSpPr>
-          <p:cNvPr id="4" name="Текст 3">
+          <p:cNvPr id="5" name="Объект 4">
             <a:extLst>
               <a:ext uri="{FF2B5EF4-FFF2-40B4-BE49-F238E27FC236}">
-                <a16:creationId xmlns:a16="http://schemas.microsoft.com/office/drawing/2014/main" id="{635D5091-9760-4AE0-A40E-5494CB09CB0A}"/>
+                <a16:creationId xmlns:a16="http://schemas.microsoft.com/office/drawing/2014/main" id="{AB9B2A29-F1A0-4C65-86A8-507602A56C98}"/>
               </a:ext>
             </a:extLst>
           </p:cNvPr>
@@ -11162,64 +12293,318 @@
             <a:spLocks noGrp="1"/>
           </p:cNvSpPr>
           <p:nvPr>
-            <p:ph type="body" sz="half" idx="12"/>
+            <p:ph sz="quarter" idx="13"/>
           </p:nvPr>
         </p:nvSpPr>
         <p:spPr/>
         <p:txBody>
-          <a:bodyPr/>
+          <a:bodyPr>
+            <a:normAutofit/>
+          </a:bodyPr>
           <a:lstStyle/>
           <a:p>
-            <a:endParaRPr lang="ru-RU"/>
-          </a:p>
-        </p:txBody>
-      </p:sp>
-      <p:sp>
-        <p:nvSpPr>
-          <p:cNvPr id="5" name="Объект 4">
+            <a:r>
+              <a:rPr lang="ru-RU" sz="2400" dirty="0">
+                <a:latin typeface="Exo 2 Medium" panose="00000600000000000000" pitchFamily="2" charset="-52"/>
+              </a:rPr>
+              <a:t>Унифицированный процесс обладает такими характеристиками как:</a:t>
+            </a:r>
+          </a:p>
+          <a:p>
+            <a:r>
+              <a:rPr lang="ru-RU" sz="2400" dirty="0">
+                <a:latin typeface="Exo 2 Medium" panose="00000600000000000000" pitchFamily="2" charset="-52"/>
+              </a:rPr>
+              <a:t>1.	Итеративность</a:t>
+            </a:r>
+          </a:p>
+          <a:p>
+            <a:r>
+              <a:rPr lang="ru-RU" sz="2400" dirty="0">
+                <a:latin typeface="Exo 2 Medium" panose="00000600000000000000" pitchFamily="2" charset="-52"/>
+              </a:rPr>
+              <a:t>2.	</a:t>
+            </a:r>
+            <a:r>
+              <a:rPr lang="ru-RU" sz="2400" dirty="0" err="1">
+                <a:latin typeface="Exo 2 Medium" panose="00000600000000000000" pitchFamily="2" charset="-52"/>
+              </a:rPr>
+              <a:t>Инкрементальность</a:t>
+            </a:r>
+            <a:r>
+              <a:rPr lang="ru-RU" sz="2400" dirty="0">
+                <a:latin typeface="Exo 2 Medium" panose="00000600000000000000" pitchFamily="2" charset="-52"/>
+              </a:rPr>
+              <a:t> </a:t>
+            </a:r>
+          </a:p>
+          <a:p>
+            <a:r>
+              <a:rPr lang="ru-RU" sz="2400" dirty="0">
+                <a:latin typeface="Exo 2 Medium" panose="00000600000000000000" pitchFamily="2" charset="-52"/>
+              </a:rPr>
+              <a:t>3.	Артефакты</a:t>
+            </a:r>
+          </a:p>
+          <a:p>
+            <a:r>
+              <a:rPr lang="ru-RU" sz="2400" dirty="0">
+                <a:latin typeface="Exo 2 Medium" panose="00000600000000000000" pitchFamily="2" charset="-52"/>
+              </a:rPr>
+              <a:t>4.	Архитектурное управление</a:t>
+            </a:r>
+          </a:p>
+          <a:p>
+            <a:r>
+              <a:rPr lang="ru-RU" sz="2400" dirty="0">
+                <a:latin typeface="Exo 2 Medium" panose="00000600000000000000" pitchFamily="2" charset="-52"/>
+              </a:rPr>
+              <a:t>5.	Управление рисками</a:t>
+            </a:r>
+          </a:p>
+          <a:p>
+            <a:r>
+              <a:rPr lang="ru-RU" sz="2400" dirty="0">
+                <a:latin typeface="Exo 2 Medium" panose="00000600000000000000" pitchFamily="2" charset="-52"/>
+              </a:rPr>
+              <a:t>6.	Поддержка различных типов процессов</a:t>
+            </a:r>
+          </a:p>
+          <a:p>
+            <a:r>
+              <a:rPr lang="ru-RU" sz="2400" dirty="0">
+                <a:latin typeface="Exo 2 Medium" panose="00000600000000000000" pitchFamily="2" charset="-52"/>
+              </a:rPr>
+              <a:t>7.	Управление изменениями</a:t>
+            </a:r>
+          </a:p>
+          <a:p>
+            <a:endParaRPr lang="ru-RU" dirty="0"/>
+          </a:p>
+        </p:txBody>
+      </p:sp>
+      <p:sp>
+        <p:nvSpPr>
+          <p:cNvPr id="6" name="Текст 3">
             <a:extLst>
               <a:ext uri="{FF2B5EF4-FFF2-40B4-BE49-F238E27FC236}">
-                <a16:creationId xmlns:a16="http://schemas.microsoft.com/office/drawing/2014/main" id="{379E7DB9-FF47-4178-8703-627C532C29E5}"/>
+                <a16:creationId xmlns:a16="http://schemas.microsoft.com/office/drawing/2014/main" id="{98B13A8D-ED41-4474-B69F-10C0D8BCCE7E}"/>
               </a:ext>
             </a:extLst>
           </p:cNvPr>
-          <p:cNvSpPr>
-            <a:spLocks noGrp="1"/>
-          </p:cNvSpPr>
-          <p:nvPr>
-            <p:ph sz="quarter" idx="13"/>
-          </p:nvPr>
-        </p:nvSpPr>
-        <p:spPr/>
-        <p:txBody>
-          <a:bodyPr>
-            <a:normAutofit fontScale="77500" lnSpcReduction="20000"/>
+          <p:cNvSpPr txBox="1">
+            <a:spLocks/>
+          </p:cNvSpPr>
+          <p:nvPr/>
+        </p:nvSpPr>
+        <p:spPr>
+          <a:xfrm>
+            <a:off x="405245" y="6461374"/>
+            <a:ext cx="2112235" cy="243976"/>
+          </a:xfrm>
+          <a:prstGeom prst="rect">
+            <a:avLst/>
+          </a:prstGeom>
+          <a:solidFill>
+            <a:schemeClr val="bg1"/>
+          </a:solidFill>
+        </p:spPr>
+        <p:txBody>
+          <a:bodyPr vert="horz" lIns="91440" tIns="45720" rIns="91440" bIns="45720" rtlCol="0">
+            <a:normAutofit/>
           </a:bodyPr>
-          <a:lstStyle/>
-          <a:p>
-            <a:r>
-              <a:rPr lang="ru-RU" dirty="0"/>
-              <a:t>Унифицированный процесс разработки — методология для построения процессов разработки программного обеспечения, позволяющий команде разработки преобразовывать требования заказчика в работоспособный продукт. </a:t>
-            </a:r>
-          </a:p>
-          <a:p>
-            <a:r>
-              <a:rPr lang="ru-RU" dirty="0"/>
-              <a:t>Данная методика основана на объектно-ориентированном подходе к процессу разработки программного обеспечения, который обеспечивает методику управления жизненным циклом разработки ПО.</a:t>
-            </a:r>
-          </a:p>
-          <a:p>
-            <a:r>
-              <a:rPr lang="ru-RU" dirty="0"/>
-              <a:t>Унифицированный процесс стремится к созданию структурированной и комплексной системы управления проектом. Он ориентирован на документацию, строгие процессы и формализацию этапов разработки, что позволяет создавать крупные и сложные программные продукты с учетом широкого спектра требований и ограничений.</a:t>
-            </a:r>
+          <a:lstStyle>
+            <a:lvl1pPr marL="0" indent="0" algn="ctr" defTabSz="914400" rtl="0" eaLnBrk="1" latinLnBrk="0" hangingPunct="1">
+              <a:spcBef>
+                <a:spcPct val="20000"/>
+              </a:spcBef>
+              <a:buClr>
+                <a:srgbClr val="002A4F"/>
+              </a:buClr>
+              <a:buFont typeface="Wingdings" panose="05000000000000000000" pitchFamily="2" charset="2"/>
+              <a:buNone/>
+              <a:defRPr sz="1000" b="0" kern="1200">
+                <a:solidFill>
+                  <a:schemeClr val="tx1">
+                    <a:lumMod val="50000"/>
+                    <a:lumOff val="50000"/>
+                  </a:schemeClr>
+                </a:solidFill>
+                <a:latin typeface="TT Norms Regular" pitchFamily="50" charset="-52"/>
+                <a:ea typeface="+mn-ea"/>
+                <a:cs typeface="+mn-cs"/>
+              </a:defRPr>
+            </a:lvl1pPr>
+            <a:lvl2pPr marL="457200" indent="0" algn="l" defTabSz="914400" rtl="0" eaLnBrk="1" latinLnBrk="0" hangingPunct="1">
+              <a:spcBef>
+                <a:spcPct val="20000"/>
+              </a:spcBef>
+              <a:buClr>
+                <a:srgbClr val="C00000"/>
+              </a:buClr>
+              <a:buFont typeface="Arial" panose="020B0604020202020204" pitchFamily="34" charset="0"/>
+              <a:buNone/>
+              <a:defRPr sz="1200" kern="1200">
+                <a:solidFill>
+                  <a:schemeClr val="tx1">
+                    <a:lumMod val="75000"/>
+                    <a:lumOff val="25000"/>
+                  </a:schemeClr>
+                </a:solidFill>
+                <a:latin typeface="TT Norms Regular" pitchFamily="50" charset="-52"/>
+                <a:ea typeface="+mn-ea"/>
+                <a:cs typeface="+mn-cs"/>
+              </a:defRPr>
+            </a:lvl2pPr>
+            <a:lvl3pPr marL="914400" indent="0" algn="l" defTabSz="914400" rtl="0" eaLnBrk="1" latinLnBrk="0" hangingPunct="1">
+              <a:spcBef>
+                <a:spcPct val="20000"/>
+              </a:spcBef>
+              <a:buClr>
+                <a:srgbClr val="C00000"/>
+              </a:buClr>
+              <a:buFont typeface="Arial" panose="020B0604020202020204" pitchFamily="34" charset="0"/>
+              <a:buNone/>
+              <a:defRPr sz="1000" kern="1200">
+                <a:solidFill>
+                  <a:schemeClr val="tx1">
+                    <a:lumMod val="75000"/>
+                    <a:lumOff val="25000"/>
+                  </a:schemeClr>
+                </a:solidFill>
+                <a:latin typeface="TT Norms Regular" pitchFamily="50" charset="-52"/>
+                <a:ea typeface="+mn-ea"/>
+                <a:cs typeface="+mn-cs"/>
+              </a:defRPr>
+            </a:lvl3pPr>
+            <a:lvl4pPr marL="1371600" indent="0" algn="l" defTabSz="914400" rtl="0" eaLnBrk="1" latinLnBrk="0" hangingPunct="1">
+              <a:spcBef>
+                <a:spcPct val="20000"/>
+              </a:spcBef>
+              <a:buClr>
+                <a:srgbClr val="C00000"/>
+              </a:buClr>
+              <a:buFont typeface="Arial" panose="020B0604020202020204" pitchFamily="34" charset="0"/>
+              <a:buNone/>
+              <a:defRPr sz="900" kern="1200">
+                <a:solidFill>
+                  <a:schemeClr val="tx1">
+                    <a:lumMod val="75000"/>
+                    <a:lumOff val="25000"/>
+                  </a:schemeClr>
+                </a:solidFill>
+                <a:latin typeface="TT Norms Regular" pitchFamily="50" charset="-52"/>
+                <a:ea typeface="+mn-ea"/>
+                <a:cs typeface="+mn-cs"/>
+              </a:defRPr>
+            </a:lvl4pPr>
+            <a:lvl5pPr marL="1828800" indent="0" algn="l" defTabSz="914400" rtl="0" eaLnBrk="1" latinLnBrk="0" hangingPunct="1">
+              <a:spcBef>
+                <a:spcPct val="20000"/>
+              </a:spcBef>
+              <a:buClr>
+                <a:srgbClr val="C00000"/>
+              </a:buClr>
+              <a:buFont typeface="Arial" panose="020B0604020202020204" pitchFamily="34" charset="0"/>
+              <a:buNone/>
+              <a:defRPr sz="900" kern="1200">
+                <a:solidFill>
+                  <a:schemeClr val="tx1">
+                    <a:lumMod val="75000"/>
+                    <a:lumOff val="25000"/>
+                  </a:schemeClr>
+                </a:solidFill>
+                <a:latin typeface="TT Norms Regular" pitchFamily="50" charset="-52"/>
+                <a:ea typeface="+mn-ea"/>
+                <a:cs typeface="+mn-cs"/>
+              </a:defRPr>
+            </a:lvl5pPr>
+            <a:lvl6pPr marL="2286000" indent="0" algn="l" defTabSz="914400" rtl="0" eaLnBrk="1" latinLnBrk="0" hangingPunct="1">
+              <a:spcBef>
+                <a:spcPct val="20000"/>
+              </a:spcBef>
+              <a:buFont typeface="Arial" panose="020B0604020202020204" pitchFamily="34" charset="0"/>
+              <a:buNone/>
+              <a:defRPr sz="900" kern="1200">
+                <a:solidFill>
+                  <a:schemeClr val="tx1"/>
+                </a:solidFill>
+                <a:latin typeface="+mn-lt"/>
+                <a:ea typeface="+mn-ea"/>
+                <a:cs typeface="+mn-cs"/>
+              </a:defRPr>
+            </a:lvl6pPr>
+            <a:lvl7pPr marL="2743200" indent="0" algn="l" defTabSz="914400" rtl="0" eaLnBrk="1" latinLnBrk="0" hangingPunct="1">
+              <a:spcBef>
+                <a:spcPct val="20000"/>
+              </a:spcBef>
+              <a:buFont typeface="Arial" panose="020B0604020202020204" pitchFamily="34" charset="0"/>
+              <a:buNone/>
+              <a:defRPr sz="900" kern="1200">
+                <a:solidFill>
+                  <a:schemeClr val="tx1"/>
+                </a:solidFill>
+                <a:latin typeface="+mn-lt"/>
+                <a:ea typeface="+mn-ea"/>
+                <a:cs typeface="+mn-cs"/>
+              </a:defRPr>
+            </a:lvl7pPr>
+            <a:lvl8pPr marL="3200400" indent="0" algn="l" defTabSz="914400" rtl="0" eaLnBrk="1" latinLnBrk="0" hangingPunct="1">
+              <a:spcBef>
+                <a:spcPct val="20000"/>
+              </a:spcBef>
+              <a:buFont typeface="Arial" panose="020B0604020202020204" pitchFamily="34" charset="0"/>
+              <a:buNone/>
+              <a:defRPr sz="900" kern="1200">
+                <a:solidFill>
+                  <a:schemeClr val="tx1"/>
+                </a:solidFill>
+                <a:latin typeface="+mn-lt"/>
+                <a:ea typeface="+mn-ea"/>
+                <a:cs typeface="+mn-cs"/>
+              </a:defRPr>
+            </a:lvl8pPr>
+            <a:lvl9pPr marL="3657600" indent="0" algn="l" defTabSz="914400" rtl="0" eaLnBrk="1" latinLnBrk="0" hangingPunct="1">
+              <a:spcBef>
+                <a:spcPct val="20000"/>
+              </a:spcBef>
+              <a:buFont typeface="Arial" panose="020B0604020202020204" pitchFamily="34" charset="0"/>
+              <a:buNone/>
+              <a:defRPr sz="900" kern="1200">
+                <a:solidFill>
+                  <a:schemeClr val="tx1"/>
+                </a:solidFill>
+                <a:latin typeface="+mn-lt"/>
+                <a:ea typeface="+mn-ea"/>
+                <a:cs typeface="+mn-cs"/>
+              </a:defRPr>
+            </a:lvl9pPr>
+          </a:lstStyle>
+          <a:p>
+            <a:r>
+              <a:rPr lang="ru-RU"/>
+              <a:t>5 декабря </a:t>
+            </a:r>
+            <a:r>
+              <a:rPr lang="en-US"/>
+              <a:t>2023 </a:t>
+            </a:r>
+            <a:r>
+              <a:rPr lang="ru-RU"/>
+              <a:t>г</a:t>
+            </a:r>
+            <a:r>
+              <a:rPr lang="en-US"/>
+              <a:t>.</a:t>
+            </a:r>
+            <a:endParaRPr lang="en-US" dirty="0"/>
           </a:p>
         </p:txBody>
       </p:sp>
     </p:spTree>
     <p:extLst>
       <p:ext uri="{BB962C8B-B14F-4D97-AF65-F5344CB8AC3E}">
-        <p14:creationId xmlns:p14="http://schemas.microsoft.com/office/powerpoint/2010/main" val="1415536857"/>
+        <p14:creationId xmlns:p14="http://schemas.microsoft.com/office/powerpoint/2010/main" val="1636979176"/>
       </p:ext>
     </p:extLst>
   </p:cSld>
@@ -11251,7 +12636,7 @@
           <p:cNvPr id="2" name="Заголовок 1">
             <a:extLst>
               <a:ext uri="{FF2B5EF4-FFF2-40B4-BE49-F238E27FC236}">
-                <a16:creationId xmlns:a16="http://schemas.microsoft.com/office/drawing/2014/main" id="{A17F6D14-5FCF-40AC-86CD-107493210864}"/>
+                <a16:creationId xmlns:a16="http://schemas.microsoft.com/office/drawing/2014/main" id="{13D6BE18-D9F0-4011-BF46-50628759CEFD}"/>
               </a:ext>
             </a:extLst>
           </p:cNvPr>
@@ -11268,8 +12653,10 @@
           <a:lstStyle/>
           <a:p>
             <a:r>
-              <a:rPr lang="ru-RU" dirty="0"/>
-              <a:t>Характеристики унифицированного процесса</a:t>
+              <a:rPr lang="ru-RU" dirty="0">
+                <a:latin typeface="Exo 2 Medium" panose="00000600000000000000" pitchFamily="2" charset="-52"/>
+              </a:rPr>
+              <a:t>Фазы разработки при унифицированном процессе</a:t>
             </a:r>
           </a:p>
         </p:txBody>
@@ -11279,7 +12666,7 @@
           <p:cNvPr id="3" name="Текст 2">
             <a:extLst>
               <a:ext uri="{FF2B5EF4-FFF2-40B4-BE49-F238E27FC236}">
-                <a16:creationId xmlns:a16="http://schemas.microsoft.com/office/drawing/2014/main" id="{382BAA8D-86BE-4C8E-BC08-F4CBAB965D42}"/>
+                <a16:creationId xmlns:a16="http://schemas.microsoft.com/office/drawing/2014/main" id="{EDC90EC7-2AEB-4E70-902C-A08A678B9F49}"/>
               </a:ext>
             </a:extLst>
           </p:cNvPr>
@@ -11304,10 +12691,10 @@
       </p:sp>
       <p:sp>
         <p:nvSpPr>
-          <p:cNvPr id="4" name="Текст 3">
+          <p:cNvPr id="5" name="Объект 4">
             <a:extLst>
               <a:ext uri="{FF2B5EF4-FFF2-40B4-BE49-F238E27FC236}">
-                <a16:creationId xmlns:a16="http://schemas.microsoft.com/office/drawing/2014/main" id="{8EEF1C34-14AD-4BAD-B3E3-854E6E66ABFF}"/>
+                <a16:creationId xmlns:a16="http://schemas.microsoft.com/office/drawing/2014/main" id="{D9CA7F49-5140-45E5-BF70-7F06955A55A4}"/>
               </a:ext>
             </a:extLst>
           </p:cNvPr>
@@ -11315,111 +12702,263 @@
             <a:spLocks noGrp="1"/>
           </p:cNvSpPr>
           <p:nvPr>
-            <p:ph type="body" sz="half" idx="12"/>
+            <p:ph sz="quarter" idx="13"/>
           </p:nvPr>
         </p:nvSpPr>
         <p:spPr/>
         <p:txBody>
-          <a:bodyPr/>
+          <a:bodyPr>
+            <a:noAutofit/>
+          </a:bodyPr>
           <a:lstStyle/>
           <a:p>
-            <a:endParaRPr lang="ru-RU"/>
-          </a:p>
-        </p:txBody>
-      </p:sp>
-      <p:sp>
-        <p:nvSpPr>
-          <p:cNvPr id="5" name="Объект 4">
+            <a:r>
+              <a:rPr lang="ru-RU" sz="2400" dirty="0">
+                <a:latin typeface="Exo 2 Medium" panose="00000600000000000000" pitchFamily="2" charset="-52"/>
+              </a:rPr>
+              <a:t>Каждый цикл разработки состоит из четырёх фаз, представляющих собой промежуток времени между важными этапами проекта. Эти фазы включают:</a:t>
+            </a:r>
+          </a:p>
+          <a:p>
+            <a:r>
+              <a:rPr lang="ru-RU" sz="2400" dirty="0">
+                <a:latin typeface="Exo 2 Medium" panose="00000600000000000000" pitchFamily="2" charset="-52"/>
+              </a:rPr>
+              <a:t>1.	Начальная фаза: необходима для выявления общей цели проекта, оценка его технической и экономической осуществимости, выявление основных рисков. </a:t>
+            </a:r>
+          </a:p>
+          <a:p>
+            <a:r>
+              <a:rPr lang="ru-RU" sz="2400" dirty="0">
+                <a:latin typeface="Exo 2 Medium" panose="00000600000000000000" pitchFamily="2" charset="-52"/>
+              </a:rPr>
+              <a:t>2.	Разрабатывающая фаза: необходима для проектирования архитектуры, уточнение требований, определение основных компонентов системы. </a:t>
+            </a:r>
+          </a:p>
+        </p:txBody>
+      </p:sp>
+      <p:sp>
+        <p:nvSpPr>
+          <p:cNvPr id="6" name="Текст 3">
             <a:extLst>
               <a:ext uri="{FF2B5EF4-FFF2-40B4-BE49-F238E27FC236}">
-                <a16:creationId xmlns:a16="http://schemas.microsoft.com/office/drawing/2014/main" id="{AB9B2A29-F1A0-4C65-86A8-507602A56C98}"/>
+                <a16:creationId xmlns:a16="http://schemas.microsoft.com/office/drawing/2014/main" id="{2807FD19-2675-4E5B-A290-38457F47D93C}"/>
               </a:ext>
             </a:extLst>
           </p:cNvPr>
-          <p:cNvSpPr>
-            <a:spLocks noGrp="1"/>
-          </p:cNvSpPr>
-          <p:nvPr>
-            <p:ph sz="quarter" idx="13"/>
-          </p:nvPr>
-        </p:nvSpPr>
-        <p:spPr/>
-        <p:txBody>
-          <a:bodyPr>
-            <a:normAutofit fontScale="70000" lnSpcReduction="20000"/>
+          <p:cNvSpPr txBox="1">
+            <a:spLocks/>
+          </p:cNvSpPr>
+          <p:nvPr/>
+        </p:nvSpPr>
+        <p:spPr>
+          <a:xfrm>
+            <a:off x="405245" y="6461374"/>
+            <a:ext cx="2112235" cy="243976"/>
+          </a:xfrm>
+          <a:prstGeom prst="rect">
+            <a:avLst/>
+          </a:prstGeom>
+          <a:solidFill>
+            <a:schemeClr val="bg1"/>
+          </a:solidFill>
+        </p:spPr>
+        <p:txBody>
+          <a:bodyPr vert="horz" lIns="91440" tIns="45720" rIns="91440" bIns="45720" rtlCol="0">
+            <a:normAutofit/>
           </a:bodyPr>
-          <a:lstStyle/>
-          <a:p>
-            <a:r>
-              <a:rPr lang="ru-RU" dirty="0"/>
-              <a:t>У унифицированного процесса можно выделить такими характеристиками как:</a:t>
-            </a:r>
-          </a:p>
-          <a:p>
-            <a:r>
-              <a:rPr lang="ru-RU" dirty="0"/>
-              <a:t>1.	Итеративность</a:t>
-            </a:r>
-          </a:p>
-          <a:p>
-            <a:r>
-              <a:rPr lang="ru-RU" dirty="0"/>
-              <a:t>2.	</a:t>
-            </a:r>
-            <a:r>
-              <a:rPr lang="ru-RU" dirty="0" err="1"/>
-              <a:t>Инкрементальность</a:t>
-            </a:r>
-            <a:r>
-              <a:rPr lang="ru-RU" dirty="0"/>
-              <a:t> </a:t>
-            </a:r>
-          </a:p>
-          <a:p>
-            <a:r>
-              <a:rPr lang="ru-RU" dirty="0"/>
-              <a:t>3.	Артефакты</a:t>
-            </a:r>
-          </a:p>
-          <a:p>
-            <a:r>
-              <a:rPr lang="ru-RU" dirty="0"/>
-              <a:t>4.	Архитектурное управление</a:t>
-            </a:r>
-          </a:p>
-          <a:p>
-            <a:r>
-              <a:rPr lang="ru-RU" dirty="0"/>
-              <a:t>5.	Управление рисками</a:t>
-            </a:r>
-          </a:p>
-          <a:p>
-            <a:r>
-              <a:rPr lang="ru-RU" dirty="0"/>
-              <a:t>6.	Поддержка различных типов процессов</a:t>
-            </a:r>
-          </a:p>
-          <a:p>
-            <a:r>
-              <a:rPr lang="ru-RU" dirty="0"/>
-              <a:t>7.	Управление изменениями</a:t>
-            </a:r>
-          </a:p>
-          <a:p>
-            <a:r>
-              <a:rPr lang="ru-RU" dirty="0"/>
-              <a:t>Эти характеристики делают УП эффективным инструментом для разработки программного обеспечения, который позволяет управлять сложными проектами и обеспечивать высокое качество конечных продуктов.</a:t>
-            </a:r>
-          </a:p>
-          <a:p>
-            <a:endParaRPr lang="ru-RU" dirty="0"/>
+          <a:lstStyle>
+            <a:lvl1pPr marL="0" indent="0" algn="ctr" defTabSz="914400" rtl="0" eaLnBrk="1" latinLnBrk="0" hangingPunct="1">
+              <a:spcBef>
+                <a:spcPct val="20000"/>
+              </a:spcBef>
+              <a:buClr>
+                <a:srgbClr val="002A4F"/>
+              </a:buClr>
+              <a:buFont typeface="Wingdings" panose="05000000000000000000" pitchFamily="2" charset="2"/>
+              <a:buNone/>
+              <a:defRPr sz="1000" b="0" kern="1200">
+                <a:solidFill>
+                  <a:schemeClr val="tx1">
+                    <a:lumMod val="50000"/>
+                    <a:lumOff val="50000"/>
+                  </a:schemeClr>
+                </a:solidFill>
+                <a:latin typeface="TT Norms Regular" pitchFamily="50" charset="-52"/>
+                <a:ea typeface="+mn-ea"/>
+                <a:cs typeface="+mn-cs"/>
+              </a:defRPr>
+            </a:lvl1pPr>
+            <a:lvl2pPr marL="457200" indent="0" algn="l" defTabSz="914400" rtl="0" eaLnBrk="1" latinLnBrk="0" hangingPunct="1">
+              <a:spcBef>
+                <a:spcPct val="20000"/>
+              </a:spcBef>
+              <a:buClr>
+                <a:srgbClr val="C00000"/>
+              </a:buClr>
+              <a:buFont typeface="Arial" panose="020B0604020202020204" pitchFamily="34" charset="0"/>
+              <a:buNone/>
+              <a:defRPr sz="1200" kern="1200">
+                <a:solidFill>
+                  <a:schemeClr val="tx1">
+                    <a:lumMod val="75000"/>
+                    <a:lumOff val="25000"/>
+                  </a:schemeClr>
+                </a:solidFill>
+                <a:latin typeface="TT Norms Regular" pitchFamily="50" charset="-52"/>
+                <a:ea typeface="+mn-ea"/>
+                <a:cs typeface="+mn-cs"/>
+              </a:defRPr>
+            </a:lvl2pPr>
+            <a:lvl3pPr marL="914400" indent="0" algn="l" defTabSz="914400" rtl="0" eaLnBrk="1" latinLnBrk="0" hangingPunct="1">
+              <a:spcBef>
+                <a:spcPct val="20000"/>
+              </a:spcBef>
+              <a:buClr>
+                <a:srgbClr val="C00000"/>
+              </a:buClr>
+              <a:buFont typeface="Arial" panose="020B0604020202020204" pitchFamily="34" charset="0"/>
+              <a:buNone/>
+              <a:defRPr sz="1000" kern="1200">
+                <a:solidFill>
+                  <a:schemeClr val="tx1">
+                    <a:lumMod val="75000"/>
+                    <a:lumOff val="25000"/>
+                  </a:schemeClr>
+                </a:solidFill>
+                <a:latin typeface="TT Norms Regular" pitchFamily="50" charset="-52"/>
+                <a:ea typeface="+mn-ea"/>
+                <a:cs typeface="+mn-cs"/>
+              </a:defRPr>
+            </a:lvl3pPr>
+            <a:lvl4pPr marL="1371600" indent="0" algn="l" defTabSz="914400" rtl="0" eaLnBrk="1" latinLnBrk="0" hangingPunct="1">
+              <a:spcBef>
+                <a:spcPct val="20000"/>
+              </a:spcBef>
+              <a:buClr>
+                <a:srgbClr val="C00000"/>
+              </a:buClr>
+              <a:buFont typeface="Arial" panose="020B0604020202020204" pitchFamily="34" charset="0"/>
+              <a:buNone/>
+              <a:defRPr sz="900" kern="1200">
+                <a:solidFill>
+                  <a:schemeClr val="tx1">
+                    <a:lumMod val="75000"/>
+                    <a:lumOff val="25000"/>
+                  </a:schemeClr>
+                </a:solidFill>
+                <a:latin typeface="TT Norms Regular" pitchFamily="50" charset="-52"/>
+                <a:ea typeface="+mn-ea"/>
+                <a:cs typeface="+mn-cs"/>
+              </a:defRPr>
+            </a:lvl4pPr>
+            <a:lvl5pPr marL="1828800" indent="0" algn="l" defTabSz="914400" rtl="0" eaLnBrk="1" latinLnBrk="0" hangingPunct="1">
+              <a:spcBef>
+                <a:spcPct val="20000"/>
+              </a:spcBef>
+              <a:buClr>
+                <a:srgbClr val="C00000"/>
+              </a:buClr>
+              <a:buFont typeface="Arial" panose="020B0604020202020204" pitchFamily="34" charset="0"/>
+              <a:buNone/>
+              <a:defRPr sz="900" kern="1200">
+                <a:solidFill>
+                  <a:schemeClr val="tx1">
+                    <a:lumMod val="75000"/>
+                    <a:lumOff val="25000"/>
+                  </a:schemeClr>
+                </a:solidFill>
+                <a:latin typeface="TT Norms Regular" pitchFamily="50" charset="-52"/>
+                <a:ea typeface="+mn-ea"/>
+                <a:cs typeface="+mn-cs"/>
+              </a:defRPr>
+            </a:lvl5pPr>
+            <a:lvl6pPr marL="2286000" indent="0" algn="l" defTabSz="914400" rtl="0" eaLnBrk="1" latinLnBrk="0" hangingPunct="1">
+              <a:spcBef>
+                <a:spcPct val="20000"/>
+              </a:spcBef>
+              <a:buFont typeface="Arial" panose="020B0604020202020204" pitchFamily="34" charset="0"/>
+              <a:buNone/>
+              <a:defRPr sz="900" kern="1200">
+                <a:solidFill>
+                  <a:schemeClr val="tx1"/>
+                </a:solidFill>
+                <a:latin typeface="+mn-lt"/>
+                <a:ea typeface="+mn-ea"/>
+                <a:cs typeface="+mn-cs"/>
+              </a:defRPr>
+            </a:lvl6pPr>
+            <a:lvl7pPr marL="2743200" indent="0" algn="l" defTabSz="914400" rtl="0" eaLnBrk="1" latinLnBrk="0" hangingPunct="1">
+              <a:spcBef>
+                <a:spcPct val="20000"/>
+              </a:spcBef>
+              <a:buFont typeface="Arial" panose="020B0604020202020204" pitchFamily="34" charset="0"/>
+              <a:buNone/>
+              <a:defRPr sz="900" kern="1200">
+                <a:solidFill>
+                  <a:schemeClr val="tx1"/>
+                </a:solidFill>
+                <a:latin typeface="+mn-lt"/>
+                <a:ea typeface="+mn-ea"/>
+                <a:cs typeface="+mn-cs"/>
+              </a:defRPr>
+            </a:lvl7pPr>
+            <a:lvl8pPr marL="3200400" indent="0" algn="l" defTabSz="914400" rtl="0" eaLnBrk="1" latinLnBrk="0" hangingPunct="1">
+              <a:spcBef>
+                <a:spcPct val="20000"/>
+              </a:spcBef>
+              <a:buFont typeface="Arial" panose="020B0604020202020204" pitchFamily="34" charset="0"/>
+              <a:buNone/>
+              <a:defRPr sz="900" kern="1200">
+                <a:solidFill>
+                  <a:schemeClr val="tx1"/>
+                </a:solidFill>
+                <a:latin typeface="+mn-lt"/>
+                <a:ea typeface="+mn-ea"/>
+                <a:cs typeface="+mn-cs"/>
+              </a:defRPr>
+            </a:lvl8pPr>
+            <a:lvl9pPr marL="3657600" indent="0" algn="l" defTabSz="914400" rtl="0" eaLnBrk="1" latinLnBrk="0" hangingPunct="1">
+              <a:spcBef>
+                <a:spcPct val="20000"/>
+              </a:spcBef>
+              <a:buFont typeface="Arial" panose="020B0604020202020204" pitchFamily="34" charset="0"/>
+              <a:buNone/>
+              <a:defRPr sz="900" kern="1200">
+                <a:solidFill>
+                  <a:schemeClr val="tx1"/>
+                </a:solidFill>
+                <a:latin typeface="+mn-lt"/>
+                <a:ea typeface="+mn-ea"/>
+                <a:cs typeface="+mn-cs"/>
+              </a:defRPr>
+            </a:lvl9pPr>
+          </a:lstStyle>
+          <a:p>
+            <a:r>
+              <a:rPr lang="ru-RU"/>
+              <a:t>5 декабря </a:t>
+            </a:r>
+            <a:r>
+              <a:rPr lang="en-US"/>
+              <a:t>2023 </a:t>
+            </a:r>
+            <a:r>
+              <a:rPr lang="ru-RU"/>
+              <a:t>г</a:t>
+            </a:r>
+            <a:r>
+              <a:rPr lang="en-US"/>
+              <a:t>.</a:t>
+            </a:r>
+            <a:endParaRPr lang="en-US" dirty="0"/>
           </a:p>
         </p:txBody>
       </p:sp>
     </p:spTree>
     <p:extLst>
       <p:ext uri="{BB962C8B-B14F-4D97-AF65-F5344CB8AC3E}">
-        <p14:creationId xmlns:p14="http://schemas.microsoft.com/office/powerpoint/2010/main" val="1636979176"/>
+        <p14:creationId xmlns:p14="http://schemas.microsoft.com/office/powerpoint/2010/main" val="2918258730"/>
       </p:ext>
     </p:extLst>
   </p:cSld>

--- a/Рефераты/Введение в професию/Наработки/Презентация.pptx
+++ b/Рефераты/Введение в професию/Наработки/Презентация.pptx
@@ -387,7 +387,7 @@
             <a:fld id="{9010AD6D-140B-4145-9237-9AB88B2B7E5A}" type="datetimeFigureOut">
               <a:rPr lang="ru-RU" smtClean="0"/>
               <a:pPr/>
-              <a:t>02.12.2023</a:t>
+              <a:t>05.12.2023</a:t>
             </a:fld>
             <a:endParaRPr lang="ru-RU"/>
           </a:p>
@@ -664,7 +664,7 @@
             <a:fld id="{9010AD6D-140B-4145-9237-9AB88B2B7E5A}" type="datetimeFigureOut">
               <a:rPr lang="ru-RU" smtClean="0"/>
               <a:pPr/>
-              <a:t>02.12.2023</a:t>
+              <a:t>05.12.2023</a:t>
             </a:fld>
             <a:endParaRPr lang="ru-RU"/>
           </a:p>
@@ -931,7 +931,7 @@
             <a:fld id="{9010AD6D-140B-4145-9237-9AB88B2B7E5A}" type="datetimeFigureOut">
               <a:rPr lang="ru-RU" smtClean="0"/>
               <a:pPr/>
-              <a:t>02.12.2023</a:t>
+              <a:t>05.12.2023</a:t>
             </a:fld>
             <a:endParaRPr lang="ru-RU"/>
           </a:p>
@@ -1345,7 +1345,7 @@
             <a:fld id="{9010AD6D-140B-4145-9237-9AB88B2B7E5A}" type="datetimeFigureOut">
               <a:rPr lang="ru-RU" smtClean="0"/>
               <a:pPr/>
-              <a:t>02.12.2023</a:t>
+              <a:t>05.12.2023</a:t>
             </a:fld>
             <a:endParaRPr lang="ru-RU"/>
           </a:p>
@@ -1488,7 +1488,7 @@
             <a:fld id="{9010AD6D-140B-4145-9237-9AB88B2B7E5A}" type="datetimeFigureOut">
               <a:rPr lang="ru-RU" smtClean="0"/>
               <a:pPr/>
-              <a:t>02.12.2023</a:t>
+              <a:t>05.12.2023</a:t>
             </a:fld>
             <a:endParaRPr lang="ru-RU"/>
           </a:p>
@@ -1603,7 +1603,7 @@
             <a:fld id="{9010AD6D-140B-4145-9237-9AB88B2B7E5A}" type="datetimeFigureOut">
               <a:rPr lang="ru-RU" smtClean="0"/>
               <a:pPr/>
-              <a:t>02.12.2023</a:t>
+              <a:t>05.12.2023</a:t>
             </a:fld>
             <a:endParaRPr lang="ru-RU"/>
           </a:p>
@@ -1916,7 +1916,7 @@
             <a:fld id="{9010AD6D-140B-4145-9237-9AB88B2B7E5A}" type="datetimeFigureOut">
               <a:rPr lang="ru-RU" smtClean="0"/>
               <a:pPr/>
-              <a:t>02.12.2023</a:t>
+              <a:t>05.12.2023</a:t>
             </a:fld>
             <a:endParaRPr lang="ru-RU"/>
           </a:p>
@@ -2209,7 +2209,7 @@
             <a:fld id="{9010AD6D-140B-4145-9237-9AB88B2B7E5A}" type="datetimeFigureOut">
               <a:rPr lang="ru-RU" smtClean="0"/>
               <a:pPr/>
-              <a:t>02.12.2023</a:t>
+              <a:t>05.12.2023</a:t>
             </a:fld>
             <a:endParaRPr lang="ru-RU"/>
           </a:p>
@@ -2409,7 +2409,7 @@
             <a:fld id="{9010AD6D-140B-4145-9237-9AB88B2B7E5A}" type="datetimeFigureOut">
               <a:rPr lang="ru-RU" smtClean="0"/>
               <a:pPr/>
-              <a:t>02.12.2023</a:t>
+              <a:t>05.12.2023</a:t>
             </a:fld>
             <a:endParaRPr lang="ru-RU"/>
           </a:p>
@@ -2619,7 +2619,7 @@
             <a:fld id="{9010AD6D-140B-4145-9237-9AB88B2B7E5A}" type="datetimeFigureOut">
               <a:rPr lang="ru-RU" smtClean="0"/>
               <a:pPr/>
-              <a:t>02.12.2023</a:t>
+              <a:t>05.12.2023</a:t>
             </a:fld>
             <a:endParaRPr lang="ru-RU"/>
           </a:p>
@@ -6437,7 +6437,7 @@
           <a:p>
             <a:fld id="{9F2B18E7-9061-4482-B2D4-C96C146C6FAB}" type="datetimeFigureOut">
               <a:rPr lang="en-US" smtClean="0"/>
-              <a:t>12/2/2023</a:t>
+              <a:t>12/5/2023</a:t>
             </a:fld>
             <a:endParaRPr lang="en-US"/>
           </a:p>
@@ -6658,7 +6658,7 @@
             <a:fld id="{9010AD6D-140B-4145-9237-9AB88B2B7E5A}" type="datetimeFigureOut">
               <a:rPr lang="ru-RU" smtClean="0"/>
               <a:pPr/>
-              <a:t>02.12.2023</a:t>
+              <a:t>05.12.2023</a:t>
             </a:fld>
             <a:endParaRPr lang="ru-RU"/>
           </a:p>
@@ -7829,7 +7829,7 @@
             <a:fld id="{9010AD6D-140B-4145-9237-9AB88B2B7E5A}" type="datetimeFigureOut">
               <a:rPr lang="ru-RU" smtClean="0"/>
               <a:pPr/>
-              <a:t>02.12.2023</a:t>
+              <a:t>05.12.2023</a:t>
             </a:fld>
             <a:endParaRPr lang="ru-RU"/>
           </a:p>
@@ -8669,20 +8669,34 @@
           </a:bodyPr>
           <a:lstStyle/>
           <a:p>
-            <a:r>
-              <a:rPr lang="ru-RU" sz="2400" dirty="0">
-                <a:latin typeface="Exo 2 Medium" panose="00000600000000000000" pitchFamily="2" charset="-52"/>
-              </a:rPr>
-              <a:t>3.	Строительная фаза: включает в себя фактическую реализация и тестирование системы, разработка пошаговых инкрементов возможностей системы. </a:t>
-            </a:r>
-          </a:p>
-          <a:p>
-            <a:r>
-              <a:rPr lang="ru-RU" sz="2400" dirty="0">
-                <a:latin typeface="Exo 2 Medium" panose="00000600000000000000" pitchFamily="2" charset="-52"/>
-              </a:rPr>
-              <a:t>4.	Переходная фаза: необходима для развертывания системы, обучение пользователей, подготовка документации, поддержка и обслуживания. </a:t>
-            </a:r>
+            <a:pPr marL="0" indent="0" algn="just">
+              <a:buNone/>
+            </a:pPr>
+            <a:r>
+              <a:rPr lang="ru-RU" sz="2400" dirty="0"/>
+              <a:t>	3. Строительная фаза: включает в себя фактическую реализация и тестирование системы, разработка пошаговых инкрементов возможностей системы. </a:t>
+            </a:r>
+            <a:endParaRPr lang="en-US" sz="2400" dirty="0"/>
+          </a:p>
+          <a:p>
+            <a:pPr marL="0" indent="0" algn="just">
+              <a:buNone/>
+            </a:pPr>
+            <a:endParaRPr lang="ru-RU" sz="2400" dirty="0"/>
+          </a:p>
+          <a:p>
+            <a:pPr marL="0" indent="0" algn="just">
+              <a:buNone/>
+            </a:pPr>
+            <a:r>
+              <a:rPr lang="ru-RU" sz="2400" dirty="0"/>
+              <a:t>	4. Переходная фаза: необходима для развертывания системы, обучение пользователей, подготовка документации, поддержка и обслуживания. </a:t>
+            </a:r>
+          </a:p>
+          <a:p>
+            <a:pPr marL="0" indent="0" algn="just">
+              <a:buNone/>
+            </a:pPr>
             <a:endParaRPr lang="ru-RU" sz="2400" dirty="0"/>
           </a:p>
         </p:txBody>
@@ -9015,6 +9029,7 @@
           </a:bodyPr>
           <a:lstStyle/>
           <a:p>
+            <a:pPr algn="just"/>
             <a:r>
               <a:rPr lang="ru-RU" sz="2400" dirty="0">
                 <a:latin typeface="Exo 2 Medium" panose="00000600000000000000" pitchFamily="2" charset="-52"/>
@@ -9023,11 +9038,32 @@
             </a:r>
           </a:p>
           <a:p>
+            <a:pPr marL="0" indent="0" algn="just">
+              <a:buNone/>
+            </a:pPr>
+            <a:r>
+              <a:rPr lang="en-US" sz="2400" dirty="0">
+                <a:latin typeface="Exo 2 Medium" panose="00000600000000000000" pitchFamily="2" charset="-52"/>
+              </a:rPr>
+              <a:t>	</a:t>
+            </a:r>
             <a:r>
               <a:rPr lang="ru-RU" sz="2400" dirty="0">
                 <a:latin typeface="Exo 2 Medium" panose="00000600000000000000" pitchFamily="2" charset="-52"/>
               </a:rPr>
-              <a:t>1.	Итеративность и </a:t>
+              <a:t>1.</a:t>
+            </a:r>
+            <a:r>
+              <a:rPr lang="en-US" sz="2400" dirty="0">
+                <a:latin typeface="Exo 2 Medium" panose="00000600000000000000" pitchFamily="2" charset="-52"/>
+              </a:rPr>
+              <a:t> </a:t>
+            </a:r>
+            <a:r>
+              <a:rPr lang="ru-RU" sz="2400" dirty="0">
+                <a:latin typeface="Exo 2 Medium" panose="00000600000000000000" pitchFamily="2" charset="-52"/>
+              </a:rPr>
+              <a:t>Итеративность и </a:t>
             </a:r>
             <a:r>
               <a:rPr lang="ru-RU" sz="2400" dirty="0" err="1">
@@ -9043,27 +9079,90 @@
             </a:r>
           </a:p>
           <a:p>
+            <a:pPr marL="0" indent="0" algn="just">
+              <a:buNone/>
+            </a:pPr>
+            <a:r>
+              <a:rPr lang="en-US" sz="2400" dirty="0">
+                <a:latin typeface="Exo 2 Medium" panose="00000600000000000000" pitchFamily="2" charset="-52"/>
+              </a:rPr>
+              <a:t>	</a:t>
+            </a:r>
             <a:r>
               <a:rPr lang="ru-RU" sz="2400" dirty="0">
                 <a:latin typeface="Exo 2 Medium" panose="00000600000000000000" pitchFamily="2" charset="-52"/>
               </a:rPr>
-              <a:t>2.	Гибкость и адаптивность.</a:t>
-            </a:r>
-          </a:p>
-          <a:p>
+              <a:t>2.</a:t>
+            </a:r>
+            <a:r>
+              <a:rPr lang="en-US" sz="2400" dirty="0">
+                <a:latin typeface="Exo 2 Medium" panose="00000600000000000000" pitchFamily="2" charset="-52"/>
+              </a:rPr>
+              <a:t> </a:t>
+            </a:r>
             <a:r>
               <a:rPr lang="ru-RU" sz="2400" dirty="0">
                 <a:latin typeface="Exo 2 Medium" panose="00000600000000000000" pitchFamily="2" charset="-52"/>
               </a:rPr>
-              <a:t>3.	Ориентация на архитектуру.</a:t>
-            </a:r>
-          </a:p>
-          <a:p>
+              <a:t>Гибкость и адаптивность.</a:t>
+            </a:r>
+          </a:p>
+          <a:p>
+            <a:pPr marL="0" indent="0" algn="just">
+              <a:buNone/>
+            </a:pPr>
+            <a:r>
+              <a:rPr lang="en-US" sz="2400" dirty="0">
+                <a:latin typeface="Exo 2 Medium" panose="00000600000000000000" pitchFamily="2" charset="-52"/>
+              </a:rPr>
+              <a:t>	</a:t>
+            </a:r>
             <a:r>
               <a:rPr lang="ru-RU" sz="2400" dirty="0">
                 <a:latin typeface="Exo 2 Medium" panose="00000600000000000000" pitchFamily="2" charset="-52"/>
               </a:rPr>
-              <a:t>4.	Управление рисками.</a:t>
+              <a:t>3.</a:t>
+            </a:r>
+            <a:r>
+              <a:rPr lang="en-US" sz="2400" dirty="0">
+                <a:latin typeface="Exo 2 Medium" panose="00000600000000000000" pitchFamily="2" charset="-52"/>
+              </a:rPr>
+              <a:t> </a:t>
+            </a:r>
+            <a:r>
+              <a:rPr lang="ru-RU" sz="2400" dirty="0">
+                <a:latin typeface="Exo 2 Medium" panose="00000600000000000000" pitchFamily="2" charset="-52"/>
+              </a:rPr>
+              <a:t>Ориентация на архитектуру.</a:t>
+            </a:r>
+          </a:p>
+          <a:p>
+            <a:pPr marL="0" indent="0" algn="just">
+              <a:buNone/>
+            </a:pPr>
+            <a:r>
+              <a:rPr lang="en-US" sz="2400" dirty="0">
+                <a:latin typeface="Exo 2 Medium" panose="00000600000000000000" pitchFamily="2" charset="-52"/>
+              </a:rPr>
+              <a:t>	</a:t>
+            </a:r>
+            <a:r>
+              <a:rPr lang="ru-RU" sz="2400" dirty="0">
+                <a:latin typeface="Exo 2 Medium" panose="00000600000000000000" pitchFamily="2" charset="-52"/>
+              </a:rPr>
+              <a:t>4.</a:t>
+            </a:r>
+            <a:r>
+              <a:rPr lang="en-US" sz="2400" dirty="0">
+                <a:latin typeface="Exo 2 Medium" panose="00000600000000000000" pitchFamily="2" charset="-52"/>
+              </a:rPr>
+              <a:t> </a:t>
+            </a:r>
+            <a:r>
+              <a:rPr lang="ru-RU" sz="2400" dirty="0">
+                <a:latin typeface="Exo 2 Medium" panose="00000600000000000000" pitchFamily="2" charset="-52"/>
+              </a:rPr>
+              <a:t>Управление рисками.</a:t>
             </a:r>
           </a:p>
           <a:p>
@@ -9400,6 +9499,7 @@
           </a:bodyPr>
           <a:lstStyle/>
           <a:p>
+            <a:pPr algn="just"/>
             <a:r>
               <a:rPr lang="ru-RU" sz="2400" dirty="0">
                 <a:latin typeface="Exo 2 Medium" panose="00000600000000000000" pitchFamily="2" charset="-52"/>
@@ -9408,35 +9508,119 @@
             </a:r>
           </a:p>
           <a:p>
+            <a:pPr marL="0" indent="0" algn="just">
+              <a:buNone/>
+            </a:pPr>
+            <a:r>
+              <a:rPr lang="en-US" sz="2400" dirty="0">
+                <a:latin typeface="Exo 2 Medium" panose="00000600000000000000" pitchFamily="2" charset="-52"/>
+              </a:rPr>
+              <a:t>	</a:t>
+            </a:r>
             <a:r>
               <a:rPr lang="ru-RU" sz="2400" dirty="0">
                 <a:latin typeface="Exo 2 Medium" panose="00000600000000000000" pitchFamily="2" charset="-52"/>
               </a:rPr>
-              <a:t>1.	Сложность.</a:t>
-            </a:r>
-          </a:p>
-          <a:p>
+              <a:t>1.</a:t>
+            </a:r>
+            <a:r>
+              <a:rPr lang="en-US" sz="2400" dirty="0">
+                <a:latin typeface="Exo 2 Medium" panose="00000600000000000000" pitchFamily="2" charset="-52"/>
+              </a:rPr>
+              <a:t> </a:t>
+            </a:r>
             <a:r>
               <a:rPr lang="ru-RU" sz="2400" dirty="0">
                 <a:latin typeface="Exo 2 Medium" panose="00000600000000000000" pitchFamily="2" charset="-52"/>
               </a:rPr>
-              <a:t>2.	Ресурсоемкость.</a:t>
-            </a:r>
-          </a:p>
-          <a:p>
+              <a:t>Сложность.</a:t>
+            </a:r>
+          </a:p>
+          <a:p>
+            <a:pPr marL="0" indent="0" algn="just">
+              <a:buNone/>
+            </a:pPr>
+            <a:r>
+              <a:rPr lang="en-US" sz="2400" dirty="0">
+                <a:latin typeface="Exo 2 Medium" panose="00000600000000000000" pitchFamily="2" charset="-52"/>
+              </a:rPr>
+              <a:t>	</a:t>
+            </a:r>
             <a:r>
               <a:rPr lang="ru-RU" sz="2400" dirty="0">
                 <a:latin typeface="Exo 2 Medium" panose="00000600000000000000" pitchFamily="2" charset="-52"/>
               </a:rPr>
-              <a:t>3.	Не всегда подходит для малых проектов.</a:t>
-            </a:r>
-          </a:p>
-          <a:p>
+              <a:t>2.</a:t>
+            </a:r>
+            <a:r>
+              <a:rPr lang="en-US" sz="2400" dirty="0">
+                <a:latin typeface="Exo 2 Medium" panose="00000600000000000000" pitchFamily="2" charset="-52"/>
+              </a:rPr>
+              <a:t> </a:t>
+            </a:r>
             <a:r>
               <a:rPr lang="ru-RU" sz="2400" dirty="0">
                 <a:latin typeface="Exo 2 Medium" panose="00000600000000000000" pitchFamily="2" charset="-52"/>
               </a:rPr>
-              <a:t>4.	Неудовлетворительно для некоторых видов проектов.</a:t>
+              <a:t>Ресурсоемкость.</a:t>
+            </a:r>
+          </a:p>
+          <a:p>
+            <a:pPr marL="0" indent="0" algn="just">
+              <a:buNone/>
+            </a:pPr>
+            <a:r>
+              <a:rPr lang="en-US" sz="2400" dirty="0">
+                <a:latin typeface="Exo 2 Medium" panose="00000600000000000000" pitchFamily="2" charset="-52"/>
+              </a:rPr>
+              <a:t>	</a:t>
+            </a:r>
+            <a:r>
+              <a:rPr lang="ru-RU" sz="2400" dirty="0">
+                <a:latin typeface="Exo 2 Medium" panose="00000600000000000000" pitchFamily="2" charset="-52"/>
+              </a:rPr>
+              <a:t>3.</a:t>
+            </a:r>
+            <a:r>
+              <a:rPr lang="en-US" sz="2400" dirty="0">
+                <a:latin typeface="Exo 2 Medium" panose="00000600000000000000" pitchFamily="2" charset="-52"/>
+              </a:rPr>
+              <a:t> </a:t>
+            </a:r>
+            <a:r>
+              <a:rPr lang="ru-RU" sz="2400" dirty="0">
+                <a:latin typeface="Exo 2 Medium" panose="00000600000000000000" pitchFamily="2" charset="-52"/>
+              </a:rPr>
+              <a:t>Не всегда подходит для малых проектов.</a:t>
+            </a:r>
+          </a:p>
+          <a:p>
+            <a:pPr marL="0" indent="0" algn="just">
+              <a:buNone/>
+            </a:pPr>
+            <a:r>
+              <a:rPr lang="en-US" sz="2400" dirty="0">
+                <a:latin typeface="Exo 2 Medium" panose="00000600000000000000" pitchFamily="2" charset="-52"/>
+              </a:rPr>
+              <a:t>	</a:t>
+            </a:r>
+            <a:r>
+              <a:rPr lang="ru-RU" sz="2400" dirty="0">
+                <a:latin typeface="Exo 2 Medium" panose="00000600000000000000" pitchFamily="2" charset="-52"/>
+              </a:rPr>
+              <a:t>4.</a:t>
+            </a:r>
+            <a:r>
+              <a:rPr lang="en-US" sz="2400" dirty="0">
+                <a:latin typeface="Exo 2 Medium" panose="00000600000000000000" pitchFamily="2" charset="-52"/>
+              </a:rPr>
+              <a:t> </a:t>
+            </a:r>
+            <a:r>
+              <a:rPr lang="ru-RU" sz="2400" dirty="0">
+                <a:latin typeface="Exo 2 Medium" panose="00000600000000000000" pitchFamily="2" charset="-52"/>
+              </a:rPr>
+              <a:t>Неудовлетворительно для некоторых видов проектов.</a:t>
             </a:r>
           </a:p>
           <a:p>
@@ -9773,59 +9957,87 @@
           </a:bodyPr>
           <a:lstStyle/>
           <a:p>
+            <a:pPr algn="just">
+              <a:buFont typeface="+mj-lt"/>
+              <a:buAutoNum type="arabicPeriod"/>
+            </a:pPr>
             <a:r>
               <a:rPr lang="ru-RU" sz="2400" dirty="0">
                 <a:latin typeface="Exo 2 Medium" panose="00000600000000000000" pitchFamily="2" charset="-52"/>
               </a:rPr>
-              <a:t>1.	Проекты с быстро меняющимися требованиями</a:t>
-            </a:r>
-          </a:p>
-          <a:p>
+              <a:t>Проекты с быстро меняющимися требованиями</a:t>
+            </a:r>
+          </a:p>
+          <a:p>
+            <a:pPr algn="just">
+              <a:buFont typeface="+mj-lt"/>
+              <a:buAutoNum type="arabicPeriod"/>
+            </a:pPr>
             <a:r>
               <a:rPr lang="ru-RU" sz="2400" dirty="0">
                 <a:latin typeface="Exo 2 Medium" panose="00000600000000000000" pitchFamily="2" charset="-52"/>
               </a:rPr>
-              <a:t>2.	Стартапы и инновационные проекты</a:t>
-            </a:r>
-          </a:p>
-          <a:p>
+              <a:t>Стартапы и инновационные проекты</a:t>
+            </a:r>
+          </a:p>
+          <a:p>
+            <a:pPr algn="just">
+              <a:buFont typeface="+mj-lt"/>
+              <a:buAutoNum type="arabicPeriod"/>
+            </a:pPr>
             <a:r>
               <a:rPr lang="ru-RU" sz="2400" dirty="0">
                 <a:latin typeface="Exo 2 Medium" panose="00000600000000000000" pitchFamily="2" charset="-52"/>
               </a:rPr>
-              <a:t>3.	Малые и средние проекты</a:t>
-            </a:r>
-          </a:p>
-          <a:p>
+              <a:t>Малые и средние проекты</a:t>
+            </a:r>
+          </a:p>
+          <a:p>
+            <a:pPr algn="just">
+              <a:buFont typeface="+mj-lt"/>
+              <a:buAutoNum type="arabicPeriod"/>
+            </a:pPr>
             <a:r>
               <a:rPr lang="ru-RU" sz="2400" dirty="0">
                 <a:latin typeface="Exo 2 Medium" panose="00000600000000000000" pitchFamily="2" charset="-52"/>
               </a:rPr>
-              <a:t>4.	Проекты с неопределенными или слабо определенными требованиями</a:t>
-            </a:r>
-          </a:p>
-          <a:p>
+              <a:t>Проекты с неопределенными или слабо определенными требованиями</a:t>
+            </a:r>
+          </a:p>
+          <a:p>
+            <a:pPr algn="just">
+              <a:buFont typeface="+mj-lt"/>
+              <a:buAutoNum type="arabicPeriod"/>
+            </a:pPr>
             <a:r>
               <a:rPr lang="ru-RU" sz="2400" dirty="0">
                 <a:latin typeface="Exo 2 Medium" panose="00000600000000000000" pitchFamily="2" charset="-52"/>
               </a:rPr>
-              <a:t>5.	Проекты с акцентом на качество кода</a:t>
-            </a:r>
-          </a:p>
-          <a:p>
+              <a:t>Проекты с акцентом на качество кода</a:t>
+            </a:r>
+          </a:p>
+          <a:p>
+            <a:pPr algn="just">
+              <a:buFont typeface="+mj-lt"/>
+              <a:buAutoNum type="arabicPeriod"/>
+            </a:pPr>
             <a:r>
               <a:rPr lang="ru-RU" sz="2400" dirty="0">
                 <a:latin typeface="Exo 2 Medium" panose="00000600000000000000" pitchFamily="2" charset="-52"/>
               </a:rPr>
-              <a:t>6.	Проекты с активным участием заказчика</a:t>
-            </a:r>
-          </a:p>
-          <a:p>
+              <a:t>Проекты с активным участием заказчика</a:t>
+            </a:r>
+          </a:p>
+          <a:p>
+            <a:pPr algn="just">
+              <a:buFont typeface="+mj-lt"/>
+              <a:buAutoNum type="arabicPeriod"/>
+            </a:pPr>
             <a:r>
               <a:rPr lang="ru-RU" sz="2400" dirty="0">
                 <a:latin typeface="Exo 2 Medium" panose="00000600000000000000" pitchFamily="2" charset="-52"/>
               </a:rPr>
-              <a:t>7.	Проекты, требующие частых релизов</a:t>
+              <a:t>Проекты, требующие частых релизов</a:t>
             </a:r>
           </a:p>
           <a:p>
@@ -10162,51 +10374,75 @@
           </a:bodyPr>
           <a:lstStyle/>
           <a:p>
+            <a:pPr algn="just">
+              <a:buFont typeface="+mj-lt"/>
+              <a:buAutoNum type="arabicPeriod"/>
+            </a:pPr>
             <a:r>
               <a:rPr lang="ru-RU" sz="2400" dirty="0">
                 <a:latin typeface="Exo 2 Medium" panose="00000600000000000000" pitchFamily="2" charset="-52"/>
               </a:rPr>
-              <a:t>1.	Средние и крупные проекты разработки программного обеспечения</a:t>
-            </a:r>
-          </a:p>
-          <a:p>
+              <a:t>Средние и крупные проекты разработки программного обеспечения</a:t>
+            </a:r>
+          </a:p>
+          <a:p>
+            <a:pPr algn="just">
+              <a:buFont typeface="+mj-lt"/>
+              <a:buAutoNum type="arabicPeriod"/>
+            </a:pPr>
             <a:r>
               <a:rPr lang="ru-RU" sz="2400" dirty="0">
                 <a:latin typeface="Exo 2 Medium" panose="00000600000000000000" pitchFamily="2" charset="-52"/>
               </a:rPr>
-              <a:t>2.	Проекты с переменными или изменяющимися требованиями</a:t>
-            </a:r>
-          </a:p>
-          <a:p>
+              <a:t>Проекты с переменными или изменяющимися требованиями</a:t>
+            </a:r>
+          </a:p>
+          <a:p>
+            <a:pPr algn="just">
+              <a:buFont typeface="+mj-lt"/>
+              <a:buAutoNum type="arabicPeriod"/>
+            </a:pPr>
             <a:r>
               <a:rPr lang="ru-RU" sz="2400" dirty="0">
                 <a:latin typeface="Exo 2 Medium" panose="00000600000000000000" pitchFamily="2" charset="-52"/>
               </a:rPr>
-              <a:t>3.	Проекты, где важно поддерживать высокое качество</a:t>
-            </a:r>
-          </a:p>
-          <a:p>
+              <a:t>Проекты, где важно поддерживать высокое качество</a:t>
+            </a:r>
+          </a:p>
+          <a:p>
+            <a:pPr algn="just">
+              <a:buFont typeface="+mj-lt"/>
+              <a:buAutoNum type="arabicPeriod"/>
+            </a:pPr>
             <a:r>
               <a:rPr lang="ru-RU" sz="2400" dirty="0">
                 <a:latin typeface="Exo 2 Medium" panose="00000600000000000000" pitchFamily="2" charset="-52"/>
               </a:rPr>
-              <a:t>4.	Проекты с акцентом на архитектуре</a:t>
-            </a:r>
-          </a:p>
-          <a:p>
+              <a:t>Проекты с акцентом на архитектуре</a:t>
+            </a:r>
+          </a:p>
+          <a:p>
+            <a:pPr algn="just">
+              <a:buFont typeface="+mj-lt"/>
+              <a:buAutoNum type="arabicPeriod"/>
+            </a:pPr>
             <a:r>
               <a:rPr lang="ru-RU" sz="2400" dirty="0">
                 <a:latin typeface="Exo 2 Medium" panose="00000600000000000000" pitchFamily="2" charset="-52"/>
               </a:rPr>
-              <a:t>5.	Проекты с требованиями к документации</a:t>
-            </a:r>
-          </a:p>
-          <a:p>
+              <a:t>Проекты с требованиями к документации</a:t>
+            </a:r>
+          </a:p>
+          <a:p>
+            <a:pPr algn="just">
+              <a:buFont typeface="+mj-lt"/>
+              <a:buAutoNum type="arabicPeriod"/>
+            </a:pPr>
             <a:r>
               <a:rPr lang="ru-RU" sz="2400" dirty="0">
                 <a:latin typeface="Exo 2 Medium" panose="00000600000000000000" pitchFamily="2" charset="-52"/>
               </a:rPr>
-              <a:t>6.	Распределенные проекты</a:t>
+              <a:t>Распределенные проекты</a:t>
             </a:r>
           </a:p>
           <a:p>
@@ -10601,6 +10837,7 @@
           </a:bodyPr>
           <a:lstStyle/>
           <a:p>
+            <a:pPr algn="just"/>
             <a:r>
               <a:rPr lang="ru-RU" sz="2400" dirty="0">
                 <a:latin typeface="Exo 2 Medium" panose="00000600000000000000" pitchFamily="2" charset="-52"/>
@@ -10609,6 +10846,7 @@
             </a:r>
           </a:p>
           <a:p>
+            <a:pPr algn="just"/>
             <a:r>
               <a:rPr lang="ru-RU" sz="2400" dirty="0">
                 <a:latin typeface="Exo 2 Medium" panose="00000600000000000000" pitchFamily="2" charset="-52"/>
@@ -10617,6 +10855,7 @@
             </a:r>
           </a:p>
           <a:p>
+            <a:pPr algn="just"/>
             <a:r>
               <a:rPr lang="ru-RU" sz="2400" dirty="0">
                 <a:latin typeface="Exo 2 Medium" panose="00000600000000000000" pitchFamily="2" charset="-52"/>
@@ -10750,6 +10989,7 @@
           </a:bodyPr>
           <a:lstStyle/>
           <a:p>
+            <a:pPr algn="just"/>
             <a:r>
               <a:rPr lang="ru-RU" sz="2400" dirty="0">
                 <a:latin typeface="Exo 2 Medium" panose="00000600000000000000" pitchFamily="2" charset="-52"/>
@@ -10758,43 +10998,148 @@
             </a:r>
           </a:p>
           <a:p>
+            <a:pPr marL="0" indent="0" algn="just">
+              <a:buNone/>
+            </a:pPr>
+            <a:r>
+              <a:rPr lang="en-US" sz="2400" dirty="0">
+                <a:latin typeface="Exo 2 Medium" panose="00000600000000000000" pitchFamily="2" charset="-52"/>
+              </a:rPr>
+              <a:t>	</a:t>
+            </a:r>
             <a:r>
               <a:rPr lang="ru-RU" sz="2400" dirty="0">
                 <a:latin typeface="Exo 2 Medium" panose="00000600000000000000" pitchFamily="2" charset="-52"/>
               </a:rPr>
-              <a:t>1.	Использование чрезвычайно коротких циклов разработки</a:t>
-            </a:r>
-          </a:p>
-          <a:p>
+              <a:t>1.</a:t>
+            </a:r>
+            <a:r>
+              <a:rPr lang="en-US" sz="2400" dirty="0">
+                <a:latin typeface="Exo 2 Medium" panose="00000600000000000000" pitchFamily="2" charset="-52"/>
+              </a:rPr>
+              <a:t> </a:t>
+            </a:r>
             <a:r>
               <a:rPr lang="ru-RU" sz="2400" dirty="0">
                 <a:latin typeface="Exo 2 Medium" panose="00000600000000000000" pitchFamily="2" charset="-52"/>
               </a:rPr>
-              <a:t>2.	Планирование по нарастающей</a:t>
-            </a:r>
-          </a:p>
-          <a:p>
+              <a:t>Использование чрезвычайно коротких циклов разработки</a:t>
+            </a:r>
+          </a:p>
+          <a:p>
+            <a:pPr marL="0" indent="0" algn="just">
+              <a:buNone/>
+            </a:pPr>
+            <a:r>
+              <a:rPr lang="en-US" sz="2400" dirty="0">
+                <a:latin typeface="Exo 2 Medium" panose="00000600000000000000" pitchFamily="2" charset="-52"/>
+              </a:rPr>
+              <a:t>	</a:t>
+            </a:r>
             <a:r>
               <a:rPr lang="ru-RU" sz="2400" dirty="0">
                 <a:latin typeface="Exo 2 Medium" panose="00000600000000000000" pitchFamily="2" charset="-52"/>
               </a:rPr>
-              <a:t>3.	Гибкий график реализации функциональности</a:t>
-            </a:r>
-          </a:p>
-          <a:p>
+              <a:t>2.</a:t>
+            </a:r>
+            <a:r>
+              <a:rPr lang="en-US" sz="2400" dirty="0">
+                <a:latin typeface="Exo 2 Medium" panose="00000600000000000000" pitchFamily="2" charset="-52"/>
+              </a:rPr>
+              <a:t> </a:t>
+            </a:r>
             <a:r>
               <a:rPr lang="ru-RU" sz="2400" dirty="0">
                 <a:latin typeface="Exo 2 Medium" panose="00000600000000000000" pitchFamily="2" charset="-52"/>
               </a:rPr>
-              <a:t>4.	Обмен информацией</a:t>
-            </a:r>
-          </a:p>
-          <a:p>
+              <a:t>Планирование по нарастающей</a:t>
+            </a:r>
+          </a:p>
+          <a:p>
+            <a:pPr marL="0" indent="0" algn="just">
+              <a:buNone/>
+            </a:pPr>
+            <a:r>
+              <a:rPr lang="en-US" sz="2400" dirty="0">
+                <a:latin typeface="Exo 2 Medium" panose="00000600000000000000" pitchFamily="2" charset="-52"/>
+              </a:rPr>
+              <a:t>	</a:t>
+            </a:r>
             <a:r>
               <a:rPr lang="ru-RU" sz="2400" dirty="0">
                 <a:latin typeface="Exo 2 Medium" panose="00000600000000000000" pitchFamily="2" charset="-52"/>
               </a:rPr>
-              <a:t>5.	Тесное взаимодействие программистов</a:t>
+              <a:t>3.</a:t>
+            </a:r>
+            <a:r>
+              <a:rPr lang="en-US" sz="2400" dirty="0">
+                <a:latin typeface="Exo 2 Medium" panose="00000600000000000000" pitchFamily="2" charset="-52"/>
+              </a:rPr>
+              <a:t> </a:t>
+            </a:r>
+            <a:r>
+              <a:rPr lang="ru-RU" sz="2400" dirty="0">
+                <a:latin typeface="Exo 2 Medium" panose="00000600000000000000" pitchFamily="2" charset="-52"/>
+              </a:rPr>
+              <a:t>Гибкий график реализации функциональности</a:t>
+            </a:r>
+          </a:p>
+          <a:p>
+            <a:pPr marL="0" indent="0" algn="just">
+              <a:buNone/>
+            </a:pPr>
+            <a:r>
+              <a:rPr lang="en-US" sz="2400" dirty="0">
+                <a:latin typeface="Exo 2 Medium" panose="00000600000000000000" pitchFamily="2" charset="-52"/>
+              </a:rPr>
+              <a:t>	</a:t>
+            </a:r>
+            <a:r>
+              <a:rPr lang="ru-RU" sz="2400" dirty="0">
+                <a:latin typeface="Exo 2 Medium" panose="00000600000000000000" pitchFamily="2" charset="-52"/>
+              </a:rPr>
+              <a:t>4.</a:t>
+            </a:r>
+            <a:r>
+              <a:rPr lang="en-US" sz="2400" dirty="0">
+                <a:latin typeface="Exo 2 Medium" panose="00000600000000000000" pitchFamily="2" charset="-52"/>
+              </a:rPr>
+              <a:t> </a:t>
+            </a:r>
+            <a:r>
+              <a:rPr lang="ru-RU" sz="2400" dirty="0">
+                <a:latin typeface="Exo 2 Medium" panose="00000600000000000000" pitchFamily="2" charset="-52"/>
+              </a:rPr>
+              <a:t>Обмен информацией</a:t>
+            </a:r>
+          </a:p>
+          <a:p>
+            <a:pPr marL="0" indent="0" algn="just">
+              <a:buNone/>
+            </a:pPr>
+            <a:r>
+              <a:rPr lang="en-US" sz="2400" dirty="0">
+                <a:latin typeface="Exo 2 Medium" panose="00000600000000000000" pitchFamily="2" charset="-52"/>
+              </a:rPr>
+              <a:t>	</a:t>
+            </a:r>
+            <a:r>
+              <a:rPr lang="ru-RU" sz="2400" dirty="0">
+                <a:latin typeface="Exo 2 Medium" panose="00000600000000000000" pitchFamily="2" charset="-52"/>
+              </a:rPr>
+              <a:t>5.</a:t>
+            </a:r>
+            <a:r>
+              <a:rPr lang="en-US" sz="2400" dirty="0">
+                <a:latin typeface="Exo 2 Medium" panose="00000600000000000000" pitchFamily="2" charset="-52"/>
+              </a:rPr>
+              <a:t> </a:t>
+            </a:r>
+            <a:r>
+              <a:rPr lang="ru-RU" sz="2400" dirty="0">
+                <a:latin typeface="Exo 2 Medium" panose="00000600000000000000" pitchFamily="2" charset="-52"/>
+              </a:rPr>
+              <a:t>Тесное взаимодействие программистов</a:t>
             </a:r>
           </a:p>
           <a:p>
@@ -10965,6 +11310,7 @@
           </a:bodyPr>
           <a:lstStyle/>
           <a:p>
+            <a:pPr algn="just"/>
             <a:r>
               <a:rPr lang="ru-RU" sz="2400" dirty="0">
                 <a:latin typeface="Exo 2 Medium" panose="00000600000000000000" pitchFamily="2" charset="-52"/>
@@ -10973,59 +11319,206 @@
             </a:r>
           </a:p>
           <a:p>
+            <a:pPr marL="0" indent="0" algn="just">
+              <a:buNone/>
+            </a:pPr>
+            <a:r>
+              <a:rPr lang="en-US" sz="2400" dirty="0">
+                <a:latin typeface="Exo 2 Medium" panose="00000600000000000000" pitchFamily="2" charset="-52"/>
+              </a:rPr>
+              <a:t>	</a:t>
+            </a:r>
             <a:r>
               <a:rPr lang="ru-RU" sz="2400" dirty="0">
                 <a:latin typeface="Exo 2 Medium" panose="00000600000000000000" pitchFamily="2" charset="-52"/>
               </a:rPr>
-              <a:t>1.	Простота</a:t>
-            </a:r>
-          </a:p>
-          <a:p>
+              <a:t>1.</a:t>
+            </a:r>
+            <a:r>
+              <a:rPr lang="en-US" sz="2400" dirty="0">
+                <a:latin typeface="Exo 2 Medium" panose="00000600000000000000" pitchFamily="2" charset="-52"/>
+              </a:rPr>
+              <a:t> </a:t>
+            </a:r>
             <a:r>
               <a:rPr lang="ru-RU" sz="2400" dirty="0">
                 <a:latin typeface="Exo 2 Medium" panose="00000600000000000000" pitchFamily="2" charset="-52"/>
               </a:rPr>
-              <a:t>2.	Изменчивые требования</a:t>
-            </a:r>
-          </a:p>
-          <a:p>
+              <a:t>Простота</a:t>
+            </a:r>
+          </a:p>
+          <a:p>
+            <a:pPr marL="0" indent="0" algn="just">
+              <a:buNone/>
+            </a:pPr>
+            <a:r>
+              <a:rPr lang="en-US" sz="2400" dirty="0">
+                <a:latin typeface="Exo 2 Medium" panose="00000600000000000000" pitchFamily="2" charset="-52"/>
+              </a:rPr>
+              <a:t>	</a:t>
+            </a:r>
             <a:r>
               <a:rPr lang="ru-RU" sz="2400" dirty="0">
                 <a:latin typeface="Exo 2 Medium" panose="00000600000000000000" pitchFamily="2" charset="-52"/>
               </a:rPr>
-              <a:t>3.	Программирование в парах</a:t>
-            </a:r>
-          </a:p>
-          <a:p>
+              <a:t>2.</a:t>
+            </a:r>
+            <a:r>
+              <a:rPr lang="en-US" sz="2400" dirty="0">
+                <a:latin typeface="Exo 2 Medium" panose="00000600000000000000" pitchFamily="2" charset="-52"/>
+              </a:rPr>
+              <a:t> </a:t>
+            </a:r>
             <a:r>
               <a:rPr lang="ru-RU" sz="2400" dirty="0">
                 <a:latin typeface="Exo 2 Medium" panose="00000600000000000000" pitchFamily="2" charset="-52"/>
               </a:rPr>
-              <a:t>4.	Общее владение кодом</a:t>
-            </a:r>
-          </a:p>
-          <a:p>
+              <a:t>Изменчивые требования</a:t>
+            </a:r>
+          </a:p>
+          <a:p>
+            <a:pPr marL="0" indent="0" algn="just">
+              <a:buNone/>
+            </a:pPr>
+            <a:r>
+              <a:rPr lang="en-US" sz="2400" dirty="0">
+                <a:latin typeface="Exo 2 Medium" panose="00000600000000000000" pitchFamily="2" charset="-52"/>
+              </a:rPr>
+              <a:t>	</a:t>
+            </a:r>
             <a:r>
               <a:rPr lang="ru-RU" sz="2400" dirty="0">
                 <a:latin typeface="Exo 2 Medium" panose="00000600000000000000" pitchFamily="2" charset="-52"/>
               </a:rPr>
-              <a:t>5.	Тестирование</a:t>
-            </a:r>
-          </a:p>
-          <a:p>
+              <a:t>3.</a:t>
+            </a:r>
+            <a:r>
+              <a:rPr lang="en-US" sz="2400" dirty="0">
+                <a:latin typeface="Exo 2 Medium" panose="00000600000000000000" pitchFamily="2" charset="-52"/>
+              </a:rPr>
+              <a:t> </a:t>
+            </a:r>
             <a:r>
               <a:rPr lang="ru-RU" sz="2400" dirty="0">
                 <a:latin typeface="Exo 2 Medium" panose="00000600000000000000" pitchFamily="2" charset="-52"/>
               </a:rPr>
-              <a:t>6.	40-часовая рабочая неделя</a:t>
-            </a:r>
-          </a:p>
-          <a:p>
+              <a:t>Программирование в парах</a:t>
+            </a:r>
+          </a:p>
+          <a:p>
+            <a:pPr marL="0" indent="0" algn="just">
+              <a:buNone/>
+            </a:pPr>
+            <a:r>
+              <a:rPr lang="en-US" sz="2400" dirty="0">
+                <a:latin typeface="Exo 2 Medium" panose="00000600000000000000" pitchFamily="2" charset="-52"/>
+              </a:rPr>
+              <a:t>	</a:t>
+            </a:r>
             <a:r>
               <a:rPr lang="ru-RU" sz="2400" dirty="0">
                 <a:latin typeface="Exo 2 Medium" panose="00000600000000000000" pitchFamily="2" charset="-52"/>
               </a:rPr>
-              <a:t>7.	Заказчик на рабочей площадке</a:t>
+              <a:t>4.</a:t>
+            </a:r>
+            <a:r>
+              <a:rPr lang="en-US" sz="2400" dirty="0">
+                <a:latin typeface="Exo 2 Medium" panose="00000600000000000000" pitchFamily="2" charset="-52"/>
+              </a:rPr>
+              <a:t> </a:t>
+            </a:r>
+            <a:r>
+              <a:rPr lang="ru-RU" sz="2400" dirty="0">
+                <a:latin typeface="Exo 2 Medium" panose="00000600000000000000" pitchFamily="2" charset="-52"/>
+              </a:rPr>
+              <a:t>Общее владение кодом</a:t>
+            </a:r>
+          </a:p>
+          <a:p>
+            <a:pPr marL="0" indent="0" algn="just">
+              <a:buNone/>
+            </a:pPr>
+            <a:r>
+              <a:rPr lang="en-US" sz="2400" dirty="0">
+                <a:latin typeface="Exo 2 Medium" panose="00000600000000000000" pitchFamily="2" charset="-52"/>
+              </a:rPr>
+              <a:t>	</a:t>
+            </a:r>
+            <a:r>
+              <a:rPr lang="ru-RU" sz="2400" dirty="0">
+                <a:latin typeface="Exo 2 Medium" panose="00000600000000000000" pitchFamily="2" charset="-52"/>
+              </a:rPr>
+              <a:t>5.</a:t>
+            </a:r>
+            <a:r>
+              <a:rPr lang="en-US" sz="2400" dirty="0">
+                <a:latin typeface="Exo 2 Medium" panose="00000600000000000000" pitchFamily="2" charset="-52"/>
+              </a:rPr>
+              <a:t> </a:t>
+            </a:r>
+            <a:r>
+              <a:rPr lang="ru-RU" sz="2400" dirty="0">
+                <a:latin typeface="Exo 2 Medium" panose="00000600000000000000" pitchFamily="2" charset="-52"/>
+              </a:rPr>
+              <a:t>Тестирование</a:t>
+            </a:r>
+          </a:p>
+          <a:p>
+            <a:pPr marL="0" indent="0" algn="just">
+              <a:buNone/>
+            </a:pPr>
+            <a:r>
+              <a:rPr lang="en-US" sz="2400" dirty="0">
+                <a:latin typeface="Exo 2 Medium" panose="00000600000000000000" pitchFamily="2" charset="-52"/>
+              </a:rPr>
+              <a:t>	</a:t>
+            </a:r>
+            <a:r>
+              <a:rPr lang="ru-RU" sz="2400" dirty="0">
+                <a:latin typeface="Exo 2 Medium" panose="00000600000000000000" pitchFamily="2" charset="-52"/>
+              </a:rPr>
+              <a:t>6.</a:t>
+            </a:r>
+            <a:r>
+              <a:rPr lang="en-US" sz="2400" dirty="0">
+                <a:latin typeface="Exo 2 Medium" panose="00000600000000000000" pitchFamily="2" charset="-52"/>
+              </a:rPr>
+              <a:t> </a:t>
+            </a:r>
+            <a:r>
+              <a:rPr lang="ru-RU" sz="2400" dirty="0">
+                <a:latin typeface="Exo 2 Medium" panose="00000600000000000000" pitchFamily="2" charset="-52"/>
+              </a:rPr>
+              <a:t>40-часовая рабочая неделя</a:t>
+            </a:r>
+          </a:p>
+          <a:p>
+            <a:pPr marL="0" indent="0" algn="just">
+              <a:buNone/>
+            </a:pPr>
+            <a:r>
+              <a:rPr lang="en-US" sz="2400" dirty="0">
+                <a:latin typeface="Exo 2 Medium" panose="00000600000000000000" pitchFamily="2" charset="-52"/>
+              </a:rPr>
+              <a:t>	</a:t>
+            </a:r>
+            <a:r>
+              <a:rPr lang="ru-RU" sz="2400" dirty="0">
+                <a:latin typeface="Exo 2 Medium" panose="00000600000000000000" pitchFamily="2" charset="-52"/>
+              </a:rPr>
+              <a:t>7.</a:t>
+            </a:r>
+            <a:r>
+              <a:rPr lang="en-US" sz="2400" dirty="0">
+                <a:latin typeface="Exo 2 Medium" panose="00000600000000000000" pitchFamily="2" charset="-52"/>
+              </a:rPr>
+              <a:t> </a:t>
+            </a:r>
+            <a:r>
+              <a:rPr lang="ru-RU" sz="2400" dirty="0">
+                <a:latin typeface="Exo 2 Medium" panose="00000600000000000000" pitchFamily="2" charset="-52"/>
+              </a:rPr>
+              <a:t>Заказчик на рабочей площадке</a:t>
             </a:r>
           </a:p>
           <a:p>
@@ -11192,6 +11685,7 @@
           </a:bodyPr>
           <a:lstStyle/>
           <a:p>
+            <a:pPr algn="just"/>
             <a:r>
               <a:rPr lang="ru-RU" sz="2400" dirty="0">
                 <a:latin typeface="Exo 2 Medium" panose="00000600000000000000" pitchFamily="2" charset="-52"/>
@@ -11200,43 +11694,148 @@
             </a:r>
           </a:p>
           <a:p>
+            <a:pPr marL="0" indent="0" algn="just">
+              <a:buNone/>
+            </a:pPr>
+            <a:r>
+              <a:rPr lang="en-US" sz="2400" dirty="0">
+                <a:latin typeface="Exo 2 Medium" panose="00000600000000000000" pitchFamily="2" charset="-52"/>
+              </a:rPr>
+              <a:t>	</a:t>
+            </a:r>
             <a:r>
               <a:rPr lang="ru-RU" sz="2400" dirty="0">
                 <a:latin typeface="Exo 2 Medium" panose="00000600000000000000" pitchFamily="2" charset="-52"/>
               </a:rPr>
-              <a:t>1.	Гибкость.</a:t>
-            </a:r>
-          </a:p>
-          <a:p>
+              <a:t>1.</a:t>
+            </a:r>
+            <a:r>
+              <a:rPr lang="en-US" sz="2400" dirty="0">
+                <a:latin typeface="Exo 2 Medium" panose="00000600000000000000" pitchFamily="2" charset="-52"/>
+              </a:rPr>
+              <a:t> </a:t>
+            </a:r>
             <a:r>
               <a:rPr lang="ru-RU" sz="2400" dirty="0">
                 <a:latin typeface="Exo 2 Medium" panose="00000600000000000000" pitchFamily="2" charset="-52"/>
               </a:rPr>
-              <a:t>2.	Быстрое развертывание.</a:t>
-            </a:r>
-          </a:p>
-          <a:p>
+              <a:t>Гибкость.</a:t>
+            </a:r>
+          </a:p>
+          <a:p>
+            <a:pPr marL="0" indent="0" algn="just">
+              <a:buNone/>
+            </a:pPr>
+            <a:r>
+              <a:rPr lang="en-US" sz="2400" dirty="0">
+                <a:latin typeface="Exo 2 Medium" panose="00000600000000000000" pitchFamily="2" charset="-52"/>
+              </a:rPr>
+              <a:t>	</a:t>
+            </a:r>
             <a:r>
               <a:rPr lang="ru-RU" sz="2400" dirty="0">
                 <a:latin typeface="Exo 2 Medium" panose="00000600000000000000" pitchFamily="2" charset="-52"/>
               </a:rPr>
-              <a:t>3.	Качество кода.</a:t>
-            </a:r>
-          </a:p>
-          <a:p>
+              <a:t>2.</a:t>
+            </a:r>
+            <a:r>
+              <a:rPr lang="en-US" sz="2400" dirty="0">
+                <a:latin typeface="Exo 2 Medium" panose="00000600000000000000" pitchFamily="2" charset="-52"/>
+              </a:rPr>
+              <a:t> </a:t>
+            </a:r>
             <a:r>
               <a:rPr lang="ru-RU" sz="2400" dirty="0">
                 <a:latin typeface="Exo 2 Medium" panose="00000600000000000000" pitchFamily="2" charset="-52"/>
               </a:rPr>
-              <a:t>4.	Участие заказчика.</a:t>
-            </a:r>
-          </a:p>
-          <a:p>
+              <a:t>Быстрое развертывание.</a:t>
+            </a:r>
+          </a:p>
+          <a:p>
+            <a:pPr marL="0" indent="0" algn="just">
+              <a:buNone/>
+            </a:pPr>
+            <a:r>
+              <a:rPr lang="en-US" sz="2400" dirty="0">
+                <a:latin typeface="Exo 2 Medium" panose="00000600000000000000" pitchFamily="2" charset="-52"/>
+              </a:rPr>
+              <a:t>	</a:t>
+            </a:r>
             <a:r>
               <a:rPr lang="ru-RU" sz="2400" dirty="0">
                 <a:latin typeface="Exo 2 Medium" panose="00000600000000000000" pitchFamily="2" charset="-52"/>
               </a:rPr>
-              <a:t>5.	Уклонение от излишних формальностей.</a:t>
+              <a:t>3.</a:t>
+            </a:r>
+            <a:r>
+              <a:rPr lang="en-US" sz="2400" dirty="0">
+                <a:latin typeface="Exo 2 Medium" panose="00000600000000000000" pitchFamily="2" charset="-52"/>
+              </a:rPr>
+              <a:t> </a:t>
+            </a:r>
+            <a:r>
+              <a:rPr lang="ru-RU" sz="2400" dirty="0">
+                <a:latin typeface="Exo 2 Medium" panose="00000600000000000000" pitchFamily="2" charset="-52"/>
+              </a:rPr>
+              <a:t>Качество кода.</a:t>
+            </a:r>
+          </a:p>
+          <a:p>
+            <a:pPr marL="0" indent="0" algn="just">
+              <a:buNone/>
+            </a:pPr>
+            <a:r>
+              <a:rPr lang="en-US" sz="2400" dirty="0">
+                <a:latin typeface="Exo 2 Medium" panose="00000600000000000000" pitchFamily="2" charset="-52"/>
+              </a:rPr>
+              <a:t>	</a:t>
+            </a:r>
+            <a:r>
+              <a:rPr lang="ru-RU" sz="2400" dirty="0">
+                <a:latin typeface="Exo 2 Medium" panose="00000600000000000000" pitchFamily="2" charset="-52"/>
+              </a:rPr>
+              <a:t>4.</a:t>
+            </a:r>
+            <a:r>
+              <a:rPr lang="en-US" sz="2400" dirty="0">
+                <a:latin typeface="Exo 2 Medium" panose="00000600000000000000" pitchFamily="2" charset="-52"/>
+              </a:rPr>
+              <a:t> </a:t>
+            </a:r>
+            <a:r>
+              <a:rPr lang="ru-RU" sz="2400" dirty="0">
+                <a:latin typeface="Exo 2 Medium" panose="00000600000000000000" pitchFamily="2" charset="-52"/>
+              </a:rPr>
+              <a:t>Участие заказчика.</a:t>
+            </a:r>
+          </a:p>
+          <a:p>
+            <a:pPr marL="0" indent="0" algn="just">
+              <a:buNone/>
+            </a:pPr>
+            <a:r>
+              <a:rPr lang="en-US" sz="2400" dirty="0">
+                <a:latin typeface="Exo 2 Medium" panose="00000600000000000000" pitchFamily="2" charset="-52"/>
+              </a:rPr>
+              <a:t>	</a:t>
+            </a:r>
+            <a:r>
+              <a:rPr lang="ru-RU" sz="2400" dirty="0">
+                <a:latin typeface="Exo 2 Medium" panose="00000600000000000000" pitchFamily="2" charset="-52"/>
+              </a:rPr>
+              <a:t>5.</a:t>
+            </a:r>
+            <a:r>
+              <a:rPr lang="en-US" sz="2400" dirty="0">
+                <a:latin typeface="Exo 2 Medium" panose="00000600000000000000" pitchFamily="2" charset="-52"/>
+              </a:rPr>
+              <a:t> </a:t>
+            </a:r>
+            <a:r>
+              <a:rPr lang="ru-RU" sz="2400" dirty="0">
+                <a:latin typeface="Exo 2 Medium" panose="00000600000000000000" pitchFamily="2" charset="-52"/>
+              </a:rPr>
+              <a:t>Уклонение от излишних формальностей.</a:t>
             </a:r>
           </a:p>
         </p:txBody>
@@ -11569,6 +12168,7 @@
           </a:bodyPr>
           <a:lstStyle/>
           <a:p>
+            <a:pPr algn="just"/>
             <a:r>
               <a:rPr lang="ru-RU" sz="2400" dirty="0">
                 <a:latin typeface="Exo 2 Medium" panose="00000600000000000000" pitchFamily="2" charset="-52"/>
@@ -11577,51 +12177,177 @@
             </a:r>
           </a:p>
           <a:p>
+            <a:pPr marL="0" indent="0" algn="just">
+              <a:buNone/>
+            </a:pPr>
+            <a:r>
+              <a:rPr lang="en-US" sz="2400" dirty="0">
+                <a:latin typeface="Exo 2 Medium" panose="00000600000000000000" pitchFamily="2" charset="-52"/>
+              </a:rPr>
+              <a:t>	</a:t>
+            </a:r>
             <a:r>
               <a:rPr lang="ru-RU" sz="2400" dirty="0">
                 <a:latin typeface="Exo 2 Medium" panose="00000600000000000000" pitchFamily="2" charset="-52"/>
               </a:rPr>
-              <a:t>1.	Недостаток структуры.</a:t>
-            </a:r>
-          </a:p>
-          <a:p>
+              <a:t>1.</a:t>
+            </a:r>
+            <a:r>
+              <a:rPr lang="en-US" sz="2400" dirty="0">
+                <a:latin typeface="Exo 2 Medium" panose="00000600000000000000" pitchFamily="2" charset="-52"/>
+              </a:rPr>
+              <a:t> </a:t>
+            </a:r>
             <a:r>
               <a:rPr lang="ru-RU" sz="2400" dirty="0">
                 <a:latin typeface="Exo 2 Medium" panose="00000600000000000000" pitchFamily="2" charset="-52"/>
               </a:rPr>
-              <a:t>2.	Сложности в масштабируемости.</a:t>
-            </a:r>
-          </a:p>
-          <a:p>
+              <a:t>Недостаток структуры.</a:t>
+            </a:r>
+          </a:p>
+          <a:p>
+            <a:pPr marL="0" indent="0" algn="just">
+              <a:buNone/>
+            </a:pPr>
+            <a:r>
+              <a:rPr lang="en-US" sz="2400" dirty="0">
+                <a:latin typeface="Exo 2 Medium" panose="00000600000000000000" pitchFamily="2" charset="-52"/>
+              </a:rPr>
+              <a:t>	</a:t>
+            </a:r>
             <a:r>
               <a:rPr lang="ru-RU" sz="2400" dirty="0">
                 <a:latin typeface="Exo 2 Medium" panose="00000600000000000000" pitchFamily="2" charset="-52"/>
               </a:rPr>
-              <a:t>3.	Возможное недостаточное внимание к архитектуре.</a:t>
-            </a:r>
-          </a:p>
-          <a:p>
+              <a:t>2.</a:t>
+            </a:r>
+            <a:r>
+              <a:rPr lang="en-US" sz="2400" dirty="0">
+                <a:latin typeface="Exo 2 Medium" panose="00000600000000000000" pitchFamily="2" charset="-52"/>
+              </a:rPr>
+              <a:t> </a:t>
+            </a:r>
             <a:r>
               <a:rPr lang="ru-RU" sz="2400" dirty="0">
                 <a:latin typeface="Exo 2 Medium" panose="00000600000000000000" pitchFamily="2" charset="-52"/>
               </a:rPr>
-              <a:t>4.	Не все проекты подходят для XP.</a:t>
-            </a:r>
-          </a:p>
-          <a:p>
+              <a:t>Сложности в масштабируемости.</a:t>
+            </a:r>
+          </a:p>
+          <a:p>
+            <a:pPr marL="0" indent="0" algn="just">
+              <a:buNone/>
+            </a:pPr>
+            <a:r>
+              <a:rPr lang="en-US" sz="2400" dirty="0">
+                <a:latin typeface="Exo 2 Medium" panose="00000600000000000000" pitchFamily="2" charset="-52"/>
+              </a:rPr>
+              <a:t>	</a:t>
+            </a:r>
             <a:r>
               <a:rPr lang="ru-RU" sz="2400" dirty="0">
                 <a:latin typeface="Exo 2 Medium" panose="00000600000000000000" pitchFamily="2" charset="-52"/>
               </a:rPr>
-              <a:t>5.	Невозможность долгосрочного планирования.</a:t>
-            </a:r>
-          </a:p>
-          <a:p>
+              <a:t>3.</a:t>
+            </a:r>
+            <a:r>
+              <a:rPr lang="en-US" sz="2400" dirty="0">
+                <a:latin typeface="Exo 2 Medium" panose="00000600000000000000" pitchFamily="2" charset="-52"/>
+              </a:rPr>
+              <a:t> </a:t>
+            </a:r>
             <a:r>
               <a:rPr lang="ru-RU" sz="2400" dirty="0">
                 <a:latin typeface="Exo 2 Medium" panose="00000600000000000000" pitchFamily="2" charset="-52"/>
               </a:rPr>
-              <a:t>6.	Отсутствие предварительных исследований.</a:t>
+              <a:t>Возможное недостаточное внимание к архитектуре.</a:t>
+            </a:r>
+          </a:p>
+          <a:p>
+            <a:pPr marL="0" indent="0" algn="just">
+              <a:buNone/>
+            </a:pPr>
+            <a:r>
+              <a:rPr lang="en-US" sz="2400" dirty="0">
+                <a:latin typeface="Exo 2 Medium" panose="00000600000000000000" pitchFamily="2" charset="-52"/>
+              </a:rPr>
+              <a:t>	</a:t>
+            </a:r>
+            <a:r>
+              <a:rPr lang="ru-RU" sz="2400" dirty="0">
+                <a:latin typeface="Exo 2 Medium" panose="00000600000000000000" pitchFamily="2" charset="-52"/>
+              </a:rPr>
+              <a:t>4.</a:t>
+            </a:r>
+            <a:r>
+              <a:rPr lang="en-US" sz="2400" dirty="0">
+                <a:latin typeface="Exo 2 Medium" panose="00000600000000000000" pitchFamily="2" charset="-52"/>
+              </a:rPr>
+              <a:t> </a:t>
+            </a:r>
+            <a:r>
+              <a:rPr lang="ru-RU" sz="2400" dirty="0">
+                <a:latin typeface="Exo 2 Medium" panose="00000600000000000000" pitchFamily="2" charset="-52"/>
+              </a:rPr>
+              <a:t>Не все проекты подходят для XP.</a:t>
+            </a:r>
+          </a:p>
+          <a:p>
+            <a:pPr marL="0" indent="0" algn="just">
+              <a:buNone/>
+            </a:pPr>
+            <a:r>
+              <a:rPr lang="en-US" sz="2400" dirty="0">
+                <a:latin typeface="Exo 2 Medium" panose="00000600000000000000" pitchFamily="2" charset="-52"/>
+              </a:rPr>
+              <a:t>	</a:t>
+            </a:r>
+            <a:r>
+              <a:rPr lang="ru-RU" sz="2400" dirty="0">
+                <a:latin typeface="Exo 2 Medium" panose="00000600000000000000" pitchFamily="2" charset="-52"/>
+              </a:rPr>
+              <a:t>5.</a:t>
+            </a:r>
+            <a:r>
+              <a:rPr lang="en-US" sz="2400" dirty="0">
+                <a:latin typeface="Exo 2 Medium" panose="00000600000000000000" pitchFamily="2" charset="-52"/>
+              </a:rPr>
+              <a:t> </a:t>
+            </a:r>
+            <a:r>
+              <a:rPr lang="ru-RU" sz="2400" dirty="0">
+                <a:latin typeface="Exo 2 Medium" panose="00000600000000000000" pitchFamily="2" charset="-52"/>
+              </a:rPr>
+              <a:t>Невозможность долгосрочного планирования.</a:t>
+            </a:r>
+          </a:p>
+          <a:p>
+            <a:pPr marL="0" indent="0" algn="just">
+              <a:buNone/>
+            </a:pPr>
+            <a:r>
+              <a:rPr lang="en-US" sz="2400" dirty="0">
+                <a:latin typeface="Exo 2 Medium" panose="00000600000000000000" pitchFamily="2" charset="-52"/>
+              </a:rPr>
+              <a:t>	</a:t>
+            </a:r>
+            <a:r>
+              <a:rPr lang="ru-RU" sz="2400" dirty="0">
+                <a:latin typeface="Exo 2 Medium" panose="00000600000000000000" pitchFamily="2" charset="-52"/>
+              </a:rPr>
+              <a:t>6.</a:t>
+            </a:r>
+            <a:r>
+              <a:rPr lang="en-US" sz="2400" dirty="0">
+                <a:latin typeface="Exo 2 Medium" panose="00000600000000000000" pitchFamily="2" charset="-52"/>
+              </a:rPr>
+              <a:t> </a:t>
+            </a:r>
+            <a:r>
+              <a:rPr lang="ru-RU" sz="2400" dirty="0">
+                <a:latin typeface="Exo 2 Medium" panose="00000600000000000000" pitchFamily="2" charset="-52"/>
+              </a:rPr>
+              <a:t>Отсутствие предварительных исследований.</a:t>
             </a:r>
           </a:p>
           <a:p>
@@ -11958,6 +12684,7 @@
           </a:bodyPr>
           <a:lstStyle/>
           <a:p>
+            <a:pPr algn="just"/>
             <a:r>
               <a:rPr lang="ru-RU" sz="2400" dirty="0">
                 <a:latin typeface="Exo 2 Medium" panose="00000600000000000000" pitchFamily="2" charset="-52"/>
@@ -11966,6 +12693,7 @@
             </a:r>
           </a:p>
           <a:p>
+            <a:pPr algn="just"/>
             <a:r>
               <a:rPr lang="ru-RU" sz="2400" dirty="0">
                 <a:latin typeface="Exo 2 Medium" panose="00000600000000000000" pitchFamily="2" charset="-52"/>
@@ -12303,6 +13031,7 @@
           </a:bodyPr>
           <a:lstStyle/>
           <a:p>
+            <a:pPr algn="just"/>
             <a:r>
               <a:rPr lang="ru-RU" sz="2400" dirty="0">
                 <a:latin typeface="Exo 2 Medium" panose="00000600000000000000" pitchFamily="2" charset="-52"/>
@@ -12311,19 +13040,55 @@
             </a:r>
           </a:p>
           <a:p>
+            <a:pPr marL="0" indent="0" algn="just">
+              <a:buNone/>
+            </a:pPr>
+            <a:r>
+              <a:rPr lang="en-US" sz="2400" dirty="0">
+                <a:latin typeface="Exo 2 Medium" panose="00000600000000000000" pitchFamily="2" charset="-52"/>
+              </a:rPr>
+              <a:t>	</a:t>
+            </a:r>
             <a:r>
               <a:rPr lang="ru-RU" sz="2400" dirty="0">
                 <a:latin typeface="Exo 2 Medium" panose="00000600000000000000" pitchFamily="2" charset="-52"/>
               </a:rPr>
-              <a:t>1.	Итеративность</a:t>
-            </a:r>
-          </a:p>
-          <a:p>
+              <a:t>1.</a:t>
+            </a:r>
+            <a:r>
+              <a:rPr lang="en-US" sz="2400" dirty="0">
+                <a:latin typeface="Exo 2 Medium" panose="00000600000000000000" pitchFamily="2" charset="-52"/>
+              </a:rPr>
+              <a:t> </a:t>
+            </a:r>
             <a:r>
               <a:rPr lang="ru-RU" sz="2400" dirty="0">
                 <a:latin typeface="Exo 2 Medium" panose="00000600000000000000" pitchFamily="2" charset="-52"/>
               </a:rPr>
-              <a:t>2.	</a:t>
+              <a:t>Итеративность</a:t>
+            </a:r>
+          </a:p>
+          <a:p>
+            <a:pPr marL="0" indent="0" algn="just">
+              <a:buNone/>
+            </a:pPr>
+            <a:r>
+              <a:rPr lang="en-US" sz="2400" dirty="0">
+                <a:latin typeface="Exo 2 Medium" panose="00000600000000000000" pitchFamily="2" charset="-52"/>
+              </a:rPr>
+              <a:t>	</a:t>
+            </a:r>
+            <a:r>
+              <a:rPr lang="ru-RU" sz="2400" dirty="0">
+                <a:latin typeface="Exo 2 Medium" panose="00000600000000000000" pitchFamily="2" charset="-52"/>
+              </a:rPr>
+              <a:t>2.</a:t>
+            </a:r>
+            <a:r>
+              <a:rPr lang="en-US" sz="2400" dirty="0">
+                <a:latin typeface="Exo 2 Medium" panose="00000600000000000000" pitchFamily="2" charset="-52"/>
+              </a:rPr>
+              <a:t> </a:t>
             </a:r>
             <a:r>
               <a:rPr lang="ru-RU" sz="2400" dirty="0" err="1">
@@ -12339,43 +13104,148 @@
             </a:r>
           </a:p>
           <a:p>
+            <a:pPr marL="0" indent="0" algn="just">
+              <a:buNone/>
+            </a:pPr>
+            <a:r>
+              <a:rPr lang="en-US" sz="2400" dirty="0">
+                <a:latin typeface="Exo 2 Medium" panose="00000600000000000000" pitchFamily="2" charset="-52"/>
+              </a:rPr>
+              <a:t>	</a:t>
+            </a:r>
             <a:r>
               <a:rPr lang="ru-RU" sz="2400" dirty="0">
                 <a:latin typeface="Exo 2 Medium" panose="00000600000000000000" pitchFamily="2" charset="-52"/>
               </a:rPr>
-              <a:t>3.	Артефакты</a:t>
-            </a:r>
-          </a:p>
-          <a:p>
+              <a:t>3.</a:t>
+            </a:r>
+            <a:r>
+              <a:rPr lang="en-US" sz="2400" dirty="0">
+                <a:latin typeface="Exo 2 Medium" panose="00000600000000000000" pitchFamily="2" charset="-52"/>
+              </a:rPr>
+              <a:t> </a:t>
+            </a:r>
             <a:r>
               <a:rPr lang="ru-RU" sz="2400" dirty="0">
                 <a:latin typeface="Exo 2 Medium" panose="00000600000000000000" pitchFamily="2" charset="-52"/>
               </a:rPr>
-              <a:t>4.	Архитектурное управление</a:t>
-            </a:r>
-          </a:p>
-          <a:p>
+              <a:t>Артефакты</a:t>
+            </a:r>
+          </a:p>
+          <a:p>
+            <a:pPr marL="0" indent="0" algn="just">
+              <a:buNone/>
+            </a:pPr>
+            <a:r>
+              <a:rPr lang="en-US" sz="2400" dirty="0">
+                <a:latin typeface="Exo 2 Medium" panose="00000600000000000000" pitchFamily="2" charset="-52"/>
+              </a:rPr>
+              <a:t>	</a:t>
+            </a:r>
             <a:r>
               <a:rPr lang="ru-RU" sz="2400" dirty="0">
                 <a:latin typeface="Exo 2 Medium" panose="00000600000000000000" pitchFamily="2" charset="-52"/>
               </a:rPr>
-              <a:t>5.	Управление рисками</a:t>
-            </a:r>
-          </a:p>
-          <a:p>
+              <a:t>4.</a:t>
+            </a:r>
+            <a:r>
+              <a:rPr lang="en-US" sz="2400" dirty="0">
+                <a:latin typeface="Exo 2 Medium" panose="00000600000000000000" pitchFamily="2" charset="-52"/>
+              </a:rPr>
+              <a:t> </a:t>
+            </a:r>
             <a:r>
               <a:rPr lang="ru-RU" sz="2400" dirty="0">
                 <a:latin typeface="Exo 2 Medium" panose="00000600000000000000" pitchFamily="2" charset="-52"/>
               </a:rPr>
-              <a:t>6.	Поддержка различных типов процессов</a:t>
-            </a:r>
-          </a:p>
-          <a:p>
+              <a:t>Архитектурное управление</a:t>
+            </a:r>
+          </a:p>
+          <a:p>
+            <a:pPr marL="0" indent="0" algn="just">
+              <a:buNone/>
+            </a:pPr>
+            <a:r>
+              <a:rPr lang="en-US" sz="2400" dirty="0">
+                <a:latin typeface="Exo 2 Medium" panose="00000600000000000000" pitchFamily="2" charset="-52"/>
+              </a:rPr>
+              <a:t>	</a:t>
+            </a:r>
             <a:r>
               <a:rPr lang="ru-RU" sz="2400" dirty="0">
                 <a:latin typeface="Exo 2 Medium" panose="00000600000000000000" pitchFamily="2" charset="-52"/>
               </a:rPr>
-              <a:t>7.	Управление изменениями</a:t>
+              <a:t>5.</a:t>
+            </a:r>
+            <a:r>
+              <a:rPr lang="en-US" sz="2400" dirty="0">
+                <a:latin typeface="Exo 2 Medium" panose="00000600000000000000" pitchFamily="2" charset="-52"/>
+              </a:rPr>
+              <a:t> </a:t>
+            </a:r>
+            <a:r>
+              <a:rPr lang="ru-RU" sz="2400" dirty="0">
+                <a:latin typeface="Exo 2 Medium" panose="00000600000000000000" pitchFamily="2" charset="-52"/>
+              </a:rPr>
+              <a:t>Управление рисками</a:t>
+            </a:r>
+          </a:p>
+          <a:p>
+            <a:pPr marL="0" indent="0" algn="just">
+              <a:buNone/>
+            </a:pPr>
+            <a:r>
+              <a:rPr lang="en-US" sz="2400" dirty="0">
+                <a:latin typeface="Exo 2 Medium" panose="00000600000000000000" pitchFamily="2" charset="-52"/>
+              </a:rPr>
+              <a:t>	</a:t>
+            </a:r>
+            <a:r>
+              <a:rPr lang="ru-RU" sz="2400" dirty="0">
+                <a:latin typeface="Exo 2 Medium" panose="00000600000000000000" pitchFamily="2" charset="-52"/>
+              </a:rPr>
+              <a:t>6.</a:t>
+            </a:r>
+            <a:r>
+              <a:rPr lang="en-US" sz="2400" dirty="0">
+                <a:latin typeface="Exo 2 Medium" panose="00000600000000000000" pitchFamily="2" charset="-52"/>
+              </a:rPr>
+              <a:t> </a:t>
+            </a:r>
+            <a:r>
+              <a:rPr lang="ru-RU" sz="2400" dirty="0">
+                <a:latin typeface="Exo 2 Medium" panose="00000600000000000000" pitchFamily="2" charset="-52"/>
+              </a:rPr>
+              <a:t>Поддержка различных типов процессов</a:t>
+            </a:r>
+          </a:p>
+          <a:p>
+            <a:pPr marL="0" indent="0" algn="just">
+              <a:buNone/>
+            </a:pPr>
+            <a:r>
+              <a:rPr lang="en-US" sz="2400" dirty="0">
+                <a:latin typeface="Exo 2 Medium" panose="00000600000000000000" pitchFamily="2" charset="-52"/>
+              </a:rPr>
+              <a:t>	</a:t>
+            </a:r>
+            <a:r>
+              <a:rPr lang="ru-RU" sz="2400" dirty="0">
+                <a:latin typeface="Exo 2 Medium" panose="00000600000000000000" pitchFamily="2" charset="-52"/>
+              </a:rPr>
+              <a:t>7.</a:t>
+            </a:r>
+            <a:r>
+              <a:rPr lang="en-US" sz="2400" dirty="0">
+                <a:latin typeface="Exo 2 Medium" panose="00000600000000000000" pitchFamily="2" charset="-52"/>
+              </a:rPr>
+              <a:t> </a:t>
+            </a:r>
+            <a:r>
+              <a:rPr lang="ru-RU" sz="2400" dirty="0">
+                <a:latin typeface="Exo 2 Medium" panose="00000600000000000000" pitchFamily="2" charset="-52"/>
+              </a:rPr>
+              <a:t>Управление изменениями</a:t>
             </a:r>
           </a:p>
           <a:p>
@@ -12712,6 +13582,7 @@
           </a:bodyPr>
           <a:lstStyle/>
           <a:p>
+            <a:pPr algn="just"/>
             <a:r>
               <a:rPr lang="ru-RU" sz="2400" dirty="0">
                 <a:latin typeface="Exo 2 Medium" panose="00000600000000000000" pitchFamily="2" charset="-52"/>
@@ -12720,20 +13591,73 @@
             </a:r>
           </a:p>
           <a:p>
+            <a:pPr marL="0" indent="0" algn="just">
+              <a:buNone/>
+            </a:pPr>
+            <a:r>
+              <a:rPr lang="en-US" sz="2400" dirty="0">
+                <a:latin typeface="Exo 2 Medium" panose="00000600000000000000" pitchFamily="2" charset="-52"/>
+              </a:rPr>
+              <a:t>	</a:t>
+            </a:r>
             <a:r>
               <a:rPr lang="ru-RU" sz="2400" dirty="0">
                 <a:latin typeface="Exo 2 Medium" panose="00000600000000000000" pitchFamily="2" charset="-52"/>
               </a:rPr>
-              <a:t>1.	Начальная фаза: необходима для выявления общей цели проекта, оценка его технической и экономической осуществимости, выявление основных рисков. </a:t>
-            </a:r>
-          </a:p>
-          <a:p>
+              <a:t>1.</a:t>
+            </a:r>
+            <a:r>
+              <a:rPr lang="en-US" sz="2400" dirty="0">
+                <a:latin typeface="Exo 2 Medium" panose="00000600000000000000" pitchFamily="2" charset="-52"/>
+              </a:rPr>
+              <a:t> </a:t>
+            </a:r>
             <a:r>
               <a:rPr lang="ru-RU" sz="2400" dirty="0">
                 <a:latin typeface="Exo 2 Medium" panose="00000600000000000000" pitchFamily="2" charset="-52"/>
               </a:rPr>
-              <a:t>2.	Разрабатывающая фаза: необходима для проектирования архитектуры, уточнение требований, определение основных компонентов системы. </a:t>
-            </a:r>
+              <a:t>Начальная фаза: необходима для выявления общей цели проекта, оценка его технической и экономической осуществимости, выявление основных рисков. </a:t>
+            </a:r>
+          </a:p>
+          <a:p>
+            <a:pPr marL="0" indent="0" algn="just">
+              <a:buNone/>
+            </a:pPr>
+            <a:r>
+              <a:rPr lang="en-US" sz="2400" dirty="0">
+                <a:latin typeface="Exo 2 Medium" panose="00000600000000000000" pitchFamily="2" charset="-52"/>
+              </a:rPr>
+              <a:t>	</a:t>
+            </a:r>
+            <a:r>
+              <a:rPr lang="ru-RU" sz="2400" dirty="0">
+                <a:latin typeface="Exo 2 Medium" panose="00000600000000000000" pitchFamily="2" charset="-52"/>
+              </a:rPr>
+              <a:t>2.</a:t>
+            </a:r>
+            <a:r>
+              <a:rPr lang="en-US" sz="2400" dirty="0">
+                <a:latin typeface="Exo 2 Medium" panose="00000600000000000000" pitchFamily="2" charset="-52"/>
+              </a:rPr>
+              <a:t> </a:t>
+            </a:r>
+            <a:r>
+              <a:rPr lang="ru-RU" sz="2400" dirty="0">
+                <a:latin typeface="Exo 2 Medium" panose="00000600000000000000" pitchFamily="2" charset="-52"/>
+              </a:rPr>
+              <a:t>Разрабатывающая фаза: необходима для проектирования архитектуры, уточнение требований, определение основных компонентов системы. </a:t>
+            </a:r>
+            <a:endParaRPr lang="en-US" sz="2400" dirty="0">
+              <a:latin typeface="Exo 2 Medium" panose="00000600000000000000" pitchFamily="2" charset="-52"/>
+            </a:endParaRPr>
+          </a:p>
+          <a:p>
+            <a:pPr marL="0" indent="0" algn="just">
+              <a:buNone/>
+            </a:pPr>
+            <a:endParaRPr lang="ru-RU" sz="2400" dirty="0">
+              <a:latin typeface="Exo 2 Medium" panose="00000600000000000000" pitchFamily="2" charset="-52"/>
+            </a:endParaRPr>
           </a:p>
         </p:txBody>
       </p:sp>

--- a/Рефераты/Введение в професию/Наработки/Презентация.pptx
+++ b/Рефераты/Введение в професию/Наработки/Презентация.pptx
@@ -8676,13 +8676,6 @@
               <a:rPr lang="ru-RU" sz="2400" dirty="0"/>
               <a:t>	3. Строительная фаза: включает в себя фактическую реализация и тестирование системы, разработка пошаговых инкрементов возможностей системы. </a:t>
             </a:r>
-            <a:endParaRPr lang="en-US" sz="2400" dirty="0"/>
-          </a:p>
-          <a:p>
-            <a:pPr marL="0" indent="0" algn="just">
-              <a:buNone/>
-            </a:pPr>
-            <a:endParaRPr lang="ru-RU" sz="2400" dirty="0"/>
           </a:p>
           <a:p>
             <a:pPr marL="0" indent="0" algn="just">
@@ -8694,10 +8687,11 @@
             </a:r>
           </a:p>
           <a:p>
-            <a:pPr marL="0" indent="0" algn="just">
-              <a:buNone/>
-            </a:pPr>
-            <a:endParaRPr lang="ru-RU" sz="2400" dirty="0"/>
+            <a:pPr algn="just"/>
+            <a:r>
+              <a:rPr lang="ru-RU" sz="2400" dirty="0"/>
+              <a:t>Каждая из этих фаз имеет свои цели, активности и результаты, и представляет собой важный этап в цикле разработки программного обеспечения с использованием унифицированного процесса.</a:t>
+            </a:r>
           </a:p>
         </p:txBody>
       </p:sp>
